--- a/thesis/ukapp2/wqu_isc/sofware_design/Javabc06.pptx
+++ b/thesis/ukapp2/wqu_isc/sofware_design/Javabc06.pptx
@@ -11300,6 +11300,726 @@
   <p:clrMapOvr>
     <a:masterClrMapping/>
   </p:clrMapOvr>
+  <p:timing>
+    <p:tnLst>
+      <p:par>
+        <p:cTn id="1" dur="indefinite" restart="never" nodeType="tmRoot">
+          <p:childTnLst>
+            <p:seq concurrent="1" nextAc="seek">
+              <p:cTn id="2" dur="indefinite" nodeType="mainSeq">
+                <p:childTnLst>
+                  <p:par>
+                    <p:cTn id="3" fill="hold">
+                      <p:stCondLst>
+                        <p:cond delay="indefinite"/>
+                      </p:stCondLst>
+                      <p:childTnLst>
+                        <p:par>
+                          <p:cTn id="4" fill="hold">
+                            <p:stCondLst>
+                              <p:cond delay="0"/>
+                            </p:stCondLst>
+                            <p:childTnLst>
+                              <p:par>
+                                <p:cTn id="5" presetID="42" presetClass="entr" presetSubtype="0" fill="hold" nodeType="clickEffect">
+                                  <p:stCondLst>
+                                    <p:cond delay="0"/>
+                                  </p:stCondLst>
+                                  <p:childTnLst>
+                                    <p:set>
+                                      <p:cBhvr>
+                                        <p:cTn id="6" dur="1" fill="hold">
+                                          <p:stCondLst>
+                                            <p:cond delay="0"/>
+                                          </p:stCondLst>
+                                        </p:cTn>
+                                        <p:tgtEl>
+                                          <p:spTgt spid="3">
+                                            <p:txEl>
+                                              <p:pRg st="0" end="0"/>
+                                            </p:txEl>
+                                          </p:spTgt>
+                                        </p:tgtEl>
+                                        <p:attrNameLst>
+                                          <p:attrName>style.visibility</p:attrName>
+                                        </p:attrNameLst>
+                                      </p:cBhvr>
+                                      <p:to>
+                                        <p:strVal val="visible"/>
+                                      </p:to>
+                                    </p:set>
+                                    <p:animEffect transition="in" filter="fade">
+                                      <p:cBhvr>
+                                        <p:cTn id="7" dur="1000"/>
+                                        <p:tgtEl>
+                                          <p:spTgt spid="3">
+                                            <p:txEl>
+                                              <p:pRg st="0" end="0"/>
+                                            </p:txEl>
+                                          </p:spTgt>
+                                        </p:tgtEl>
+                                      </p:cBhvr>
+                                    </p:animEffect>
+                                    <p:anim calcmode="lin" valueType="num">
+                                      <p:cBhvr>
+                                        <p:cTn id="8" dur="1000" fill="hold"/>
+                                        <p:tgtEl>
+                                          <p:spTgt spid="3">
+                                            <p:txEl>
+                                              <p:pRg st="0" end="0"/>
+                                            </p:txEl>
+                                          </p:spTgt>
+                                        </p:tgtEl>
+                                        <p:attrNameLst>
+                                          <p:attrName>ppt_x</p:attrName>
+                                        </p:attrNameLst>
+                                      </p:cBhvr>
+                                      <p:tavLst>
+                                        <p:tav tm="0">
+                                          <p:val>
+                                            <p:strVal val="#ppt_x"/>
+                                          </p:val>
+                                        </p:tav>
+                                        <p:tav tm="100000">
+                                          <p:val>
+                                            <p:strVal val="#ppt_x"/>
+                                          </p:val>
+                                        </p:tav>
+                                      </p:tavLst>
+                                    </p:anim>
+                                    <p:anim calcmode="lin" valueType="num">
+                                      <p:cBhvr>
+                                        <p:cTn id="9" dur="1000" fill="hold"/>
+                                        <p:tgtEl>
+                                          <p:spTgt spid="3">
+                                            <p:txEl>
+                                              <p:pRg st="0" end="0"/>
+                                            </p:txEl>
+                                          </p:spTgt>
+                                        </p:tgtEl>
+                                        <p:attrNameLst>
+                                          <p:attrName>ppt_y</p:attrName>
+                                        </p:attrNameLst>
+                                      </p:cBhvr>
+                                      <p:tavLst>
+                                        <p:tav tm="0">
+                                          <p:val>
+                                            <p:strVal val="#ppt_y+.1"/>
+                                          </p:val>
+                                        </p:tav>
+                                        <p:tav tm="100000">
+                                          <p:val>
+                                            <p:strVal val="#ppt_y"/>
+                                          </p:val>
+                                        </p:tav>
+                                      </p:tavLst>
+                                    </p:anim>
+                                  </p:childTnLst>
+                                </p:cTn>
+                              </p:par>
+                            </p:childTnLst>
+                          </p:cTn>
+                        </p:par>
+                      </p:childTnLst>
+                    </p:cTn>
+                  </p:par>
+                  <p:par>
+                    <p:cTn id="10" fill="hold">
+                      <p:stCondLst>
+                        <p:cond delay="indefinite"/>
+                      </p:stCondLst>
+                      <p:childTnLst>
+                        <p:par>
+                          <p:cTn id="11" fill="hold">
+                            <p:stCondLst>
+                              <p:cond delay="0"/>
+                            </p:stCondLst>
+                            <p:childTnLst>
+                              <p:par>
+                                <p:cTn id="12" presetID="42" presetClass="entr" presetSubtype="0" fill="hold" nodeType="clickEffect">
+                                  <p:stCondLst>
+                                    <p:cond delay="0"/>
+                                  </p:stCondLst>
+                                  <p:childTnLst>
+                                    <p:set>
+                                      <p:cBhvr>
+                                        <p:cTn id="13" dur="1" fill="hold">
+                                          <p:stCondLst>
+                                            <p:cond delay="0"/>
+                                          </p:stCondLst>
+                                        </p:cTn>
+                                        <p:tgtEl>
+                                          <p:spTgt spid="3">
+                                            <p:txEl>
+                                              <p:pRg st="1" end="1"/>
+                                            </p:txEl>
+                                          </p:spTgt>
+                                        </p:tgtEl>
+                                        <p:attrNameLst>
+                                          <p:attrName>style.visibility</p:attrName>
+                                        </p:attrNameLst>
+                                      </p:cBhvr>
+                                      <p:to>
+                                        <p:strVal val="visible"/>
+                                      </p:to>
+                                    </p:set>
+                                    <p:animEffect transition="in" filter="fade">
+                                      <p:cBhvr>
+                                        <p:cTn id="14" dur="1000"/>
+                                        <p:tgtEl>
+                                          <p:spTgt spid="3">
+                                            <p:txEl>
+                                              <p:pRg st="1" end="1"/>
+                                            </p:txEl>
+                                          </p:spTgt>
+                                        </p:tgtEl>
+                                      </p:cBhvr>
+                                    </p:animEffect>
+                                    <p:anim calcmode="lin" valueType="num">
+                                      <p:cBhvr>
+                                        <p:cTn id="15" dur="1000" fill="hold"/>
+                                        <p:tgtEl>
+                                          <p:spTgt spid="3">
+                                            <p:txEl>
+                                              <p:pRg st="1" end="1"/>
+                                            </p:txEl>
+                                          </p:spTgt>
+                                        </p:tgtEl>
+                                        <p:attrNameLst>
+                                          <p:attrName>ppt_x</p:attrName>
+                                        </p:attrNameLst>
+                                      </p:cBhvr>
+                                      <p:tavLst>
+                                        <p:tav tm="0">
+                                          <p:val>
+                                            <p:strVal val="#ppt_x"/>
+                                          </p:val>
+                                        </p:tav>
+                                        <p:tav tm="100000">
+                                          <p:val>
+                                            <p:strVal val="#ppt_x"/>
+                                          </p:val>
+                                        </p:tav>
+                                      </p:tavLst>
+                                    </p:anim>
+                                    <p:anim calcmode="lin" valueType="num">
+                                      <p:cBhvr>
+                                        <p:cTn id="16" dur="1000" fill="hold"/>
+                                        <p:tgtEl>
+                                          <p:spTgt spid="3">
+                                            <p:txEl>
+                                              <p:pRg st="1" end="1"/>
+                                            </p:txEl>
+                                          </p:spTgt>
+                                        </p:tgtEl>
+                                        <p:attrNameLst>
+                                          <p:attrName>ppt_y</p:attrName>
+                                        </p:attrNameLst>
+                                      </p:cBhvr>
+                                      <p:tavLst>
+                                        <p:tav tm="0">
+                                          <p:val>
+                                            <p:strVal val="#ppt_y+.1"/>
+                                          </p:val>
+                                        </p:tav>
+                                        <p:tav tm="100000">
+                                          <p:val>
+                                            <p:strVal val="#ppt_y"/>
+                                          </p:val>
+                                        </p:tav>
+                                      </p:tavLst>
+                                    </p:anim>
+                                  </p:childTnLst>
+                                </p:cTn>
+                              </p:par>
+                            </p:childTnLst>
+                          </p:cTn>
+                        </p:par>
+                      </p:childTnLst>
+                    </p:cTn>
+                  </p:par>
+                  <p:par>
+                    <p:cTn id="17" fill="hold">
+                      <p:stCondLst>
+                        <p:cond delay="indefinite"/>
+                      </p:stCondLst>
+                      <p:childTnLst>
+                        <p:par>
+                          <p:cTn id="18" fill="hold">
+                            <p:stCondLst>
+                              <p:cond delay="0"/>
+                            </p:stCondLst>
+                            <p:childTnLst>
+                              <p:par>
+                                <p:cTn id="19" presetID="42" presetClass="entr" presetSubtype="0" fill="hold" nodeType="clickEffect">
+                                  <p:stCondLst>
+                                    <p:cond delay="0"/>
+                                  </p:stCondLst>
+                                  <p:childTnLst>
+                                    <p:set>
+                                      <p:cBhvr>
+                                        <p:cTn id="20" dur="1" fill="hold">
+                                          <p:stCondLst>
+                                            <p:cond delay="0"/>
+                                          </p:stCondLst>
+                                        </p:cTn>
+                                        <p:tgtEl>
+                                          <p:spTgt spid="3">
+                                            <p:txEl>
+                                              <p:pRg st="2" end="2"/>
+                                            </p:txEl>
+                                          </p:spTgt>
+                                        </p:tgtEl>
+                                        <p:attrNameLst>
+                                          <p:attrName>style.visibility</p:attrName>
+                                        </p:attrNameLst>
+                                      </p:cBhvr>
+                                      <p:to>
+                                        <p:strVal val="visible"/>
+                                      </p:to>
+                                    </p:set>
+                                    <p:animEffect transition="in" filter="fade">
+                                      <p:cBhvr>
+                                        <p:cTn id="21" dur="1000"/>
+                                        <p:tgtEl>
+                                          <p:spTgt spid="3">
+                                            <p:txEl>
+                                              <p:pRg st="2" end="2"/>
+                                            </p:txEl>
+                                          </p:spTgt>
+                                        </p:tgtEl>
+                                      </p:cBhvr>
+                                    </p:animEffect>
+                                    <p:anim calcmode="lin" valueType="num">
+                                      <p:cBhvr>
+                                        <p:cTn id="22" dur="1000" fill="hold"/>
+                                        <p:tgtEl>
+                                          <p:spTgt spid="3">
+                                            <p:txEl>
+                                              <p:pRg st="2" end="2"/>
+                                            </p:txEl>
+                                          </p:spTgt>
+                                        </p:tgtEl>
+                                        <p:attrNameLst>
+                                          <p:attrName>ppt_x</p:attrName>
+                                        </p:attrNameLst>
+                                      </p:cBhvr>
+                                      <p:tavLst>
+                                        <p:tav tm="0">
+                                          <p:val>
+                                            <p:strVal val="#ppt_x"/>
+                                          </p:val>
+                                        </p:tav>
+                                        <p:tav tm="100000">
+                                          <p:val>
+                                            <p:strVal val="#ppt_x"/>
+                                          </p:val>
+                                        </p:tav>
+                                      </p:tavLst>
+                                    </p:anim>
+                                    <p:anim calcmode="lin" valueType="num">
+                                      <p:cBhvr>
+                                        <p:cTn id="23" dur="1000" fill="hold"/>
+                                        <p:tgtEl>
+                                          <p:spTgt spid="3">
+                                            <p:txEl>
+                                              <p:pRg st="2" end="2"/>
+                                            </p:txEl>
+                                          </p:spTgt>
+                                        </p:tgtEl>
+                                        <p:attrNameLst>
+                                          <p:attrName>ppt_y</p:attrName>
+                                        </p:attrNameLst>
+                                      </p:cBhvr>
+                                      <p:tavLst>
+                                        <p:tav tm="0">
+                                          <p:val>
+                                            <p:strVal val="#ppt_y+.1"/>
+                                          </p:val>
+                                        </p:tav>
+                                        <p:tav tm="100000">
+                                          <p:val>
+                                            <p:strVal val="#ppt_y"/>
+                                          </p:val>
+                                        </p:tav>
+                                      </p:tavLst>
+                                    </p:anim>
+                                  </p:childTnLst>
+                                </p:cTn>
+                              </p:par>
+                            </p:childTnLst>
+                          </p:cTn>
+                        </p:par>
+                      </p:childTnLst>
+                    </p:cTn>
+                  </p:par>
+                  <p:par>
+                    <p:cTn id="24" fill="hold">
+                      <p:stCondLst>
+                        <p:cond delay="indefinite"/>
+                      </p:stCondLst>
+                      <p:childTnLst>
+                        <p:par>
+                          <p:cTn id="25" fill="hold">
+                            <p:stCondLst>
+                              <p:cond delay="0"/>
+                            </p:stCondLst>
+                            <p:childTnLst>
+                              <p:par>
+                                <p:cTn id="26" presetID="42" presetClass="entr" presetSubtype="0" fill="hold" nodeType="clickEffect">
+                                  <p:stCondLst>
+                                    <p:cond delay="0"/>
+                                  </p:stCondLst>
+                                  <p:childTnLst>
+                                    <p:set>
+                                      <p:cBhvr>
+                                        <p:cTn id="27" dur="1" fill="hold">
+                                          <p:stCondLst>
+                                            <p:cond delay="0"/>
+                                          </p:stCondLst>
+                                        </p:cTn>
+                                        <p:tgtEl>
+                                          <p:spTgt spid="3">
+                                            <p:txEl>
+                                              <p:pRg st="3" end="3"/>
+                                            </p:txEl>
+                                          </p:spTgt>
+                                        </p:tgtEl>
+                                        <p:attrNameLst>
+                                          <p:attrName>style.visibility</p:attrName>
+                                        </p:attrNameLst>
+                                      </p:cBhvr>
+                                      <p:to>
+                                        <p:strVal val="visible"/>
+                                      </p:to>
+                                    </p:set>
+                                    <p:animEffect transition="in" filter="fade">
+                                      <p:cBhvr>
+                                        <p:cTn id="28" dur="1000"/>
+                                        <p:tgtEl>
+                                          <p:spTgt spid="3">
+                                            <p:txEl>
+                                              <p:pRg st="3" end="3"/>
+                                            </p:txEl>
+                                          </p:spTgt>
+                                        </p:tgtEl>
+                                      </p:cBhvr>
+                                    </p:animEffect>
+                                    <p:anim calcmode="lin" valueType="num">
+                                      <p:cBhvr>
+                                        <p:cTn id="29" dur="1000" fill="hold"/>
+                                        <p:tgtEl>
+                                          <p:spTgt spid="3">
+                                            <p:txEl>
+                                              <p:pRg st="3" end="3"/>
+                                            </p:txEl>
+                                          </p:spTgt>
+                                        </p:tgtEl>
+                                        <p:attrNameLst>
+                                          <p:attrName>ppt_x</p:attrName>
+                                        </p:attrNameLst>
+                                      </p:cBhvr>
+                                      <p:tavLst>
+                                        <p:tav tm="0">
+                                          <p:val>
+                                            <p:strVal val="#ppt_x"/>
+                                          </p:val>
+                                        </p:tav>
+                                        <p:tav tm="100000">
+                                          <p:val>
+                                            <p:strVal val="#ppt_x"/>
+                                          </p:val>
+                                        </p:tav>
+                                      </p:tavLst>
+                                    </p:anim>
+                                    <p:anim calcmode="lin" valueType="num">
+                                      <p:cBhvr>
+                                        <p:cTn id="30" dur="1000" fill="hold"/>
+                                        <p:tgtEl>
+                                          <p:spTgt spid="3">
+                                            <p:txEl>
+                                              <p:pRg st="3" end="3"/>
+                                            </p:txEl>
+                                          </p:spTgt>
+                                        </p:tgtEl>
+                                        <p:attrNameLst>
+                                          <p:attrName>ppt_y</p:attrName>
+                                        </p:attrNameLst>
+                                      </p:cBhvr>
+                                      <p:tavLst>
+                                        <p:tav tm="0">
+                                          <p:val>
+                                            <p:strVal val="#ppt_y+.1"/>
+                                          </p:val>
+                                        </p:tav>
+                                        <p:tav tm="100000">
+                                          <p:val>
+                                            <p:strVal val="#ppt_y"/>
+                                          </p:val>
+                                        </p:tav>
+                                      </p:tavLst>
+                                    </p:anim>
+                                  </p:childTnLst>
+                                </p:cTn>
+                              </p:par>
+                            </p:childTnLst>
+                          </p:cTn>
+                        </p:par>
+                      </p:childTnLst>
+                    </p:cTn>
+                  </p:par>
+                  <p:par>
+                    <p:cTn id="31" fill="hold">
+                      <p:stCondLst>
+                        <p:cond delay="indefinite"/>
+                      </p:stCondLst>
+                      <p:childTnLst>
+                        <p:par>
+                          <p:cTn id="32" fill="hold">
+                            <p:stCondLst>
+                              <p:cond delay="0"/>
+                            </p:stCondLst>
+                            <p:childTnLst>
+                              <p:par>
+                                <p:cTn id="33" presetID="42" presetClass="entr" presetSubtype="0" fill="hold" nodeType="clickEffect">
+                                  <p:stCondLst>
+                                    <p:cond delay="0"/>
+                                  </p:stCondLst>
+                                  <p:childTnLst>
+                                    <p:set>
+                                      <p:cBhvr>
+                                        <p:cTn id="34" dur="1" fill="hold">
+                                          <p:stCondLst>
+                                            <p:cond delay="0"/>
+                                          </p:stCondLst>
+                                        </p:cTn>
+                                        <p:tgtEl>
+                                          <p:spTgt spid="3">
+                                            <p:txEl>
+                                              <p:pRg st="4" end="4"/>
+                                            </p:txEl>
+                                          </p:spTgt>
+                                        </p:tgtEl>
+                                        <p:attrNameLst>
+                                          <p:attrName>style.visibility</p:attrName>
+                                        </p:attrNameLst>
+                                      </p:cBhvr>
+                                      <p:to>
+                                        <p:strVal val="visible"/>
+                                      </p:to>
+                                    </p:set>
+                                    <p:animEffect transition="in" filter="fade">
+                                      <p:cBhvr>
+                                        <p:cTn id="35" dur="1000"/>
+                                        <p:tgtEl>
+                                          <p:spTgt spid="3">
+                                            <p:txEl>
+                                              <p:pRg st="4" end="4"/>
+                                            </p:txEl>
+                                          </p:spTgt>
+                                        </p:tgtEl>
+                                      </p:cBhvr>
+                                    </p:animEffect>
+                                    <p:anim calcmode="lin" valueType="num">
+                                      <p:cBhvr>
+                                        <p:cTn id="36" dur="1000" fill="hold"/>
+                                        <p:tgtEl>
+                                          <p:spTgt spid="3">
+                                            <p:txEl>
+                                              <p:pRg st="4" end="4"/>
+                                            </p:txEl>
+                                          </p:spTgt>
+                                        </p:tgtEl>
+                                        <p:attrNameLst>
+                                          <p:attrName>ppt_x</p:attrName>
+                                        </p:attrNameLst>
+                                      </p:cBhvr>
+                                      <p:tavLst>
+                                        <p:tav tm="0">
+                                          <p:val>
+                                            <p:strVal val="#ppt_x"/>
+                                          </p:val>
+                                        </p:tav>
+                                        <p:tav tm="100000">
+                                          <p:val>
+                                            <p:strVal val="#ppt_x"/>
+                                          </p:val>
+                                        </p:tav>
+                                      </p:tavLst>
+                                    </p:anim>
+                                    <p:anim calcmode="lin" valueType="num">
+                                      <p:cBhvr>
+                                        <p:cTn id="37" dur="1000" fill="hold"/>
+                                        <p:tgtEl>
+                                          <p:spTgt spid="3">
+                                            <p:txEl>
+                                              <p:pRg st="4" end="4"/>
+                                            </p:txEl>
+                                          </p:spTgt>
+                                        </p:tgtEl>
+                                        <p:attrNameLst>
+                                          <p:attrName>ppt_y</p:attrName>
+                                        </p:attrNameLst>
+                                      </p:cBhvr>
+                                      <p:tavLst>
+                                        <p:tav tm="0">
+                                          <p:val>
+                                            <p:strVal val="#ppt_y+.1"/>
+                                          </p:val>
+                                        </p:tav>
+                                        <p:tav tm="100000">
+                                          <p:val>
+                                            <p:strVal val="#ppt_y"/>
+                                          </p:val>
+                                        </p:tav>
+                                      </p:tavLst>
+                                    </p:anim>
+                                  </p:childTnLst>
+                                </p:cTn>
+                              </p:par>
+                            </p:childTnLst>
+                          </p:cTn>
+                        </p:par>
+                      </p:childTnLst>
+                    </p:cTn>
+                  </p:par>
+                  <p:par>
+                    <p:cTn id="38" fill="hold">
+                      <p:stCondLst>
+                        <p:cond delay="indefinite"/>
+                      </p:stCondLst>
+                      <p:childTnLst>
+                        <p:par>
+                          <p:cTn id="39" fill="hold">
+                            <p:stCondLst>
+                              <p:cond delay="0"/>
+                            </p:stCondLst>
+                            <p:childTnLst>
+                              <p:par>
+                                <p:cTn id="40" presetID="42" presetClass="entr" presetSubtype="0" fill="hold" nodeType="clickEffect">
+                                  <p:stCondLst>
+                                    <p:cond delay="0"/>
+                                  </p:stCondLst>
+                                  <p:childTnLst>
+                                    <p:set>
+                                      <p:cBhvr>
+                                        <p:cTn id="41" dur="1" fill="hold">
+                                          <p:stCondLst>
+                                            <p:cond delay="0"/>
+                                          </p:stCondLst>
+                                        </p:cTn>
+                                        <p:tgtEl>
+                                          <p:spTgt spid="3">
+                                            <p:txEl>
+                                              <p:pRg st="5" end="5"/>
+                                            </p:txEl>
+                                          </p:spTgt>
+                                        </p:tgtEl>
+                                        <p:attrNameLst>
+                                          <p:attrName>style.visibility</p:attrName>
+                                        </p:attrNameLst>
+                                      </p:cBhvr>
+                                      <p:to>
+                                        <p:strVal val="visible"/>
+                                      </p:to>
+                                    </p:set>
+                                    <p:animEffect transition="in" filter="fade">
+                                      <p:cBhvr>
+                                        <p:cTn id="42" dur="1000"/>
+                                        <p:tgtEl>
+                                          <p:spTgt spid="3">
+                                            <p:txEl>
+                                              <p:pRg st="5" end="5"/>
+                                            </p:txEl>
+                                          </p:spTgt>
+                                        </p:tgtEl>
+                                      </p:cBhvr>
+                                    </p:animEffect>
+                                    <p:anim calcmode="lin" valueType="num">
+                                      <p:cBhvr>
+                                        <p:cTn id="43" dur="1000" fill="hold"/>
+                                        <p:tgtEl>
+                                          <p:spTgt spid="3">
+                                            <p:txEl>
+                                              <p:pRg st="5" end="5"/>
+                                            </p:txEl>
+                                          </p:spTgt>
+                                        </p:tgtEl>
+                                        <p:attrNameLst>
+                                          <p:attrName>ppt_x</p:attrName>
+                                        </p:attrNameLst>
+                                      </p:cBhvr>
+                                      <p:tavLst>
+                                        <p:tav tm="0">
+                                          <p:val>
+                                            <p:strVal val="#ppt_x"/>
+                                          </p:val>
+                                        </p:tav>
+                                        <p:tav tm="100000">
+                                          <p:val>
+                                            <p:strVal val="#ppt_x"/>
+                                          </p:val>
+                                        </p:tav>
+                                      </p:tavLst>
+                                    </p:anim>
+                                    <p:anim calcmode="lin" valueType="num">
+                                      <p:cBhvr>
+                                        <p:cTn id="44" dur="1000" fill="hold"/>
+                                        <p:tgtEl>
+                                          <p:spTgt spid="3">
+                                            <p:txEl>
+                                              <p:pRg st="5" end="5"/>
+                                            </p:txEl>
+                                          </p:spTgt>
+                                        </p:tgtEl>
+                                        <p:attrNameLst>
+                                          <p:attrName>ppt_y</p:attrName>
+                                        </p:attrNameLst>
+                                      </p:cBhvr>
+                                      <p:tavLst>
+                                        <p:tav tm="0">
+                                          <p:val>
+                                            <p:strVal val="#ppt_y+.1"/>
+                                          </p:val>
+                                        </p:tav>
+                                        <p:tav tm="100000">
+                                          <p:val>
+                                            <p:strVal val="#ppt_y"/>
+                                          </p:val>
+                                        </p:tav>
+                                      </p:tavLst>
+                                    </p:anim>
+                                  </p:childTnLst>
+                                </p:cTn>
+                              </p:par>
+                            </p:childTnLst>
+                          </p:cTn>
+                        </p:par>
+                      </p:childTnLst>
+                    </p:cTn>
+                  </p:par>
+                </p:childTnLst>
+              </p:cTn>
+              <p:prevCondLst>
+                <p:cond evt="onPrev" delay="0">
+                  <p:tgtEl>
+                    <p:sldTgt/>
+                  </p:tgtEl>
+                </p:cond>
+              </p:prevCondLst>
+              <p:nextCondLst>
+                <p:cond evt="onNext" delay="0">
+                  <p:tgtEl>
+                    <p:sldTgt/>
+                  </p:tgtEl>
+                </p:cond>
+              </p:nextCondLst>
+            </p:seq>
+          </p:childTnLst>
+        </p:cTn>
+      </p:par>
+    </p:tnLst>
+  </p:timing>
 </p:sld>
 </file>
 
@@ -13307,6 +14027,642 @@
   <p:clrMapOvr>
     <a:masterClrMapping/>
   </p:clrMapOvr>
+  <p:timing>
+    <p:tnLst>
+      <p:par>
+        <p:cTn id="1" dur="indefinite" restart="never" nodeType="tmRoot">
+          <p:childTnLst>
+            <p:seq concurrent="1" nextAc="seek">
+              <p:cTn id="2" dur="indefinite" nodeType="mainSeq">
+                <p:childTnLst>
+                  <p:par>
+                    <p:cTn id="3" fill="hold">
+                      <p:stCondLst>
+                        <p:cond delay="indefinite"/>
+                      </p:stCondLst>
+                      <p:childTnLst>
+                        <p:par>
+                          <p:cTn id="4" fill="hold">
+                            <p:stCondLst>
+                              <p:cond delay="0"/>
+                            </p:stCondLst>
+                            <p:childTnLst>
+                              <p:par>
+                                <p:cTn id="5" presetID="2" presetClass="entr" presetSubtype="4" fill="hold" nodeType="clickEffect">
+                                  <p:stCondLst>
+                                    <p:cond delay="0"/>
+                                  </p:stCondLst>
+                                  <p:childTnLst>
+                                    <p:set>
+                                      <p:cBhvr>
+                                        <p:cTn id="6" dur="1" fill="hold">
+                                          <p:stCondLst>
+                                            <p:cond delay="0"/>
+                                          </p:stCondLst>
+                                        </p:cTn>
+                                        <p:tgtEl>
+                                          <p:spTgt spid="3">
+                                            <p:txEl>
+                                              <p:pRg st="0" end="0"/>
+                                            </p:txEl>
+                                          </p:spTgt>
+                                        </p:tgtEl>
+                                        <p:attrNameLst>
+                                          <p:attrName>style.visibility</p:attrName>
+                                        </p:attrNameLst>
+                                      </p:cBhvr>
+                                      <p:to>
+                                        <p:strVal val="visible"/>
+                                      </p:to>
+                                    </p:set>
+                                    <p:anim calcmode="lin" valueType="num">
+                                      <p:cBhvr additive="base">
+                                        <p:cTn id="7" dur="500" fill="hold"/>
+                                        <p:tgtEl>
+                                          <p:spTgt spid="3">
+                                            <p:txEl>
+                                              <p:pRg st="0" end="0"/>
+                                            </p:txEl>
+                                          </p:spTgt>
+                                        </p:tgtEl>
+                                        <p:attrNameLst>
+                                          <p:attrName>ppt_x</p:attrName>
+                                        </p:attrNameLst>
+                                      </p:cBhvr>
+                                      <p:tavLst>
+                                        <p:tav tm="0">
+                                          <p:val>
+                                            <p:strVal val="#ppt_x"/>
+                                          </p:val>
+                                        </p:tav>
+                                        <p:tav tm="100000">
+                                          <p:val>
+                                            <p:strVal val="#ppt_x"/>
+                                          </p:val>
+                                        </p:tav>
+                                      </p:tavLst>
+                                    </p:anim>
+                                    <p:anim calcmode="lin" valueType="num">
+                                      <p:cBhvr additive="base">
+                                        <p:cTn id="8" dur="500" fill="hold"/>
+                                        <p:tgtEl>
+                                          <p:spTgt spid="3">
+                                            <p:txEl>
+                                              <p:pRg st="0" end="0"/>
+                                            </p:txEl>
+                                          </p:spTgt>
+                                        </p:tgtEl>
+                                        <p:attrNameLst>
+                                          <p:attrName>ppt_y</p:attrName>
+                                        </p:attrNameLst>
+                                      </p:cBhvr>
+                                      <p:tavLst>
+                                        <p:tav tm="0">
+                                          <p:val>
+                                            <p:strVal val="1+#ppt_h/2"/>
+                                          </p:val>
+                                        </p:tav>
+                                        <p:tav tm="100000">
+                                          <p:val>
+                                            <p:strVal val="#ppt_y"/>
+                                          </p:val>
+                                        </p:tav>
+                                      </p:tavLst>
+                                    </p:anim>
+                                  </p:childTnLst>
+                                </p:cTn>
+                              </p:par>
+                            </p:childTnLst>
+                          </p:cTn>
+                        </p:par>
+                      </p:childTnLst>
+                    </p:cTn>
+                  </p:par>
+                  <p:par>
+                    <p:cTn id="9" fill="hold">
+                      <p:stCondLst>
+                        <p:cond delay="indefinite"/>
+                      </p:stCondLst>
+                      <p:childTnLst>
+                        <p:par>
+                          <p:cTn id="10" fill="hold">
+                            <p:stCondLst>
+                              <p:cond delay="0"/>
+                            </p:stCondLst>
+                            <p:childTnLst>
+                              <p:par>
+                                <p:cTn id="11" presetID="2" presetClass="entr" presetSubtype="4" fill="hold" nodeType="clickEffect">
+                                  <p:stCondLst>
+                                    <p:cond delay="0"/>
+                                  </p:stCondLst>
+                                  <p:childTnLst>
+                                    <p:set>
+                                      <p:cBhvr>
+                                        <p:cTn id="12" dur="1" fill="hold">
+                                          <p:stCondLst>
+                                            <p:cond delay="0"/>
+                                          </p:stCondLst>
+                                        </p:cTn>
+                                        <p:tgtEl>
+                                          <p:spTgt spid="3">
+                                            <p:txEl>
+                                              <p:pRg st="1" end="1"/>
+                                            </p:txEl>
+                                          </p:spTgt>
+                                        </p:tgtEl>
+                                        <p:attrNameLst>
+                                          <p:attrName>style.visibility</p:attrName>
+                                        </p:attrNameLst>
+                                      </p:cBhvr>
+                                      <p:to>
+                                        <p:strVal val="visible"/>
+                                      </p:to>
+                                    </p:set>
+                                    <p:anim calcmode="lin" valueType="num">
+                                      <p:cBhvr additive="base">
+                                        <p:cTn id="13" dur="500" fill="hold"/>
+                                        <p:tgtEl>
+                                          <p:spTgt spid="3">
+                                            <p:txEl>
+                                              <p:pRg st="1" end="1"/>
+                                            </p:txEl>
+                                          </p:spTgt>
+                                        </p:tgtEl>
+                                        <p:attrNameLst>
+                                          <p:attrName>ppt_x</p:attrName>
+                                        </p:attrNameLst>
+                                      </p:cBhvr>
+                                      <p:tavLst>
+                                        <p:tav tm="0">
+                                          <p:val>
+                                            <p:strVal val="#ppt_x"/>
+                                          </p:val>
+                                        </p:tav>
+                                        <p:tav tm="100000">
+                                          <p:val>
+                                            <p:strVal val="#ppt_x"/>
+                                          </p:val>
+                                        </p:tav>
+                                      </p:tavLst>
+                                    </p:anim>
+                                    <p:anim calcmode="lin" valueType="num">
+                                      <p:cBhvr additive="base">
+                                        <p:cTn id="14" dur="500" fill="hold"/>
+                                        <p:tgtEl>
+                                          <p:spTgt spid="3">
+                                            <p:txEl>
+                                              <p:pRg st="1" end="1"/>
+                                            </p:txEl>
+                                          </p:spTgt>
+                                        </p:tgtEl>
+                                        <p:attrNameLst>
+                                          <p:attrName>ppt_y</p:attrName>
+                                        </p:attrNameLst>
+                                      </p:cBhvr>
+                                      <p:tavLst>
+                                        <p:tav tm="0">
+                                          <p:val>
+                                            <p:strVal val="1+#ppt_h/2"/>
+                                          </p:val>
+                                        </p:tav>
+                                        <p:tav tm="100000">
+                                          <p:val>
+                                            <p:strVal val="#ppt_y"/>
+                                          </p:val>
+                                        </p:tav>
+                                      </p:tavLst>
+                                    </p:anim>
+                                  </p:childTnLst>
+                                </p:cTn>
+                              </p:par>
+                            </p:childTnLst>
+                          </p:cTn>
+                        </p:par>
+                      </p:childTnLst>
+                    </p:cTn>
+                  </p:par>
+                  <p:par>
+                    <p:cTn id="15" fill="hold">
+                      <p:stCondLst>
+                        <p:cond delay="indefinite"/>
+                      </p:stCondLst>
+                      <p:childTnLst>
+                        <p:par>
+                          <p:cTn id="16" fill="hold">
+                            <p:stCondLst>
+                              <p:cond delay="0"/>
+                            </p:stCondLst>
+                            <p:childTnLst>
+                              <p:par>
+                                <p:cTn id="17" presetID="2" presetClass="entr" presetSubtype="4" fill="hold" nodeType="clickEffect">
+                                  <p:stCondLst>
+                                    <p:cond delay="0"/>
+                                  </p:stCondLst>
+                                  <p:childTnLst>
+                                    <p:set>
+                                      <p:cBhvr>
+                                        <p:cTn id="18" dur="1" fill="hold">
+                                          <p:stCondLst>
+                                            <p:cond delay="0"/>
+                                          </p:stCondLst>
+                                        </p:cTn>
+                                        <p:tgtEl>
+                                          <p:spTgt spid="3">
+                                            <p:txEl>
+                                              <p:pRg st="2" end="2"/>
+                                            </p:txEl>
+                                          </p:spTgt>
+                                        </p:tgtEl>
+                                        <p:attrNameLst>
+                                          <p:attrName>style.visibility</p:attrName>
+                                        </p:attrNameLst>
+                                      </p:cBhvr>
+                                      <p:to>
+                                        <p:strVal val="visible"/>
+                                      </p:to>
+                                    </p:set>
+                                    <p:anim calcmode="lin" valueType="num">
+                                      <p:cBhvr additive="base">
+                                        <p:cTn id="19" dur="500" fill="hold"/>
+                                        <p:tgtEl>
+                                          <p:spTgt spid="3">
+                                            <p:txEl>
+                                              <p:pRg st="2" end="2"/>
+                                            </p:txEl>
+                                          </p:spTgt>
+                                        </p:tgtEl>
+                                        <p:attrNameLst>
+                                          <p:attrName>ppt_x</p:attrName>
+                                        </p:attrNameLst>
+                                      </p:cBhvr>
+                                      <p:tavLst>
+                                        <p:tav tm="0">
+                                          <p:val>
+                                            <p:strVal val="#ppt_x"/>
+                                          </p:val>
+                                        </p:tav>
+                                        <p:tav tm="100000">
+                                          <p:val>
+                                            <p:strVal val="#ppt_x"/>
+                                          </p:val>
+                                        </p:tav>
+                                      </p:tavLst>
+                                    </p:anim>
+                                    <p:anim calcmode="lin" valueType="num">
+                                      <p:cBhvr additive="base">
+                                        <p:cTn id="20" dur="500" fill="hold"/>
+                                        <p:tgtEl>
+                                          <p:spTgt spid="3">
+                                            <p:txEl>
+                                              <p:pRg st="2" end="2"/>
+                                            </p:txEl>
+                                          </p:spTgt>
+                                        </p:tgtEl>
+                                        <p:attrNameLst>
+                                          <p:attrName>ppt_y</p:attrName>
+                                        </p:attrNameLst>
+                                      </p:cBhvr>
+                                      <p:tavLst>
+                                        <p:tav tm="0">
+                                          <p:val>
+                                            <p:strVal val="1+#ppt_h/2"/>
+                                          </p:val>
+                                        </p:tav>
+                                        <p:tav tm="100000">
+                                          <p:val>
+                                            <p:strVal val="#ppt_y"/>
+                                          </p:val>
+                                        </p:tav>
+                                      </p:tavLst>
+                                    </p:anim>
+                                  </p:childTnLst>
+                                </p:cTn>
+                              </p:par>
+                            </p:childTnLst>
+                          </p:cTn>
+                        </p:par>
+                      </p:childTnLst>
+                    </p:cTn>
+                  </p:par>
+                  <p:par>
+                    <p:cTn id="21" fill="hold">
+                      <p:stCondLst>
+                        <p:cond delay="indefinite"/>
+                      </p:stCondLst>
+                      <p:childTnLst>
+                        <p:par>
+                          <p:cTn id="22" fill="hold">
+                            <p:stCondLst>
+                              <p:cond delay="0"/>
+                            </p:stCondLst>
+                            <p:childTnLst>
+                              <p:par>
+                                <p:cTn id="23" presetID="2" presetClass="entr" presetSubtype="4" fill="hold" nodeType="clickEffect">
+                                  <p:stCondLst>
+                                    <p:cond delay="0"/>
+                                  </p:stCondLst>
+                                  <p:childTnLst>
+                                    <p:set>
+                                      <p:cBhvr>
+                                        <p:cTn id="24" dur="1" fill="hold">
+                                          <p:stCondLst>
+                                            <p:cond delay="0"/>
+                                          </p:stCondLst>
+                                        </p:cTn>
+                                        <p:tgtEl>
+                                          <p:spTgt spid="3">
+                                            <p:txEl>
+                                              <p:pRg st="3" end="3"/>
+                                            </p:txEl>
+                                          </p:spTgt>
+                                        </p:tgtEl>
+                                        <p:attrNameLst>
+                                          <p:attrName>style.visibility</p:attrName>
+                                        </p:attrNameLst>
+                                      </p:cBhvr>
+                                      <p:to>
+                                        <p:strVal val="visible"/>
+                                      </p:to>
+                                    </p:set>
+                                    <p:anim calcmode="lin" valueType="num">
+                                      <p:cBhvr additive="base">
+                                        <p:cTn id="25" dur="500" fill="hold"/>
+                                        <p:tgtEl>
+                                          <p:spTgt spid="3">
+                                            <p:txEl>
+                                              <p:pRg st="3" end="3"/>
+                                            </p:txEl>
+                                          </p:spTgt>
+                                        </p:tgtEl>
+                                        <p:attrNameLst>
+                                          <p:attrName>ppt_x</p:attrName>
+                                        </p:attrNameLst>
+                                      </p:cBhvr>
+                                      <p:tavLst>
+                                        <p:tav tm="0">
+                                          <p:val>
+                                            <p:strVal val="#ppt_x"/>
+                                          </p:val>
+                                        </p:tav>
+                                        <p:tav tm="100000">
+                                          <p:val>
+                                            <p:strVal val="#ppt_x"/>
+                                          </p:val>
+                                        </p:tav>
+                                      </p:tavLst>
+                                    </p:anim>
+                                    <p:anim calcmode="lin" valueType="num">
+                                      <p:cBhvr additive="base">
+                                        <p:cTn id="26" dur="500" fill="hold"/>
+                                        <p:tgtEl>
+                                          <p:spTgt spid="3">
+                                            <p:txEl>
+                                              <p:pRg st="3" end="3"/>
+                                            </p:txEl>
+                                          </p:spTgt>
+                                        </p:tgtEl>
+                                        <p:attrNameLst>
+                                          <p:attrName>ppt_y</p:attrName>
+                                        </p:attrNameLst>
+                                      </p:cBhvr>
+                                      <p:tavLst>
+                                        <p:tav tm="0">
+                                          <p:val>
+                                            <p:strVal val="1+#ppt_h/2"/>
+                                          </p:val>
+                                        </p:tav>
+                                        <p:tav tm="100000">
+                                          <p:val>
+                                            <p:strVal val="#ppt_y"/>
+                                          </p:val>
+                                        </p:tav>
+                                      </p:tavLst>
+                                    </p:anim>
+                                  </p:childTnLst>
+                                </p:cTn>
+                              </p:par>
+                            </p:childTnLst>
+                          </p:cTn>
+                        </p:par>
+                      </p:childTnLst>
+                    </p:cTn>
+                  </p:par>
+                  <p:par>
+                    <p:cTn id="27" fill="hold">
+                      <p:stCondLst>
+                        <p:cond delay="indefinite"/>
+                      </p:stCondLst>
+                      <p:childTnLst>
+                        <p:par>
+                          <p:cTn id="28" fill="hold">
+                            <p:stCondLst>
+                              <p:cond delay="0"/>
+                            </p:stCondLst>
+                            <p:childTnLst>
+                              <p:par>
+                                <p:cTn id="29" presetID="2" presetClass="entr" presetSubtype="4" fill="hold" nodeType="clickEffect">
+                                  <p:stCondLst>
+                                    <p:cond delay="0"/>
+                                  </p:stCondLst>
+                                  <p:childTnLst>
+                                    <p:set>
+                                      <p:cBhvr>
+                                        <p:cTn id="30" dur="1" fill="hold">
+                                          <p:stCondLst>
+                                            <p:cond delay="0"/>
+                                          </p:stCondLst>
+                                        </p:cTn>
+                                        <p:tgtEl>
+                                          <p:spTgt spid="3">
+                                            <p:txEl>
+                                              <p:pRg st="4" end="4"/>
+                                            </p:txEl>
+                                          </p:spTgt>
+                                        </p:tgtEl>
+                                        <p:attrNameLst>
+                                          <p:attrName>style.visibility</p:attrName>
+                                        </p:attrNameLst>
+                                      </p:cBhvr>
+                                      <p:to>
+                                        <p:strVal val="visible"/>
+                                      </p:to>
+                                    </p:set>
+                                    <p:anim calcmode="lin" valueType="num">
+                                      <p:cBhvr additive="base">
+                                        <p:cTn id="31" dur="500" fill="hold"/>
+                                        <p:tgtEl>
+                                          <p:spTgt spid="3">
+                                            <p:txEl>
+                                              <p:pRg st="4" end="4"/>
+                                            </p:txEl>
+                                          </p:spTgt>
+                                        </p:tgtEl>
+                                        <p:attrNameLst>
+                                          <p:attrName>ppt_x</p:attrName>
+                                        </p:attrNameLst>
+                                      </p:cBhvr>
+                                      <p:tavLst>
+                                        <p:tav tm="0">
+                                          <p:val>
+                                            <p:strVal val="#ppt_x"/>
+                                          </p:val>
+                                        </p:tav>
+                                        <p:tav tm="100000">
+                                          <p:val>
+                                            <p:strVal val="#ppt_x"/>
+                                          </p:val>
+                                        </p:tav>
+                                      </p:tavLst>
+                                    </p:anim>
+                                    <p:anim calcmode="lin" valueType="num">
+                                      <p:cBhvr additive="base">
+                                        <p:cTn id="32" dur="500" fill="hold"/>
+                                        <p:tgtEl>
+                                          <p:spTgt spid="3">
+                                            <p:txEl>
+                                              <p:pRg st="4" end="4"/>
+                                            </p:txEl>
+                                          </p:spTgt>
+                                        </p:tgtEl>
+                                        <p:attrNameLst>
+                                          <p:attrName>ppt_y</p:attrName>
+                                        </p:attrNameLst>
+                                      </p:cBhvr>
+                                      <p:tavLst>
+                                        <p:tav tm="0">
+                                          <p:val>
+                                            <p:strVal val="1+#ppt_h/2"/>
+                                          </p:val>
+                                        </p:tav>
+                                        <p:tav tm="100000">
+                                          <p:val>
+                                            <p:strVal val="#ppt_y"/>
+                                          </p:val>
+                                        </p:tav>
+                                      </p:tavLst>
+                                    </p:anim>
+                                  </p:childTnLst>
+                                </p:cTn>
+                              </p:par>
+                            </p:childTnLst>
+                          </p:cTn>
+                        </p:par>
+                      </p:childTnLst>
+                    </p:cTn>
+                  </p:par>
+                  <p:par>
+                    <p:cTn id="33" fill="hold">
+                      <p:stCondLst>
+                        <p:cond delay="indefinite"/>
+                      </p:stCondLst>
+                      <p:childTnLst>
+                        <p:par>
+                          <p:cTn id="34" fill="hold">
+                            <p:stCondLst>
+                              <p:cond delay="0"/>
+                            </p:stCondLst>
+                            <p:childTnLst>
+                              <p:par>
+                                <p:cTn id="35" presetID="2" presetClass="entr" presetSubtype="4" fill="hold" nodeType="clickEffect">
+                                  <p:stCondLst>
+                                    <p:cond delay="0"/>
+                                  </p:stCondLst>
+                                  <p:childTnLst>
+                                    <p:set>
+                                      <p:cBhvr>
+                                        <p:cTn id="36" dur="1" fill="hold">
+                                          <p:stCondLst>
+                                            <p:cond delay="0"/>
+                                          </p:stCondLst>
+                                        </p:cTn>
+                                        <p:tgtEl>
+                                          <p:spTgt spid="3076"/>
+                                        </p:tgtEl>
+                                        <p:attrNameLst>
+                                          <p:attrName>style.visibility</p:attrName>
+                                        </p:attrNameLst>
+                                      </p:cBhvr>
+                                      <p:to>
+                                        <p:strVal val="visible"/>
+                                      </p:to>
+                                    </p:set>
+                                    <p:anim calcmode="lin" valueType="num">
+                                      <p:cBhvr additive="base">
+                                        <p:cTn id="37" dur="500" fill="hold"/>
+                                        <p:tgtEl>
+                                          <p:spTgt spid="3076"/>
+                                        </p:tgtEl>
+                                        <p:attrNameLst>
+                                          <p:attrName>ppt_x</p:attrName>
+                                        </p:attrNameLst>
+                                      </p:cBhvr>
+                                      <p:tavLst>
+                                        <p:tav tm="0">
+                                          <p:val>
+                                            <p:strVal val="#ppt_x"/>
+                                          </p:val>
+                                        </p:tav>
+                                        <p:tav tm="100000">
+                                          <p:val>
+                                            <p:strVal val="#ppt_x"/>
+                                          </p:val>
+                                        </p:tav>
+                                      </p:tavLst>
+                                    </p:anim>
+                                    <p:anim calcmode="lin" valueType="num">
+                                      <p:cBhvr additive="base">
+                                        <p:cTn id="38" dur="500" fill="hold"/>
+                                        <p:tgtEl>
+                                          <p:spTgt spid="3076"/>
+                                        </p:tgtEl>
+                                        <p:attrNameLst>
+                                          <p:attrName>ppt_y</p:attrName>
+                                        </p:attrNameLst>
+                                      </p:cBhvr>
+                                      <p:tavLst>
+                                        <p:tav tm="0">
+                                          <p:val>
+                                            <p:strVal val="1+#ppt_h/2"/>
+                                          </p:val>
+                                        </p:tav>
+                                        <p:tav tm="100000">
+                                          <p:val>
+                                            <p:strVal val="#ppt_y"/>
+                                          </p:val>
+                                        </p:tav>
+                                      </p:tavLst>
+                                    </p:anim>
+                                  </p:childTnLst>
+                                </p:cTn>
+                              </p:par>
+                            </p:childTnLst>
+                          </p:cTn>
+                        </p:par>
+                      </p:childTnLst>
+                    </p:cTn>
+                  </p:par>
+                </p:childTnLst>
+              </p:cTn>
+              <p:prevCondLst>
+                <p:cond evt="onPrev" delay="0">
+                  <p:tgtEl>
+                    <p:sldTgt/>
+                  </p:tgtEl>
+                </p:cond>
+              </p:prevCondLst>
+              <p:nextCondLst>
+                <p:cond evt="onNext" delay="0">
+                  <p:tgtEl>
+                    <p:sldTgt/>
+                  </p:tgtEl>
+                </p:cond>
+              </p:nextCondLst>
+            </p:seq>
+          </p:childTnLst>
+        </p:cTn>
+      </p:par>
+    </p:tnLst>
+  </p:timing>
 </p:sld>
 </file>
 
@@ -16004,56 +17360,42 @@
           </a:p>
         </p:txBody>
       </p:sp>
-      <p:sp>
-        <p:nvSpPr>
-          <p:cNvPr id="7" name="Content Placeholder 6">
+      <p:pic>
+        <p:nvPicPr>
+          <p:cNvPr id="4" name="Content Placeholder 3" descr="Diagram, schematic&#10;&#10;Description automatically generated">
+            <a:hlinkClick r:id="rId2"/>
             <a:extLst>
               <a:ext uri="{FF2B5EF4-FFF2-40B4-BE49-F238E27FC236}">
-                <a16:creationId xmlns:a16="http://schemas.microsoft.com/office/drawing/2014/main" id="{67B3107E-BAA4-4555-A388-C5EA097A83DF}"/>
+                <a16:creationId xmlns:a16="http://schemas.microsoft.com/office/drawing/2014/main" id="{A623CDFE-6EA9-4190-B685-686A59813043}"/>
               </a:ext>
             </a:extLst>
           </p:cNvPr>
-          <p:cNvSpPr>
-            <a:spLocks noGrp="1"/>
-          </p:cNvSpPr>
-          <p:nvPr>
-            <p:ph sz="half" idx="1"/>
-          </p:nvPr>
-        </p:nvSpPr>
-        <p:spPr/>
-        <p:txBody>
-          <a:bodyPr/>
-          <a:lstStyle/>
-          <a:p>
-            <a:endParaRPr lang="en-GB" dirty="0"/>
-          </a:p>
-        </p:txBody>
-      </p:sp>
-      <p:sp>
-        <p:nvSpPr>
-          <p:cNvPr id="8" name="Content Placeholder 7">
-            <a:extLst>
-              <a:ext uri="{FF2B5EF4-FFF2-40B4-BE49-F238E27FC236}">
-                <a16:creationId xmlns:a16="http://schemas.microsoft.com/office/drawing/2014/main" id="{8F7FAA5C-B8AC-4176-9063-10AA9000B80F}"/>
-              </a:ext>
-            </a:extLst>
-          </p:cNvPr>
-          <p:cNvSpPr>
-            <a:spLocks noGrp="1"/>
-          </p:cNvSpPr>
+          <p:cNvPicPr>
+            <a:picLocks noGrp="1" noChangeAspect="1"/>
+          </p:cNvPicPr>
           <p:nvPr>
             <p:ph sz="half" idx="2"/>
           </p:nvPr>
-        </p:nvSpPr>
-        <p:spPr/>
-        <p:txBody>
-          <a:bodyPr/>
-          <a:lstStyle/>
-          <a:p>
-            <a:endParaRPr lang="en-GB"/>
-          </a:p>
-        </p:txBody>
-      </p:sp>
+        </p:nvPicPr>
+        <p:blipFill>
+          <a:blip r:embed="rId3">
+            <a:extLst>
+              <a:ext uri="{28A0092B-C50C-407E-A947-70E740481C1C}">
+                <a14:useLocalDpi xmlns:a14="http://schemas.microsoft.com/office/drawing/2010/main" val="0"/>
+              </a:ext>
+            </a:extLst>
+          </a:blip>
+          <a:stretch>
+            <a:fillRect/>
+          </a:stretch>
+        </p:blipFill>
+        <p:spPr>
+          <a:xfrm>
+            <a:off x="5285800" y="1793142"/>
+            <a:ext cx="3035240" cy="4022725"/>
+          </a:xfrm>
+        </p:spPr>
+      </p:pic>
       <p:sp>
         <p:nvSpPr>
           <p:cNvPr id="6" name="Content Placeholder 2">
@@ -16334,11 +17676,47 @@
             </a:pPr>
             <a:r>
               <a:rPr lang="en-GB" dirty="0"/>
-              <a:t> Create a GUI application for the POS system given by the following class and sequence diagram</a:t>
+              <a:t> Create a GUI application for the POS system given by the following class and sequence diagram (click on image to open in browser)</a:t>
             </a:r>
           </a:p>
         </p:txBody>
       </p:sp>
+      <p:pic>
+        <p:nvPicPr>
+          <p:cNvPr id="9" name="Content Placeholder 11" descr="Diagram&#10;&#10;Description automatically generated">
+            <a:hlinkClick r:id="rId4"/>
+            <a:extLst>
+              <a:ext uri="{FF2B5EF4-FFF2-40B4-BE49-F238E27FC236}">
+                <a16:creationId xmlns:a16="http://schemas.microsoft.com/office/drawing/2014/main" id="{48EA589F-A5BA-4C94-8428-DAE2A1EED0FA}"/>
+              </a:ext>
+            </a:extLst>
+          </p:cNvPr>
+          <p:cNvPicPr>
+            <a:picLocks noGrp="1" noChangeAspect="1"/>
+          </p:cNvPicPr>
+          <p:nvPr>
+            <p:ph sz="half" idx="1"/>
+          </p:nvPr>
+        </p:nvPicPr>
+        <p:blipFill>
+          <a:blip r:embed="rId5">
+            <a:extLst>
+              <a:ext uri="{28A0092B-C50C-407E-A947-70E740481C1C}">
+                <a14:useLocalDpi xmlns:a14="http://schemas.microsoft.com/office/drawing/2010/main" val="0"/>
+              </a:ext>
+            </a:extLst>
+          </a:blip>
+          <a:stretch>
+            <a:fillRect/>
+          </a:stretch>
+        </p:blipFill>
+        <p:spPr>
+          <a:xfrm>
+            <a:off x="689253" y="2177576"/>
+            <a:ext cx="3703638" cy="3357153"/>
+          </a:xfrm>
+        </p:spPr>
+      </p:pic>
     </p:spTree>
     <p:extLst>
       <p:ext uri="{BB962C8B-B14F-4D97-AF65-F5344CB8AC3E}">
@@ -22369,18 +23747,18 @@
 </file>
 
 <file path=customXml/item1.xml><?xml version="1.0" encoding="utf-8"?>
+<p:properties xmlns:p="http://schemas.microsoft.com/office/2006/metadata/properties" xmlns:xsi="http://www.w3.org/2001/XMLSchema-instance" xmlns:pc="http://schemas.microsoft.com/office/infopath/2007/PartnerControls">
+  <documentManagement/>
+</p:properties>
+</file>
+
+<file path=customXml/item2.xml><?xml version="1.0" encoding="utf-8"?>
 <?mso-contentType ?>
 <FormTemplates xmlns="http://schemas.microsoft.com/sharepoint/v3/contenttype/forms">
   <Display>DocumentLibraryForm</Display>
   <Edit>DocumentLibraryForm</Edit>
   <New>DocumentLibraryForm</New>
 </FormTemplates>
-</file>
-
-<file path=customXml/item2.xml><?xml version="1.0" encoding="utf-8"?>
-<p:properties xmlns:p="http://schemas.microsoft.com/office/2006/metadata/properties" xmlns:xsi="http://www.w3.org/2001/XMLSchema-instance" xmlns:pc="http://schemas.microsoft.com/office/infopath/2007/PartnerControls">
-  <documentManagement/>
-</p:properties>
 </file>
 
 <file path=customXml/item3.xml><?xml version="1.0" encoding="utf-8"?>
@@ -22607,14 +23985,6 @@
 </file>
 
 <file path=customXml/itemProps1.xml><?xml version="1.0" encoding="utf-8"?>
-<ds:datastoreItem xmlns:ds="http://schemas.openxmlformats.org/officeDocument/2006/customXml" ds:itemID="{07A05CC1-FF68-453F-AE9C-352B80151440}">
-  <ds:schemaRefs>
-    <ds:schemaRef ds:uri="http://schemas.microsoft.com/sharepoint/v3/contenttype/forms"/>
-  </ds:schemaRefs>
-</ds:datastoreItem>
-</file>
-
-<file path=customXml/itemProps2.xml><?xml version="1.0" encoding="utf-8"?>
 <ds:datastoreItem xmlns:ds="http://schemas.openxmlformats.org/officeDocument/2006/customXml" ds:itemID="{1B174DBE-1AD7-495B-B168-212A7EE723A6}">
   <ds:schemaRefs>
     <ds:schemaRef ds:uri="http://schemas.microsoft.com/office/2006/documentManagement/types"/>
@@ -22627,6 +23997,14 @@
     <ds:schemaRef ds:uri="http://purl.org/dc/terms/"/>
     <ds:schemaRef ds:uri="http://www.w3.org/XML/1998/namespace"/>
     <ds:schemaRef ds:uri="http://purl.org/dc/dcmitype/"/>
+  </ds:schemaRefs>
+</ds:datastoreItem>
+</file>
+
+<file path=customXml/itemProps2.xml><?xml version="1.0" encoding="utf-8"?>
+<ds:datastoreItem xmlns:ds="http://schemas.openxmlformats.org/officeDocument/2006/customXml" ds:itemID="{07A05CC1-FF68-453F-AE9C-352B80151440}">
+  <ds:schemaRefs>
+    <ds:schemaRef ds:uri="http://schemas.microsoft.com/sharepoint/v3/contenttype/forms"/>
   </ds:schemaRefs>
 </ds:datastoreItem>
 </file>

--- a/thesis/ukapp2/wqu_isc/sofware_design/Javabc06.pptx
+++ b/thesis/ukapp2/wqu_isc/sofware_design/Javabc06.pptx
@@ -17355,7 +17355,7 @@
           <a:p>
             <a:r>
               <a:rPr lang="en-GB" dirty="0"/>
-              <a:t>Exercise (Advanced)</a:t>
+              <a:t>Java Bootcamp challenge</a:t>
             </a:r>
           </a:p>
         </p:txBody>
@@ -23747,18 +23747,18 @@
 </file>
 
 <file path=customXml/item1.xml><?xml version="1.0" encoding="utf-8"?>
-<p:properties xmlns:p="http://schemas.microsoft.com/office/2006/metadata/properties" xmlns:xsi="http://www.w3.org/2001/XMLSchema-instance" xmlns:pc="http://schemas.microsoft.com/office/infopath/2007/PartnerControls">
-  <documentManagement/>
-</p:properties>
-</file>
-
-<file path=customXml/item2.xml><?xml version="1.0" encoding="utf-8"?>
 <?mso-contentType ?>
 <FormTemplates xmlns="http://schemas.microsoft.com/sharepoint/v3/contenttype/forms">
   <Display>DocumentLibraryForm</Display>
   <Edit>DocumentLibraryForm</Edit>
   <New>DocumentLibraryForm</New>
 </FormTemplates>
+</file>
+
+<file path=customXml/item2.xml><?xml version="1.0" encoding="utf-8"?>
+<p:properties xmlns:p="http://schemas.microsoft.com/office/2006/metadata/properties" xmlns:xsi="http://www.w3.org/2001/XMLSchema-instance" xmlns:pc="http://schemas.microsoft.com/office/infopath/2007/PartnerControls">
+  <documentManagement/>
+</p:properties>
 </file>
 
 <file path=customXml/item3.xml><?xml version="1.0" encoding="utf-8"?>
@@ -23985,6 +23985,14 @@
 </file>
 
 <file path=customXml/itemProps1.xml><?xml version="1.0" encoding="utf-8"?>
+<ds:datastoreItem xmlns:ds="http://schemas.openxmlformats.org/officeDocument/2006/customXml" ds:itemID="{07A05CC1-FF68-453F-AE9C-352B80151440}">
+  <ds:schemaRefs>
+    <ds:schemaRef ds:uri="http://schemas.microsoft.com/sharepoint/v3/contenttype/forms"/>
+  </ds:schemaRefs>
+</ds:datastoreItem>
+</file>
+
+<file path=customXml/itemProps2.xml><?xml version="1.0" encoding="utf-8"?>
 <ds:datastoreItem xmlns:ds="http://schemas.openxmlformats.org/officeDocument/2006/customXml" ds:itemID="{1B174DBE-1AD7-495B-B168-212A7EE723A6}">
   <ds:schemaRefs>
     <ds:schemaRef ds:uri="http://schemas.microsoft.com/office/2006/documentManagement/types"/>
@@ -23997,14 +24005,6 @@
     <ds:schemaRef ds:uri="http://purl.org/dc/terms/"/>
     <ds:schemaRef ds:uri="http://www.w3.org/XML/1998/namespace"/>
     <ds:schemaRef ds:uri="http://purl.org/dc/dcmitype/"/>
-  </ds:schemaRefs>
-</ds:datastoreItem>
-</file>
-
-<file path=customXml/itemProps2.xml><?xml version="1.0" encoding="utf-8"?>
-<ds:datastoreItem xmlns:ds="http://schemas.openxmlformats.org/officeDocument/2006/customXml" ds:itemID="{07A05CC1-FF68-453F-AE9C-352B80151440}">
-  <ds:schemaRefs>
-    <ds:schemaRef ds:uri="http://schemas.microsoft.com/sharepoint/v3/contenttype/forms"/>
   </ds:schemaRefs>
 </ds:datastoreItem>
 </file>

--- a/thesis/ukapp2/wqu_isc/sofware_design/Javabc06.pptx
+++ b/thesis/ukapp2/wqu_isc/sofware_design/Javabc06.pptx
@@ -1,11 +1,11 @@
 
 <file path=ppt/presentation.xml><?xml version="1.0" encoding="utf-8"?>
-<p:presentation xmlns:a="http://schemas.openxmlformats.org/drawingml/2006/main" xmlns:r="http://schemas.openxmlformats.org/officeDocument/2006/relationships" xmlns:p="http://schemas.openxmlformats.org/presentationml/2006/main" saveSubsetFonts="1">
+<p:presentation xmlns:a="http://schemas.openxmlformats.org/drawingml/2006/main" xmlns:r="http://schemas.openxmlformats.org/officeDocument/2006/relationships" xmlns:p="http://schemas.openxmlformats.org/presentationml/2006/main" embedTrueTypeFonts="1" saveSubsetFonts="1">
   <p:sldMasterIdLst>
     <p:sldMasterId id="2147483672" r:id="rId4"/>
   </p:sldMasterIdLst>
   <p:notesMasterIdLst>
-    <p:notesMasterId r:id="rId31"/>
+    <p:notesMasterId r:id="rId32"/>
   </p:notesMasterIdLst>
   <p:sldIdLst>
     <p:sldId id="256" r:id="rId5"/>
@@ -34,9 +34,31 @@
     <p:sldId id="287" r:id="rId28"/>
     <p:sldId id="284" r:id="rId29"/>
     <p:sldId id="283" r:id="rId30"/>
+    <p:sldId id="309" r:id="rId31"/>
   </p:sldIdLst>
   <p:sldSz cx="9144000" cy="6858000" type="screen4x3"/>
   <p:notesSz cx="6858000" cy="9144000"/>
+  <p:embeddedFontLst>
+    <p:embeddedFont>
+      <p:font typeface="Calibri" panose="020F0502020204030204" pitchFamily="34" charset="0"/>
+      <p:regular r:id="rId33"/>
+      <p:bold r:id="rId34"/>
+      <p:italic r:id="rId35"/>
+      <p:boldItalic r:id="rId36"/>
+    </p:embeddedFont>
+    <p:embeddedFont>
+      <p:font typeface="Calibri Light" panose="020F0302020204030204" pitchFamily="34" charset="0"/>
+      <p:regular r:id="rId37"/>
+      <p:italic r:id="rId38"/>
+    </p:embeddedFont>
+    <p:embeddedFont>
+      <p:font typeface="Consolas" panose="020B0609020204030204" pitchFamily="49" charset="0"/>
+      <p:regular r:id="rId39"/>
+      <p:bold r:id="rId40"/>
+      <p:italic r:id="rId41"/>
+      <p:boldItalic r:id="rId42"/>
+    </p:embeddedFont>
+  </p:embeddedFontLst>
   <p:defaultTextStyle>
     <a:defPPr>
       <a:defRPr lang="en-US"/>
@@ -222,7 +244,7 @@
           <a:p>
             <a:fld id="{4358A756-45B2-441B-BD26-2888C6C79637}" type="datetimeFigureOut">
               <a:rPr lang="en-GB" smtClean="0"/>
-              <a:t>25/10/2020</a:t>
+              <a:t>26/10/2020</a:t>
             </a:fld>
             <a:endParaRPr lang="en-GB"/>
           </a:p>
@@ -800,7 +822,7 @@
           <a:p>
             <a:fld id="{CD13FC2D-BEDB-45BE-AF82-649A39BEFF71}" type="datetimeFigureOut">
               <a:rPr lang="en-GB" smtClean="0"/>
-              <a:t>25/10/2020</a:t>
+              <a:t>26/10/2020</a:t>
             </a:fld>
             <a:endParaRPr lang="en-GB"/>
           </a:p>
@@ -1008,7 +1030,7 @@
           <a:p>
             <a:fld id="{CD13FC2D-BEDB-45BE-AF82-649A39BEFF71}" type="datetimeFigureOut">
               <a:rPr lang="en-GB" smtClean="0"/>
-              <a:t>25/10/2020</a:t>
+              <a:t>26/10/2020</a:t>
             </a:fld>
             <a:endParaRPr lang="en-GB"/>
           </a:p>
@@ -1264,7 +1286,7 @@
           <a:p>
             <a:fld id="{CD13FC2D-BEDB-45BE-AF82-649A39BEFF71}" type="datetimeFigureOut">
               <a:rPr lang="en-GB" smtClean="0"/>
-              <a:t>25/10/2020</a:t>
+              <a:t>26/10/2020</a:t>
             </a:fld>
             <a:endParaRPr lang="en-GB"/>
           </a:p>
@@ -1434,7 +1456,7 @@
           <a:p>
             <a:fld id="{CD13FC2D-BEDB-45BE-AF82-649A39BEFF71}" type="datetimeFigureOut">
               <a:rPr lang="en-GB" smtClean="0"/>
-              <a:t>25/10/2020</a:t>
+              <a:t>26/10/2020</a:t>
             </a:fld>
             <a:endParaRPr lang="en-GB"/>
           </a:p>
@@ -1777,7 +1799,7 @@
           <a:p>
             <a:fld id="{CD13FC2D-BEDB-45BE-AF82-649A39BEFF71}" type="datetimeFigureOut">
               <a:rPr lang="en-GB" smtClean="0"/>
-              <a:t>25/10/2020</a:t>
+              <a:t>26/10/2020</a:t>
             </a:fld>
             <a:endParaRPr lang="en-GB"/>
           </a:p>
@@ -2052,7 +2074,7 @@
           <a:p>
             <a:fld id="{CD13FC2D-BEDB-45BE-AF82-649A39BEFF71}" type="datetimeFigureOut">
               <a:rPr lang="en-GB" smtClean="0"/>
-              <a:t>25/10/2020</a:t>
+              <a:t>26/10/2020</a:t>
             </a:fld>
             <a:endParaRPr lang="en-GB"/>
           </a:p>
@@ -2431,7 +2453,7 @@
           <a:p>
             <a:fld id="{CD13FC2D-BEDB-45BE-AF82-649A39BEFF71}" type="datetimeFigureOut">
               <a:rPr lang="en-GB" smtClean="0"/>
-              <a:t>25/10/2020</a:t>
+              <a:t>26/10/2020</a:t>
             </a:fld>
             <a:endParaRPr lang="en-GB"/>
           </a:p>
@@ -2549,7 +2571,7 @@
           <a:p>
             <a:fld id="{CD13FC2D-BEDB-45BE-AF82-649A39BEFF71}" type="datetimeFigureOut">
               <a:rPr lang="en-GB" smtClean="0"/>
-              <a:t>25/10/2020</a:t>
+              <a:t>26/10/2020</a:t>
             </a:fld>
             <a:endParaRPr lang="en-GB"/>
           </a:p>
@@ -2720,7 +2742,7 @@
           <a:p>
             <a:fld id="{CD13FC2D-BEDB-45BE-AF82-649A39BEFF71}" type="datetimeFigureOut">
               <a:rPr lang="en-GB" smtClean="0"/>
-              <a:t>25/10/2020</a:t>
+              <a:t>26/10/2020</a:t>
             </a:fld>
             <a:endParaRPr lang="en-GB"/>
           </a:p>
@@ -3074,7 +3096,7 @@
           <a:p>
             <a:fld id="{CD13FC2D-BEDB-45BE-AF82-649A39BEFF71}" type="datetimeFigureOut">
               <a:rPr lang="en-GB" smtClean="0"/>
-              <a:t>25/10/2020</a:t>
+              <a:t>26/10/2020</a:t>
             </a:fld>
             <a:endParaRPr lang="en-GB"/>
           </a:p>
@@ -3456,7 +3478,7 @@
           <a:p>
             <a:fld id="{CD13FC2D-BEDB-45BE-AF82-649A39BEFF71}" type="datetimeFigureOut">
               <a:rPr lang="en-GB" smtClean="0"/>
-              <a:t>25/10/2020</a:t>
+              <a:t>26/10/2020</a:t>
             </a:fld>
             <a:endParaRPr lang="en-GB"/>
           </a:p>
@@ -3743,7 +3765,7 @@
           <a:p>
             <a:fld id="{CD13FC2D-BEDB-45BE-AF82-649A39BEFF71}" type="datetimeFigureOut">
               <a:rPr lang="en-GB" smtClean="0"/>
-              <a:t>25/10/2020</a:t>
+              <a:t>26/10/2020</a:t>
             </a:fld>
             <a:endParaRPr lang="en-GB"/>
           </a:p>
@@ -6515,7 +6537,7 @@
             </a:pPr>
             <a:r>
               <a:rPr lang="en-GB" dirty="0"/>
-              <a:t> The basic layout can be combined together to form complex layouts.</a:t>
+              <a:t> The basic layouts can be combined together to form complex layouts.</a:t>
             </a:r>
           </a:p>
           <a:p>
@@ -8076,7 +8098,7 @@
           <a:p>
             <a:r>
               <a:rPr lang="en-GB" dirty="0"/>
-              <a:t>Border Layouts</a:t>
+              <a:t>Border Layout</a:t>
             </a:r>
           </a:p>
         </p:txBody>
@@ -11066,7 +11088,2712 @@
                 <a:spcPts val="0"/>
               </a:spcBef>
             </a:pPr>
-            <a:endParaRPr lang="en-GB"/>
+            <a:r>
+              <a:rPr lang="en-GB" b="0" dirty="0">
+                <a:solidFill>
+                  <a:srgbClr val="D4D4D4"/>
+                </a:solidFill>
+                <a:effectLst/>
+                <a:latin typeface="Consolas" panose="020B0609020204030204" pitchFamily="49" charset="0"/>
+              </a:rPr>
+              <a:t>    </a:t>
+            </a:r>
+            <a:r>
+              <a:rPr lang="en-GB" b="0" dirty="0">
+                <a:solidFill>
+                  <a:srgbClr val="569CD6"/>
+                </a:solidFill>
+                <a:effectLst/>
+                <a:latin typeface="Consolas" panose="020B0609020204030204" pitchFamily="49" charset="0"/>
+              </a:rPr>
+              <a:t>private</a:t>
+            </a:r>
+            <a:r>
+              <a:rPr lang="en-GB" b="0" dirty="0">
+                <a:solidFill>
+                  <a:srgbClr val="D4D4D4"/>
+                </a:solidFill>
+                <a:effectLst/>
+                <a:latin typeface="Consolas" panose="020B0609020204030204" pitchFamily="49" charset="0"/>
+              </a:rPr>
+              <a:t> </a:t>
+            </a:r>
+            <a:r>
+              <a:rPr lang="en-GB" b="0" dirty="0" err="1">
+                <a:solidFill>
+                  <a:srgbClr val="4EC9B0"/>
+                </a:solidFill>
+                <a:effectLst/>
+                <a:latin typeface="Consolas" panose="020B0609020204030204" pitchFamily="49" charset="0"/>
+              </a:rPr>
+              <a:t>JPanel</a:t>
+            </a:r>
+            <a:r>
+              <a:rPr lang="en-GB" b="0" dirty="0">
+                <a:solidFill>
+                  <a:srgbClr val="D4D4D4"/>
+                </a:solidFill>
+                <a:effectLst/>
+                <a:latin typeface="Consolas" panose="020B0609020204030204" pitchFamily="49" charset="0"/>
+              </a:rPr>
+              <a:t> </a:t>
+            </a:r>
+            <a:r>
+              <a:rPr lang="en-GB" b="0" dirty="0" err="1">
+                <a:solidFill>
+                  <a:srgbClr val="DCDCAA"/>
+                </a:solidFill>
+                <a:effectLst/>
+                <a:latin typeface="Consolas" panose="020B0609020204030204" pitchFamily="49" charset="0"/>
+              </a:rPr>
+              <a:t>createButtonGrid</a:t>
+            </a:r>
+            <a:r>
+              <a:rPr lang="en-GB" b="0" dirty="0">
+                <a:solidFill>
+                  <a:srgbClr val="D4D4D4"/>
+                </a:solidFill>
+                <a:effectLst/>
+                <a:latin typeface="Consolas" panose="020B0609020204030204" pitchFamily="49" charset="0"/>
+              </a:rPr>
+              <a:t>(){</a:t>
+            </a:r>
+          </a:p>
+          <a:p>
+            <a:pPr>
+              <a:spcBef>
+                <a:spcPts val="0"/>
+              </a:spcBef>
+            </a:pPr>
+            <a:r>
+              <a:rPr lang="en-GB" b="0" dirty="0">
+                <a:solidFill>
+                  <a:srgbClr val="D4D4D4"/>
+                </a:solidFill>
+                <a:effectLst/>
+                <a:latin typeface="Consolas" panose="020B0609020204030204" pitchFamily="49" charset="0"/>
+              </a:rPr>
+              <a:t>        </a:t>
+            </a:r>
+            <a:r>
+              <a:rPr lang="en-GB" b="0" dirty="0" err="1">
+                <a:solidFill>
+                  <a:srgbClr val="4EC9B0"/>
+                </a:solidFill>
+                <a:effectLst/>
+                <a:latin typeface="Consolas" panose="020B0609020204030204" pitchFamily="49" charset="0"/>
+              </a:rPr>
+              <a:t>JPanel</a:t>
+            </a:r>
+            <a:r>
+              <a:rPr lang="en-GB" b="0" dirty="0">
+                <a:solidFill>
+                  <a:srgbClr val="D4D4D4"/>
+                </a:solidFill>
+                <a:effectLst/>
+                <a:latin typeface="Consolas" panose="020B0609020204030204" pitchFamily="49" charset="0"/>
+              </a:rPr>
+              <a:t> </a:t>
+            </a:r>
+            <a:r>
+              <a:rPr lang="en-GB" b="0" dirty="0">
+                <a:solidFill>
+                  <a:srgbClr val="9CDCFE"/>
+                </a:solidFill>
+                <a:effectLst/>
+                <a:latin typeface="Consolas" panose="020B0609020204030204" pitchFamily="49" charset="0"/>
+              </a:rPr>
+              <a:t>buttons</a:t>
+            </a:r>
+            <a:r>
+              <a:rPr lang="en-GB" b="0" dirty="0">
+                <a:solidFill>
+                  <a:srgbClr val="D4D4D4"/>
+                </a:solidFill>
+                <a:effectLst/>
+                <a:latin typeface="Consolas" panose="020B0609020204030204" pitchFamily="49" charset="0"/>
+              </a:rPr>
+              <a:t>=</a:t>
+            </a:r>
+            <a:r>
+              <a:rPr lang="en-GB" b="0" dirty="0">
+                <a:solidFill>
+                  <a:srgbClr val="C586C0"/>
+                </a:solidFill>
+                <a:effectLst/>
+                <a:latin typeface="Consolas" panose="020B0609020204030204" pitchFamily="49" charset="0"/>
+              </a:rPr>
+              <a:t>new</a:t>
+            </a:r>
+            <a:r>
+              <a:rPr lang="en-GB" b="0" dirty="0">
+                <a:solidFill>
+                  <a:srgbClr val="D4D4D4"/>
+                </a:solidFill>
+                <a:effectLst/>
+                <a:latin typeface="Consolas" panose="020B0609020204030204" pitchFamily="49" charset="0"/>
+              </a:rPr>
+              <a:t> </a:t>
+            </a:r>
+            <a:r>
+              <a:rPr lang="en-GB" b="0" dirty="0" err="1">
+                <a:solidFill>
+                  <a:srgbClr val="DCDCAA"/>
+                </a:solidFill>
+                <a:effectLst/>
+                <a:latin typeface="Consolas" panose="020B0609020204030204" pitchFamily="49" charset="0"/>
+              </a:rPr>
+              <a:t>JPanel</a:t>
+            </a:r>
+            <a:r>
+              <a:rPr lang="en-GB" b="0" dirty="0">
+                <a:solidFill>
+                  <a:srgbClr val="D4D4D4"/>
+                </a:solidFill>
+                <a:effectLst/>
+                <a:latin typeface="Consolas" panose="020B0609020204030204" pitchFamily="49" charset="0"/>
+              </a:rPr>
+              <a:t>();</a:t>
+            </a:r>
+          </a:p>
+          <a:p>
+            <a:pPr>
+              <a:spcBef>
+                <a:spcPts val="0"/>
+              </a:spcBef>
+            </a:pPr>
+            <a:r>
+              <a:rPr lang="en-GB" b="0" dirty="0">
+                <a:solidFill>
+                  <a:srgbClr val="D4D4D4"/>
+                </a:solidFill>
+                <a:effectLst/>
+                <a:latin typeface="Consolas" panose="020B0609020204030204" pitchFamily="49" charset="0"/>
+              </a:rPr>
+              <a:t>        </a:t>
+            </a:r>
+            <a:r>
+              <a:rPr lang="en-GB" b="0" dirty="0" err="1">
+                <a:solidFill>
+                  <a:srgbClr val="9CDCFE"/>
+                </a:solidFill>
+                <a:effectLst/>
+                <a:latin typeface="Consolas" panose="020B0609020204030204" pitchFamily="49" charset="0"/>
+              </a:rPr>
+              <a:t>buttons</a:t>
+            </a:r>
+            <a:r>
+              <a:rPr lang="en-GB" b="0" dirty="0" err="1">
+                <a:solidFill>
+                  <a:srgbClr val="D4D4D4"/>
+                </a:solidFill>
+                <a:effectLst/>
+                <a:latin typeface="Consolas" panose="020B0609020204030204" pitchFamily="49" charset="0"/>
+              </a:rPr>
+              <a:t>.</a:t>
+            </a:r>
+            <a:r>
+              <a:rPr lang="en-GB" b="0" dirty="0" err="1">
+                <a:solidFill>
+                  <a:srgbClr val="DCDCAA"/>
+                </a:solidFill>
+                <a:effectLst/>
+                <a:latin typeface="Consolas" panose="020B0609020204030204" pitchFamily="49" charset="0"/>
+              </a:rPr>
+              <a:t>setLayout</a:t>
+            </a:r>
+            <a:r>
+              <a:rPr lang="en-GB" b="0" dirty="0">
+                <a:solidFill>
+                  <a:srgbClr val="D4D4D4"/>
+                </a:solidFill>
+                <a:effectLst/>
+                <a:latin typeface="Consolas" panose="020B0609020204030204" pitchFamily="49" charset="0"/>
+              </a:rPr>
+              <a:t>(</a:t>
+            </a:r>
+            <a:r>
+              <a:rPr lang="en-GB" b="0" dirty="0">
+                <a:solidFill>
+                  <a:srgbClr val="C586C0"/>
+                </a:solidFill>
+                <a:effectLst/>
+                <a:latin typeface="Consolas" panose="020B0609020204030204" pitchFamily="49" charset="0"/>
+              </a:rPr>
+              <a:t>new</a:t>
+            </a:r>
+            <a:r>
+              <a:rPr lang="en-GB" b="0" dirty="0">
+                <a:solidFill>
+                  <a:srgbClr val="D4D4D4"/>
+                </a:solidFill>
+                <a:effectLst/>
+                <a:latin typeface="Consolas" panose="020B0609020204030204" pitchFamily="49" charset="0"/>
+              </a:rPr>
+              <a:t> </a:t>
+            </a:r>
+            <a:r>
+              <a:rPr lang="en-GB" b="0" dirty="0" err="1">
+                <a:solidFill>
+                  <a:srgbClr val="DCDCAA"/>
+                </a:solidFill>
+                <a:effectLst/>
+                <a:latin typeface="Consolas" panose="020B0609020204030204" pitchFamily="49" charset="0"/>
+              </a:rPr>
+              <a:t>GridLayout</a:t>
+            </a:r>
+            <a:r>
+              <a:rPr lang="en-GB" b="0" dirty="0">
+                <a:solidFill>
+                  <a:srgbClr val="D4D4D4"/>
+                </a:solidFill>
+                <a:effectLst/>
+                <a:latin typeface="Consolas" panose="020B0609020204030204" pitchFamily="49" charset="0"/>
+              </a:rPr>
+              <a:t>(</a:t>
+            </a:r>
+            <a:r>
+              <a:rPr lang="en-GB" b="0" dirty="0">
+                <a:solidFill>
+                  <a:srgbClr val="B5CEA8"/>
+                </a:solidFill>
+                <a:effectLst/>
+                <a:latin typeface="Consolas" panose="020B0609020204030204" pitchFamily="49" charset="0"/>
+              </a:rPr>
+              <a:t>5</a:t>
+            </a:r>
+            <a:r>
+              <a:rPr lang="en-GB" b="0" dirty="0">
+                <a:solidFill>
+                  <a:srgbClr val="D4D4D4"/>
+                </a:solidFill>
+                <a:effectLst/>
+                <a:latin typeface="Consolas" panose="020B0609020204030204" pitchFamily="49" charset="0"/>
+              </a:rPr>
+              <a:t>,</a:t>
+            </a:r>
+            <a:r>
+              <a:rPr lang="en-GB" b="0" dirty="0">
+                <a:solidFill>
+                  <a:srgbClr val="B5CEA8"/>
+                </a:solidFill>
+                <a:effectLst/>
+                <a:latin typeface="Consolas" panose="020B0609020204030204" pitchFamily="49" charset="0"/>
+              </a:rPr>
+              <a:t>4</a:t>
+            </a:r>
+            <a:r>
+              <a:rPr lang="en-GB" b="0" dirty="0">
+                <a:solidFill>
+                  <a:srgbClr val="D4D4D4"/>
+                </a:solidFill>
+                <a:effectLst/>
+                <a:latin typeface="Consolas" panose="020B0609020204030204" pitchFamily="49" charset="0"/>
+              </a:rPr>
+              <a:t>));</a:t>
+            </a:r>
+          </a:p>
+          <a:p>
+            <a:pPr>
+              <a:spcBef>
+                <a:spcPts val="0"/>
+              </a:spcBef>
+            </a:pPr>
+            <a:r>
+              <a:rPr lang="en-GB" b="0" dirty="0">
+                <a:solidFill>
+                  <a:srgbClr val="D4D4D4"/>
+                </a:solidFill>
+                <a:effectLst/>
+                <a:latin typeface="Consolas" panose="020B0609020204030204" pitchFamily="49" charset="0"/>
+              </a:rPr>
+              <a:t>        </a:t>
+            </a:r>
+            <a:r>
+              <a:rPr lang="en-GB" b="0" dirty="0" err="1">
+                <a:solidFill>
+                  <a:srgbClr val="9CDCFE"/>
+                </a:solidFill>
+                <a:effectLst/>
+                <a:latin typeface="Consolas" panose="020B0609020204030204" pitchFamily="49" charset="0"/>
+              </a:rPr>
+              <a:t>buttons</a:t>
+            </a:r>
+            <a:r>
+              <a:rPr lang="en-GB" b="0" dirty="0" err="1">
+                <a:solidFill>
+                  <a:srgbClr val="D4D4D4"/>
+                </a:solidFill>
+                <a:effectLst/>
+                <a:latin typeface="Consolas" panose="020B0609020204030204" pitchFamily="49" charset="0"/>
+              </a:rPr>
+              <a:t>.</a:t>
+            </a:r>
+            <a:r>
+              <a:rPr lang="en-GB" b="0" dirty="0" err="1">
+                <a:solidFill>
+                  <a:srgbClr val="DCDCAA"/>
+                </a:solidFill>
+                <a:effectLst/>
+                <a:latin typeface="Consolas" panose="020B0609020204030204" pitchFamily="49" charset="0"/>
+              </a:rPr>
+              <a:t>add</a:t>
+            </a:r>
+            <a:r>
+              <a:rPr lang="en-GB" b="0" dirty="0">
+                <a:solidFill>
+                  <a:srgbClr val="D4D4D4"/>
+                </a:solidFill>
+                <a:effectLst/>
+                <a:latin typeface="Consolas" panose="020B0609020204030204" pitchFamily="49" charset="0"/>
+              </a:rPr>
+              <a:t>(</a:t>
+            </a:r>
+            <a:r>
+              <a:rPr lang="en-GB" b="0" dirty="0">
+                <a:solidFill>
+                  <a:srgbClr val="C586C0"/>
+                </a:solidFill>
+                <a:effectLst/>
+                <a:latin typeface="Consolas" panose="020B0609020204030204" pitchFamily="49" charset="0"/>
+              </a:rPr>
+              <a:t>new</a:t>
+            </a:r>
+            <a:r>
+              <a:rPr lang="en-GB" b="0" dirty="0">
+                <a:solidFill>
+                  <a:srgbClr val="D4D4D4"/>
+                </a:solidFill>
+                <a:effectLst/>
+                <a:latin typeface="Consolas" panose="020B0609020204030204" pitchFamily="49" charset="0"/>
+              </a:rPr>
+              <a:t> </a:t>
+            </a:r>
+            <a:r>
+              <a:rPr lang="en-GB" b="0" dirty="0" err="1">
+                <a:solidFill>
+                  <a:srgbClr val="DCDCAA"/>
+                </a:solidFill>
+                <a:effectLst/>
+                <a:latin typeface="Consolas" panose="020B0609020204030204" pitchFamily="49" charset="0"/>
+              </a:rPr>
+              <a:t>JButton</a:t>
+            </a:r>
+            <a:r>
+              <a:rPr lang="en-GB" b="0" dirty="0">
+                <a:solidFill>
+                  <a:srgbClr val="D4D4D4"/>
+                </a:solidFill>
+                <a:effectLst/>
+                <a:latin typeface="Consolas" panose="020B0609020204030204" pitchFamily="49" charset="0"/>
+              </a:rPr>
+              <a:t>(</a:t>
+            </a:r>
+            <a:r>
+              <a:rPr lang="en-GB" b="0" dirty="0">
+                <a:solidFill>
+                  <a:srgbClr val="CE9178"/>
+                </a:solidFill>
+                <a:effectLst/>
+                <a:latin typeface="Consolas" panose="020B0609020204030204" pitchFamily="49" charset="0"/>
+              </a:rPr>
+              <a:t>"A/C"</a:t>
+            </a:r>
+            <a:r>
+              <a:rPr lang="en-GB" b="0" dirty="0">
+                <a:solidFill>
+                  <a:srgbClr val="D4D4D4"/>
+                </a:solidFill>
+                <a:effectLst/>
+                <a:latin typeface="Consolas" panose="020B0609020204030204" pitchFamily="49" charset="0"/>
+              </a:rPr>
+              <a:t>));</a:t>
+            </a:r>
+          </a:p>
+          <a:p>
+            <a:pPr>
+              <a:spcBef>
+                <a:spcPts val="0"/>
+              </a:spcBef>
+            </a:pPr>
+            <a:r>
+              <a:rPr lang="en-GB" b="0" dirty="0">
+                <a:solidFill>
+                  <a:srgbClr val="D4D4D4"/>
+                </a:solidFill>
+                <a:effectLst/>
+                <a:latin typeface="Consolas" panose="020B0609020204030204" pitchFamily="49" charset="0"/>
+              </a:rPr>
+              <a:t>        </a:t>
+            </a:r>
+            <a:r>
+              <a:rPr lang="en-GB" b="0" dirty="0" err="1">
+                <a:solidFill>
+                  <a:srgbClr val="9CDCFE"/>
+                </a:solidFill>
+                <a:effectLst/>
+                <a:latin typeface="Consolas" panose="020B0609020204030204" pitchFamily="49" charset="0"/>
+              </a:rPr>
+              <a:t>buttons</a:t>
+            </a:r>
+            <a:r>
+              <a:rPr lang="en-GB" b="0" dirty="0" err="1">
+                <a:solidFill>
+                  <a:srgbClr val="D4D4D4"/>
+                </a:solidFill>
+                <a:effectLst/>
+                <a:latin typeface="Consolas" panose="020B0609020204030204" pitchFamily="49" charset="0"/>
+              </a:rPr>
+              <a:t>.</a:t>
+            </a:r>
+            <a:r>
+              <a:rPr lang="en-GB" b="0" dirty="0" err="1">
+                <a:solidFill>
+                  <a:srgbClr val="DCDCAA"/>
+                </a:solidFill>
+                <a:effectLst/>
+                <a:latin typeface="Consolas" panose="020B0609020204030204" pitchFamily="49" charset="0"/>
+              </a:rPr>
+              <a:t>add</a:t>
+            </a:r>
+            <a:r>
+              <a:rPr lang="en-GB" b="0" dirty="0">
+                <a:solidFill>
+                  <a:srgbClr val="D4D4D4"/>
+                </a:solidFill>
+                <a:effectLst/>
+                <a:latin typeface="Consolas" panose="020B0609020204030204" pitchFamily="49" charset="0"/>
+              </a:rPr>
+              <a:t>(</a:t>
+            </a:r>
+            <a:r>
+              <a:rPr lang="en-GB" b="0" dirty="0">
+                <a:solidFill>
+                  <a:srgbClr val="C586C0"/>
+                </a:solidFill>
+                <a:effectLst/>
+                <a:latin typeface="Consolas" panose="020B0609020204030204" pitchFamily="49" charset="0"/>
+              </a:rPr>
+              <a:t>new</a:t>
+            </a:r>
+            <a:r>
+              <a:rPr lang="en-GB" b="0" dirty="0">
+                <a:solidFill>
+                  <a:srgbClr val="D4D4D4"/>
+                </a:solidFill>
+                <a:effectLst/>
+                <a:latin typeface="Consolas" panose="020B0609020204030204" pitchFamily="49" charset="0"/>
+              </a:rPr>
+              <a:t> </a:t>
+            </a:r>
+            <a:r>
+              <a:rPr lang="en-GB" b="0" dirty="0" err="1">
+                <a:solidFill>
+                  <a:srgbClr val="DCDCAA"/>
+                </a:solidFill>
+                <a:effectLst/>
+                <a:latin typeface="Consolas" panose="020B0609020204030204" pitchFamily="49" charset="0"/>
+              </a:rPr>
+              <a:t>JButton</a:t>
+            </a:r>
+            <a:r>
+              <a:rPr lang="en-GB" b="0" dirty="0">
+                <a:solidFill>
+                  <a:srgbClr val="D4D4D4"/>
+                </a:solidFill>
+                <a:effectLst/>
+                <a:latin typeface="Consolas" panose="020B0609020204030204" pitchFamily="49" charset="0"/>
+              </a:rPr>
+              <a:t>(</a:t>
+            </a:r>
+            <a:r>
+              <a:rPr lang="en-GB" b="0" dirty="0">
+                <a:solidFill>
+                  <a:srgbClr val="CE9178"/>
+                </a:solidFill>
+                <a:effectLst/>
+                <a:latin typeface="Consolas" panose="020B0609020204030204" pitchFamily="49" charset="0"/>
+              </a:rPr>
+              <a:t>"C"</a:t>
+            </a:r>
+            <a:r>
+              <a:rPr lang="en-GB" b="0" dirty="0">
+                <a:solidFill>
+                  <a:srgbClr val="D4D4D4"/>
+                </a:solidFill>
+                <a:effectLst/>
+                <a:latin typeface="Consolas" panose="020B0609020204030204" pitchFamily="49" charset="0"/>
+              </a:rPr>
+              <a:t>));</a:t>
+            </a:r>
+          </a:p>
+          <a:p>
+            <a:pPr>
+              <a:spcBef>
+                <a:spcPts val="0"/>
+              </a:spcBef>
+            </a:pPr>
+            <a:r>
+              <a:rPr lang="en-GB" b="0" dirty="0">
+                <a:solidFill>
+                  <a:srgbClr val="D4D4D4"/>
+                </a:solidFill>
+                <a:effectLst/>
+                <a:latin typeface="Consolas" panose="020B0609020204030204" pitchFamily="49" charset="0"/>
+              </a:rPr>
+              <a:t>        </a:t>
+            </a:r>
+            <a:r>
+              <a:rPr lang="en-GB" b="0" dirty="0" err="1">
+                <a:solidFill>
+                  <a:srgbClr val="9CDCFE"/>
+                </a:solidFill>
+                <a:effectLst/>
+                <a:latin typeface="Consolas" panose="020B0609020204030204" pitchFamily="49" charset="0"/>
+              </a:rPr>
+              <a:t>buttons</a:t>
+            </a:r>
+            <a:r>
+              <a:rPr lang="en-GB" b="0" dirty="0" err="1">
+                <a:solidFill>
+                  <a:srgbClr val="D4D4D4"/>
+                </a:solidFill>
+                <a:effectLst/>
+                <a:latin typeface="Consolas" panose="020B0609020204030204" pitchFamily="49" charset="0"/>
+              </a:rPr>
+              <a:t>.</a:t>
+            </a:r>
+            <a:r>
+              <a:rPr lang="en-GB" b="0" dirty="0" err="1">
+                <a:solidFill>
+                  <a:srgbClr val="DCDCAA"/>
+                </a:solidFill>
+                <a:effectLst/>
+                <a:latin typeface="Consolas" panose="020B0609020204030204" pitchFamily="49" charset="0"/>
+              </a:rPr>
+              <a:t>add</a:t>
+            </a:r>
+            <a:r>
+              <a:rPr lang="en-GB" b="0" dirty="0">
+                <a:solidFill>
+                  <a:srgbClr val="D4D4D4"/>
+                </a:solidFill>
+                <a:effectLst/>
+                <a:latin typeface="Consolas" panose="020B0609020204030204" pitchFamily="49" charset="0"/>
+              </a:rPr>
+              <a:t>(</a:t>
+            </a:r>
+            <a:r>
+              <a:rPr lang="en-GB" b="0" dirty="0">
+                <a:solidFill>
+                  <a:srgbClr val="C586C0"/>
+                </a:solidFill>
+                <a:effectLst/>
+                <a:latin typeface="Consolas" panose="020B0609020204030204" pitchFamily="49" charset="0"/>
+              </a:rPr>
+              <a:t>new</a:t>
+            </a:r>
+            <a:r>
+              <a:rPr lang="en-GB" b="0" dirty="0">
+                <a:solidFill>
+                  <a:srgbClr val="D4D4D4"/>
+                </a:solidFill>
+                <a:effectLst/>
+                <a:latin typeface="Consolas" panose="020B0609020204030204" pitchFamily="49" charset="0"/>
+              </a:rPr>
+              <a:t> </a:t>
+            </a:r>
+            <a:r>
+              <a:rPr lang="en-GB" b="0" dirty="0" err="1">
+                <a:solidFill>
+                  <a:srgbClr val="DCDCAA"/>
+                </a:solidFill>
+                <a:effectLst/>
+                <a:latin typeface="Consolas" panose="020B0609020204030204" pitchFamily="49" charset="0"/>
+              </a:rPr>
+              <a:t>JButton</a:t>
+            </a:r>
+            <a:r>
+              <a:rPr lang="en-GB" b="0" dirty="0">
+                <a:solidFill>
+                  <a:srgbClr val="D4D4D4"/>
+                </a:solidFill>
+                <a:effectLst/>
+                <a:latin typeface="Consolas" panose="020B0609020204030204" pitchFamily="49" charset="0"/>
+              </a:rPr>
+              <a:t>(</a:t>
+            </a:r>
+            <a:r>
+              <a:rPr lang="en-GB" b="0" dirty="0">
+                <a:solidFill>
+                  <a:srgbClr val="CE9178"/>
+                </a:solidFill>
+                <a:effectLst/>
+                <a:latin typeface="Consolas" panose="020B0609020204030204" pitchFamily="49" charset="0"/>
+              </a:rPr>
+              <a:t>"M+"</a:t>
+            </a:r>
+            <a:r>
+              <a:rPr lang="en-GB" b="0" dirty="0">
+                <a:solidFill>
+                  <a:srgbClr val="D4D4D4"/>
+                </a:solidFill>
+                <a:effectLst/>
+                <a:latin typeface="Consolas" panose="020B0609020204030204" pitchFamily="49" charset="0"/>
+              </a:rPr>
+              <a:t>));</a:t>
+            </a:r>
+          </a:p>
+          <a:p>
+            <a:pPr>
+              <a:spcBef>
+                <a:spcPts val="0"/>
+              </a:spcBef>
+            </a:pPr>
+            <a:r>
+              <a:rPr lang="en-GB" b="0" dirty="0">
+                <a:solidFill>
+                  <a:srgbClr val="D4D4D4"/>
+                </a:solidFill>
+                <a:effectLst/>
+                <a:latin typeface="Consolas" panose="020B0609020204030204" pitchFamily="49" charset="0"/>
+              </a:rPr>
+              <a:t>        </a:t>
+            </a:r>
+            <a:r>
+              <a:rPr lang="en-GB" b="0" dirty="0" err="1">
+                <a:solidFill>
+                  <a:srgbClr val="9CDCFE"/>
+                </a:solidFill>
+                <a:effectLst/>
+                <a:latin typeface="Consolas" panose="020B0609020204030204" pitchFamily="49" charset="0"/>
+              </a:rPr>
+              <a:t>buttons</a:t>
+            </a:r>
+            <a:r>
+              <a:rPr lang="en-GB" b="0" dirty="0" err="1">
+                <a:solidFill>
+                  <a:srgbClr val="D4D4D4"/>
+                </a:solidFill>
+                <a:effectLst/>
+                <a:latin typeface="Consolas" panose="020B0609020204030204" pitchFamily="49" charset="0"/>
+              </a:rPr>
+              <a:t>.</a:t>
+            </a:r>
+            <a:r>
+              <a:rPr lang="en-GB" b="0" dirty="0" err="1">
+                <a:solidFill>
+                  <a:srgbClr val="DCDCAA"/>
+                </a:solidFill>
+                <a:effectLst/>
+                <a:latin typeface="Consolas" panose="020B0609020204030204" pitchFamily="49" charset="0"/>
+              </a:rPr>
+              <a:t>add</a:t>
+            </a:r>
+            <a:r>
+              <a:rPr lang="en-GB" b="0" dirty="0">
+                <a:solidFill>
+                  <a:srgbClr val="D4D4D4"/>
+                </a:solidFill>
+                <a:effectLst/>
+                <a:latin typeface="Consolas" panose="020B0609020204030204" pitchFamily="49" charset="0"/>
+              </a:rPr>
+              <a:t>(</a:t>
+            </a:r>
+            <a:r>
+              <a:rPr lang="en-GB" b="0" dirty="0">
+                <a:solidFill>
+                  <a:srgbClr val="C586C0"/>
+                </a:solidFill>
+                <a:effectLst/>
+                <a:latin typeface="Consolas" panose="020B0609020204030204" pitchFamily="49" charset="0"/>
+              </a:rPr>
+              <a:t>new</a:t>
+            </a:r>
+            <a:r>
+              <a:rPr lang="en-GB" b="0" dirty="0">
+                <a:solidFill>
+                  <a:srgbClr val="D4D4D4"/>
+                </a:solidFill>
+                <a:effectLst/>
+                <a:latin typeface="Consolas" panose="020B0609020204030204" pitchFamily="49" charset="0"/>
+              </a:rPr>
+              <a:t> </a:t>
+            </a:r>
+            <a:r>
+              <a:rPr lang="en-GB" b="0" dirty="0" err="1">
+                <a:solidFill>
+                  <a:srgbClr val="DCDCAA"/>
+                </a:solidFill>
+                <a:effectLst/>
+                <a:latin typeface="Consolas" panose="020B0609020204030204" pitchFamily="49" charset="0"/>
+              </a:rPr>
+              <a:t>JButton</a:t>
+            </a:r>
+            <a:r>
+              <a:rPr lang="en-GB" b="0" dirty="0">
+                <a:solidFill>
+                  <a:srgbClr val="D4D4D4"/>
+                </a:solidFill>
+                <a:effectLst/>
+                <a:latin typeface="Consolas" panose="020B0609020204030204" pitchFamily="49" charset="0"/>
+              </a:rPr>
+              <a:t>(</a:t>
+            </a:r>
+            <a:r>
+              <a:rPr lang="en-GB" b="0" dirty="0">
+                <a:solidFill>
+                  <a:srgbClr val="CE9178"/>
+                </a:solidFill>
+                <a:effectLst/>
+                <a:latin typeface="Consolas" panose="020B0609020204030204" pitchFamily="49" charset="0"/>
+              </a:rPr>
+              <a:t>"+/-"</a:t>
+            </a:r>
+            <a:r>
+              <a:rPr lang="en-GB" b="0" dirty="0">
+                <a:solidFill>
+                  <a:srgbClr val="D4D4D4"/>
+                </a:solidFill>
+                <a:effectLst/>
+                <a:latin typeface="Consolas" panose="020B0609020204030204" pitchFamily="49" charset="0"/>
+              </a:rPr>
+              <a:t>));</a:t>
+            </a:r>
+          </a:p>
+          <a:p>
+            <a:pPr>
+              <a:spcBef>
+                <a:spcPts val="0"/>
+              </a:spcBef>
+            </a:pPr>
+            <a:r>
+              <a:rPr lang="en-GB" b="0" dirty="0">
+                <a:solidFill>
+                  <a:srgbClr val="D4D4D4"/>
+                </a:solidFill>
+                <a:effectLst/>
+                <a:latin typeface="Consolas" panose="020B0609020204030204" pitchFamily="49" charset="0"/>
+              </a:rPr>
+              <a:t>        </a:t>
+            </a:r>
+            <a:r>
+              <a:rPr lang="en-GB" b="0" dirty="0" err="1">
+                <a:solidFill>
+                  <a:srgbClr val="9CDCFE"/>
+                </a:solidFill>
+                <a:effectLst/>
+                <a:latin typeface="Consolas" panose="020B0609020204030204" pitchFamily="49" charset="0"/>
+              </a:rPr>
+              <a:t>buttons</a:t>
+            </a:r>
+            <a:r>
+              <a:rPr lang="en-GB" b="0" dirty="0" err="1">
+                <a:solidFill>
+                  <a:srgbClr val="D4D4D4"/>
+                </a:solidFill>
+                <a:effectLst/>
+                <a:latin typeface="Consolas" panose="020B0609020204030204" pitchFamily="49" charset="0"/>
+              </a:rPr>
+              <a:t>.</a:t>
+            </a:r>
+            <a:r>
+              <a:rPr lang="en-GB" b="0" dirty="0" err="1">
+                <a:solidFill>
+                  <a:srgbClr val="DCDCAA"/>
+                </a:solidFill>
+                <a:effectLst/>
+                <a:latin typeface="Consolas" panose="020B0609020204030204" pitchFamily="49" charset="0"/>
+              </a:rPr>
+              <a:t>add</a:t>
+            </a:r>
+            <a:r>
+              <a:rPr lang="en-GB" b="0" dirty="0">
+                <a:solidFill>
+                  <a:srgbClr val="D4D4D4"/>
+                </a:solidFill>
+                <a:effectLst/>
+                <a:latin typeface="Consolas" panose="020B0609020204030204" pitchFamily="49" charset="0"/>
+              </a:rPr>
+              <a:t>(</a:t>
+            </a:r>
+            <a:r>
+              <a:rPr lang="en-GB" b="0" dirty="0">
+                <a:solidFill>
+                  <a:srgbClr val="C586C0"/>
+                </a:solidFill>
+                <a:effectLst/>
+                <a:latin typeface="Consolas" panose="020B0609020204030204" pitchFamily="49" charset="0"/>
+              </a:rPr>
+              <a:t>new</a:t>
+            </a:r>
+            <a:r>
+              <a:rPr lang="en-GB" b="0" dirty="0">
+                <a:solidFill>
+                  <a:srgbClr val="D4D4D4"/>
+                </a:solidFill>
+                <a:effectLst/>
+                <a:latin typeface="Consolas" panose="020B0609020204030204" pitchFamily="49" charset="0"/>
+              </a:rPr>
+              <a:t> </a:t>
+            </a:r>
+            <a:r>
+              <a:rPr lang="en-GB" b="0" dirty="0" err="1">
+                <a:solidFill>
+                  <a:srgbClr val="DCDCAA"/>
+                </a:solidFill>
+                <a:effectLst/>
+                <a:latin typeface="Consolas" panose="020B0609020204030204" pitchFamily="49" charset="0"/>
+              </a:rPr>
+              <a:t>JButton</a:t>
+            </a:r>
+            <a:r>
+              <a:rPr lang="en-GB" b="0" dirty="0">
+                <a:solidFill>
+                  <a:srgbClr val="D4D4D4"/>
+                </a:solidFill>
+                <a:effectLst/>
+                <a:latin typeface="Consolas" panose="020B0609020204030204" pitchFamily="49" charset="0"/>
+              </a:rPr>
+              <a:t>(</a:t>
+            </a:r>
+            <a:r>
+              <a:rPr lang="en-GB" b="0" dirty="0">
+                <a:solidFill>
+                  <a:srgbClr val="CE9178"/>
+                </a:solidFill>
+                <a:effectLst/>
+                <a:latin typeface="Consolas" panose="020B0609020204030204" pitchFamily="49" charset="0"/>
+              </a:rPr>
+              <a:t>"7"</a:t>
+            </a:r>
+            <a:r>
+              <a:rPr lang="en-GB" b="0" dirty="0">
+                <a:solidFill>
+                  <a:srgbClr val="D4D4D4"/>
+                </a:solidFill>
+                <a:effectLst/>
+                <a:latin typeface="Consolas" panose="020B0609020204030204" pitchFamily="49" charset="0"/>
+              </a:rPr>
+              <a:t>));</a:t>
+            </a:r>
+          </a:p>
+          <a:p>
+            <a:pPr>
+              <a:spcBef>
+                <a:spcPts val="0"/>
+              </a:spcBef>
+            </a:pPr>
+            <a:r>
+              <a:rPr lang="en-GB" b="0" dirty="0">
+                <a:solidFill>
+                  <a:srgbClr val="D4D4D4"/>
+                </a:solidFill>
+                <a:effectLst/>
+                <a:latin typeface="Consolas" panose="020B0609020204030204" pitchFamily="49" charset="0"/>
+              </a:rPr>
+              <a:t>        </a:t>
+            </a:r>
+            <a:r>
+              <a:rPr lang="en-GB" b="0" dirty="0" err="1">
+                <a:solidFill>
+                  <a:srgbClr val="9CDCFE"/>
+                </a:solidFill>
+                <a:effectLst/>
+                <a:latin typeface="Consolas" panose="020B0609020204030204" pitchFamily="49" charset="0"/>
+              </a:rPr>
+              <a:t>buttons</a:t>
+            </a:r>
+            <a:r>
+              <a:rPr lang="en-GB" b="0" dirty="0" err="1">
+                <a:solidFill>
+                  <a:srgbClr val="D4D4D4"/>
+                </a:solidFill>
+                <a:effectLst/>
+                <a:latin typeface="Consolas" panose="020B0609020204030204" pitchFamily="49" charset="0"/>
+              </a:rPr>
+              <a:t>.</a:t>
+            </a:r>
+            <a:r>
+              <a:rPr lang="en-GB" b="0" dirty="0" err="1">
+                <a:solidFill>
+                  <a:srgbClr val="DCDCAA"/>
+                </a:solidFill>
+                <a:effectLst/>
+                <a:latin typeface="Consolas" panose="020B0609020204030204" pitchFamily="49" charset="0"/>
+              </a:rPr>
+              <a:t>add</a:t>
+            </a:r>
+            <a:r>
+              <a:rPr lang="en-GB" b="0" dirty="0">
+                <a:solidFill>
+                  <a:srgbClr val="D4D4D4"/>
+                </a:solidFill>
+                <a:effectLst/>
+                <a:latin typeface="Consolas" panose="020B0609020204030204" pitchFamily="49" charset="0"/>
+              </a:rPr>
+              <a:t>(</a:t>
+            </a:r>
+            <a:r>
+              <a:rPr lang="en-GB" b="0" dirty="0">
+                <a:solidFill>
+                  <a:srgbClr val="C586C0"/>
+                </a:solidFill>
+                <a:effectLst/>
+                <a:latin typeface="Consolas" panose="020B0609020204030204" pitchFamily="49" charset="0"/>
+              </a:rPr>
+              <a:t>new</a:t>
+            </a:r>
+            <a:r>
+              <a:rPr lang="en-GB" b="0" dirty="0">
+                <a:solidFill>
+                  <a:srgbClr val="D4D4D4"/>
+                </a:solidFill>
+                <a:effectLst/>
+                <a:latin typeface="Consolas" panose="020B0609020204030204" pitchFamily="49" charset="0"/>
+              </a:rPr>
+              <a:t> </a:t>
+            </a:r>
+            <a:r>
+              <a:rPr lang="en-GB" b="0" dirty="0" err="1">
+                <a:solidFill>
+                  <a:srgbClr val="DCDCAA"/>
+                </a:solidFill>
+                <a:effectLst/>
+                <a:latin typeface="Consolas" panose="020B0609020204030204" pitchFamily="49" charset="0"/>
+              </a:rPr>
+              <a:t>JButton</a:t>
+            </a:r>
+            <a:r>
+              <a:rPr lang="en-GB" b="0" dirty="0">
+                <a:solidFill>
+                  <a:srgbClr val="D4D4D4"/>
+                </a:solidFill>
+                <a:effectLst/>
+                <a:latin typeface="Consolas" panose="020B0609020204030204" pitchFamily="49" charset="0"/>
+              </a:rPr>
+              <a:t>(</a:t>
+            </a:r>
+            <a:r>
+              <a:rPr lang="en-GB" b="0" dirty="0">
+                <a:solidFill>
+                  <a:srgbClr val="CE9178"/>
+                </a:solidFill>
+                <a:effectLst/>
+                <a:latin typeface="Consolas" panose="020B0609020204030204" pitchFamily="49" charset="0"/>
+              </a:rPr>
+              <a:t>"8"</a:t>
+            </a:r>
+            <a:r>
+              <a:rPr lang="en-GB" b="0" dirty="0">
+                <a:solidFill>
+                  <a:srgbClr val="D4D4D4"/>
+                </a:solidFill>
+                <a:effectLst/>
+                <a:latin typeface="Consolas" panose="020B0609020204030204" pitchFamily="49" charset="0"/>
+              </a:rPr>
+              <a:t>));</a:t>
+            </a:r>
+          </a:p>
+          <a:p>
+            <a:pPr>
+              <a:spcBef>
+                <a:spcPts val="0"/>
+              </a:spcBef>
+            </a:pPr>
+            <a:r>
+              <a:rPr lang="en-GB" b="0" dirty="0">
+                <a:solidFill>
+                  <a:srgbClr val="D4D4D4"/>
+                </a:solidFill>
+                <a:effectLst/>
+                <a:latin typeface="Consolas" panose="020B0609020204030204" pitchFamily="49" charset="0"/>
+              </a:rPr>
+              <a:t>        </a:t>
+            </a:r>
+            <a:r>
+              <a:rPr lang="en-GB" b="0" dirty="0" err="1">
+                <a:solidFill>
+                  <a:srgbClr val="9CDCFE"/>
+                </a:solidFill>
+                <a:effectLst/>
+                <a:latin typeface="Consolas" panose="020B0609020204030204" pitchFamily="49" charset="0"/>
+              </a:rPr>
+              <a:t>buttons</a:t>
+            </a:r>
+            <a:r>
+              <a:rPr lang="en-GB" b="0" dirty="0" err="1">
+                <a:solidFill>
+                  <a:srgbClr val="D4D4D4"/>
+                </a:solidFill>
+                <a:effectLst/>
+                <a:latin typeface="Consolas" panose="020B0609020204030204" pitchFamily="49" charset="0"/>
+              </a:rPr>
+              <a:t>.</a:t>
+            </a:r>
+            <a:r>
+              <a:rPr lang="en-GB" b="0" dirty="0" err="1">
+                <a:solidFill>
+                  <a:srgbClr val="DCDCAA"/>
+                </a:solidFill>
+                <a:effectLst/>
+                <a:latin typeface="Consolas" panose="020B0609020204030204" pitchFamily="49" charset="0"/>
+              </a:rPr>
+              <a:t>add</a:t>
+            </a:r>
+            <a:r>
+              <a:rPr lang="en-GB" b="0" dirty="0">
+                <a:solidFill>
+                  <a:srgbClr val="D4D4D4"/>
+                </a:solidFill>
+                <a:effectLst/>
+                <a:latin typeface="Consolas" panose="020B0609020204030204" pitchFamily="49" charset="0"/>
+              </a:rPr>
+              <a:t>(</a:t>
+            </a:r>
+            <a:r>
+              <a:rPr lang="en-GB" b="0" dirty="0">
+                <a:solidFill>
+                  <a:srgbClr val="C586C0"/>
+                </a:solidFill>
+                <a:effectLst/>
+                <a:latin typeface="Consolas" panose="020B0609020204030204" pitchFamily="49" charset="0"/>
+              </a:rPr>
+              <a:t>new</a:t>
+            </a:r>
+            <a:r>
+              <a:rPr lang="en-GB" b="0" dirty="0">
+                <a:solidFill>
+                  <a:srgbClr val="D4D4D4"/>
+                </a:solidFill>
+                <a:effectLst/>
+                <a:latin typeface="Consolas" panose="020B0609020204030204" pitchFamily="49" charset="0"/>
+              </a:rPr>
+              <a:t> </a:t>
+            </a:r>
+            <a:r>
+              <a:rPr lang="en-GB" b="0" dirty="0" err="1">
+                <a:solidFill>
+                  <a:srgbClr val="DCDCAA"/>
+                </a:solidFill>
+                <a:effectLst/>
+                <a:latin typeface="Consolas" panose="020B0609020204030204" pitchFamily="49" charset="0"/>
+              </a:rPr>
+              <a:t>JButton</a:t>
+            </a:r>
+            <a:r>
+              <a:rPr lang="en-GB" b="0" dirty="0">
+                <a:solidFill>
+                  <a:srgbClr val="D4D4D4"/>
+                </a:solidFill>
+                <a:effectLst/>
+                <a:latin typeface="Consolas" panose="020B0609020204030204" pitchFamily="49" charset="0"/>
+              </a:rPr>
+              <a:t>(</a:t>
+            </a:r>
+            <a:r>
+              <a:rPr lang="en-GB" b="0" dirty="0">
+                <a:solidFill>
+                  <a:srgbClr val="CE9178"/>
+                </a:solidFill>
+                <a:effectLst/>
+                <a:latin typeface="Consolas" panose="020B0609020204030204" pitchFamily="49" charset="0"/>
+              </a:rPr>
+              <a:t>"9"</a:t>
+            </a:r>
+            <a:r>
+              <a:rPr lang="en-GB" b="0" dirty="0">
+                <a:solidFill>
+                  <a:srgbClr val="D4D4D4"/>
+                </a:solidFill>
+                <a:effectLst/>
+                <a:latin typeface="Consolas" panose="020B0609020204030204" pitchFamily="49" charset="0"/>
+              </a:rPr>
+              <a:t>));</a:t>
+            </a:r>
+          </a:p>
+          <a:p>
+            <a:pPr>
+              <a:spcBef>
+                <a:spcPts val="0"/>
+              </a:spcBef>
+            </a:pPr>
+            <a:r>
+              <a:rPr lang="en-GB" b="0" dirty="0">
+                <a:solidFill>
+                  <a:srgbClr val="D4D4D4"/>
+                </a:solidFill>
+                <a:effectLst/>
+                <a:latin typeface="Consolas" panose="020B0609020204030204" pitchFamily="49" charset="0"/>
+              </a:rPr>
+              <a:t>        </a:t>
+            </a:r>
+            <a:r>
+              <a:rPr lang="en-GB" b="0" dirty="0" err="1">
+                <a:solidFill>
+                  <a:srgbClr val="9CDCFE"/>
+                </a:solidFill>
+                <a:effectLst/>
+                <a:latin typeface="Consolas" panose="020B0609020204030204" pitchFamily="49" charset="0"/>
+              </a:rPr>
+              <a:t>buttons</a:t>
+            </a:r>
+            <a:r>
+              <a:rPr lang="en-GB" b="0" dirty="0" err="1">
+                <a:solidFill>
+                  <a:srgbClr val="D4D4D4"/>
+                </a:solidFill>
+                <a:effectLst/>
+                <a:latin typeface="Consolas" panose="020B0609020204030204" pitchFamily="49" charset="0"/>
+              </a:rPr>
+              <a:t>.</a:t>
+            </a:r>
+            <a:r>
+              <a:rPr lang="en-GB" b="0" dirty="0" err="1">
+                <a:solidFill>
+                  <a:srgbClr val="DCDCAA"/>
+                </a:solidFill>
+                <a:effectLst/>
+                <a:latin typeface="Consolas" panose="020B0609020204030204" pitchFamily="49" charset="0"/>
+              </a:rPr>
+              <a:t>add</a:t>
+            </a:r>
+            <a:r>
+              <a:rPr lang="en-GB" b="0" dirty="0">
+                <a:solidFill>
+                  <a:srgbClr val="D4D4D4"/>
+                </a:solidFill>
+                <a:effectLst/>
+                <a:latin typeface="Consolas" panose="020B0609020204030204" pitchFamily="49" charset="0"/>
+              </a:rPr>
+              <a:t>(</a:t>
+            </a:r>
+            <a:r>
+              <a:rPr lang="en-GB" b="0" dirty="0">
+                <a:solidFill>
+                  <a:srgbClr val="C586C0"/>
+                </a:solidFill>
+                <a:effectLst/>
+                <a:latin typeface="Consolas" panose="020B0609020204030204" pitchFamily="49" charset="0"/>
+              </a:rPr>
+              <a:t>new</a:t>
+            </a:r>
+            <a:r>
+              <a:rPr lang="en-GB" b="0" dirty="0">
+                <a:solidFill>
+                  <a:srgbClr val="D4D4D4"/>
+                </a:solidFill>
+                <a:effectLst/>
+                <a:latin typeface="Consolas" panose="020B0609020204030204" pitchFamily="49" charset="0"/>
+              </a:rPr>
+              <a:t> </a:t>
+            </a:r>
+            <a:r>
+              <a:rPr lang="en-GB" b="0" dirty="0" err="1">
+                <a:solidFill>
+                  <a:srgbClr val="DCDCAA"/>
+                </a:solidFill>
+                <a:effectLst/>
+                <a:latin typeface="Consolas" panose="020B0609020204030204" pitchFamily="49" charset="0"/>
+              </a:rPr>
+              <a:t>JButton</a:t>
+            </a:r>
+            <a:r>
+              <a:rPr lang="en-GB" b="0" dirty="0">
+                <a:solidFill>
+                  <a:srgbClr val="D4D4D4"/>
+                </a:solidFill>
+                <a:effectLst/>
+                <a:latin typeface="Consolas" panose="020B0609020204030204" pitchFamily="49" charset="0"/>
+              </a:rPr>
+              <a:t>(</a:t>
+            </a:r>
+            <a:r>
+              <a:rPr lang="en-GB" b="0" dirty="0">
+                <a:solidFill>
+                  <a:srgbClr val="CE9178"/>
+                </a:solidFill>
+                <a:effectLst/>
+                <a:latin typeface="Consolas" panose="020B0609020204030204" pitchFamily="49" charset="0"/>
+              </a:rPr>
+              <a:t>"x"</a:t>
+            </a:r>
+            <a:r>
+              <a:rPr lang="en-GB" b="0" dirty="0">
+                <a:solidFill>
+                  <a:srgbClr val="D4D4D4"/>
+                </a:solidFill>
+                <a:effectLst/>
+                <a:latin typeface="Consolas" panose="020B0609020204030204" pitchFamily="49" charset="0"/>
+              </a:rPr>
+              <a:t>));</a:t>
+            </a:r>
+          </a:p>
+          <a:p>
+            <a:pPr>
+              <a:spcBef>
+                <a:spcPts val="0"/>
+              </a:spcBef>
+            </a:pPr>
+            <a:r>
+              <a:rPr lang="en-GB" b="0" dirty="0">
+                <a:solidFill>
+                  <a:srgbClr val="D4D4D4"/>
+                </a:solidFill>
+                <a:effectLst/>
+                <a:latin typeface="Consolas" panose="020B0609020204030204" pitchFamily="49" charset="0"/>
+              </a:rPr>
+              <a:t>        </a:t>
+            </a:r>
+            <a:r>
+              <a:rPr lang="en-GB" b="0" dirty="0" err="1">
+                <a:solidFill>
+                  <a:srgbClr val="9CDCFE"/>
+                </a:solidFill>
+                <a:effectLst/>
+                <a:latin typeface="Consolas" panose="020B0609020204030204" pitchFamily="49" charset="0"/>
+              </a:rPr>
+              <a:t>buttons</a:t>
+            </a:r>
+            <a:r>
+              <a:rPr lang="en-GB" b="0" dirty="0" err="1">
+                <a:solidFill>
+                  <a:srgbClr val="D4D4D4"/>
+                </a:solidFill>
+                <a:effectLst/>
+                <a:latin typeface="Consolas" panose="020B0609020204030204" pitchFamily="49" charset="0"/>
+              </a:rPr>
+              <a:t>.</a:t>
+            </a:r>
+            <a:r>
+              <a:rPr lang="en-GB" b="0" dirty="0" err="1">
+                <a:solidFill>
+                  <a:srgbClr val="DCDCAA"/>
+                </a:solidFill>
+                <a:effectLst/>
+                <a:latin typeface="Consolas" panose="020B0609020204030204" pitchFamily="49" charset="0"/>
+              </a:rPr>
+              <a:t>add</a:t>
+            </a:r>
+            <a:r>
+              <a:rPr lang="en-GB" b="0" dirty="0">
+                <a:solidFill>
+                  <a:srgbClr val="D4D4D4"/>
+                </a:solidFill>
+                <a:effectLst/>
+                <a:latin typeface="Consolas" panose="020B0609020204030204" pitchFamily="49" charset="0"/>
+              </a:rPr>
+              <a:t>(</a:t>
+            </a:r>
+            <a:r>
+              <a:rPr lang="en-GB" b="0" dirty="0">
+                <a:solidFill>
+                  <a:srgbClr val="C586C0"/>
+                </a:solidFill>
+                <a:effectLst/>
+                <a:latin typeface="Consolas" panose="020B0609020204030204" pitchFamily="49" charset="0"/>
+              </a:rPr>
+              <a:t>new</a:t>
+            </a:r>
+            <a:r>
+              <a:rPr lang="en-GB" b="0" dirty="0">
+                <a:solidFill>
+                  <a:srgbClr val="D4D4D4"/>
+                </a:solidFill>
+                <a:effectLst/>
+                <a:latin typeface="Consolas" panose="020B0609020204030204" pitchFamily="49" charset="0"/>
+              </a:rPr>
+              <a:t> </a:t>
+            </a:r>
+            <a:r>
+              <a:rPr lang="en-GB" b="0" dirty="0" err="1">
+                <a:solidFill>
+                  <a:srgbClr val="DCDCAA"/>
+                </a:solidFill>
+                <a:effectLst/>
+                <a:latin typeface="Consolas" panose="020B0609020204030204" pitchFamily="49" charset="0"/>
+              </a:rPr>
+              <a:t>JButton</a:t>
+            </a:r>
+            <a:r>
+              <a:rPr lang="en-GB" b="0" dirty="0">
+                <a:solidFill>
+                  <a:srgbClr val="D4D4D4"/>
+                </a:solidFill>
+                <a:effectLst/>
+                <a:latin typeface="Consolas" panose="020B0609020204030204" pitchFamily="49" charset="0"/>
+              </a:rPr>
+              <a:t>(</a:t>
+            </a:r>
+            <a:r>
+              <a:rPr lang="en-GB" b="0" dirty="0">
+                <a:solidFill>
+                  <a:srgbClr val="CE9178"/>
+                </a:solidFill>
+                <a:effectLst/>
+                <a:latin typeface="Consolas" panose="020B0609020204030204" pitchFamily="49" charset="0"/>
+              </a:rPr>
+              <a:t>"4"</a:t>
+            </a:r>
+            <a:r>
+              <a:rPr lang="en-GB" b="0" dirty="0">
+                <a:solidFill>
+                  <a:srgbClr val="D4D4D4"/>
+                </a:solidFill>
+                <a:effectLst/>
+                <a:latin typeface="Consolas" panose="020B0609020204030204" pitchFamily="49" charset="0"/>
+              </a:rPr>
+              <a:t>));</a:t>
+            </a:r>
+          </a:p>
+          <a:p>
+            <a:pPr>
+              <a:spcBef>
+                <a:spcPts val="0"/>
+              </a:spcBef>
+            </a:pPr>
+            <a:r>
+              <a:rPr lang="en-GB" b="0" dirty="0">
+                <a:solidFill>
+                  <a:srgbClr val="D4D4D4"/>
+                </a:solidFill>
+                <a:effectLst/>
+                <a:latin typeface="Consolas" panose="020B0609020204030204" pitchFamily="49" charset="0"/>
+              </a:rPr>
+              <a:t>        </a:t>
+            </a:r>
+            <a:r>
+              <a:rPr lang="en-GB" b="0" dirty="0" err="1">
+                <a:solidFill>
+                  <a:srgbClr val="9CDCFE"/>
+                </a:solidFill>
+                <a:effectLst/>
+                <a:latin typeface="Consolas" panose="020B0609020204030204" pitchFamily="49" charset="0"/>
+              </a:rPr>
+              <a:t>buttons</a:t>
+            </a:r>
+            <a:r>
+              <a:rPr lang="en-GB" b="0" dirty="0" err="1">
+                <a:solidFill>
+                  <a:srgbClr val="D4D4D4"/>
+                </a:solidFill>
+                <a:effectLst/>
+                <a:latin typeface="Consolas" panose="020B0609020204030204" pitchFamily="49" charset="0"/>
+              </a:rPr>
+              <a:t>.</a:t>
+            </a:r>
+            <a:r>
+              <a:rPr lang="en-GB" b="0" dirty="0" err="1">
+                <a:solidFill>
+                  <a:srgbClr val="DCDCAA"/>
+                </a:solidFill>
+                <a:effectLst/>
+                <a:latin typeface="Consolas" panose="020B0609020204030204" pitchFamily="49" charset="0"/>
+              </a:rPr>
+              <a:t>add</a:t>
+            </a:r>
+            <a:r>
+              <a:rPr lang="en-GB" b="0" dirty="0">
+                <a:solidFill>
+                  <a:srgbClr val="D4D4D4"/>
+                </a:solidFill>
+                <a:effectLst/>
+                <a:latin typeface="Consolas" panose="020B0609020204030204" pitchFamily="49" charset="0"/>
+              </a:rPr>
+              <a:t>(</a:t>
+            </a:r>
+            <a:r>
+              <a:rPr lang="en-GB" b="0" dirty="0">
+                <a:solidFill>
+                  <a:srgbClr val="C586C0"/>
+                </a:solidFill>
+                <a:effectLst/>
+                <a:latin typeface="Consolas" panose="020B0609020204030204" pitchFamily="49" charset="0"/>
+              </a:rPr>
+              <a:t>new</a:t>
+            </a:r>
+            <a:r>
+              <a:rPr lang="en-GB" b="0" dirty="0">
+                <a:solidFill>
+                  <a:srgbClr val="D4D4D4"/>
+                </a:solidFill>
+                <a:effectLst/>
+                <a:latin typeface="Consolas" panose="020B0609020204030204" pitchFamily="49" charset="0"/>
+              </a:rPr>
+              <a:t> </a:t>
+            </a:r>
+            <a:r>
+              <a:rPr lang="en-GB" b="0" dirty="0" err="1">
+                <a:solidFill>
+                  <a:srgbClr val="DCDCAA"/>
+                </a:solidFill>
+                <a:effectLst/>
+                <a:latin typeface="Consolas" panose="020B0609020204030204" pitchFamily="49" charset="0"/>
+              </a:rPr>
+              <a:t>JButton</a:t>
+            </a:r>
+            <a:r>
+              <a:rPr lang="en-GB" b="0" dirty="0">
+                <a:solidFill>
+                  <a:srgbClr val="D4D4D4"/>
+                </a:solidFill>
+                <a:effectLst/>
+                <a:latin typeface="Consolas" panose="020B0609020204030204" pitchFamily="49" charset="0"/>
+              </a:rPr>
+              <a:t>(</a:t>
+            </a:r>
+            <a:r>
+              <a:rPr lang="en-GB" b="0" dirty="0">
+                <a:solidFill>
+                  <a:srgbClr val="CE9178"/>
+                </a:solidFill>
+                <a:effectLst/>
+                <a:latin typeface="Consolas" panose="020B0609020204030204" pitchFamily="49" charset="0"/>
+              </a:rPr>
+              <a:t>"5"</a:t>
+            </a:r>
+            <a:r>
+              <a:rPr lang="en-GB" b="0" dirty="0">
+                <a:solidFill>
+                  <a:srgbClr val="D4D4D4"/>
+                </a:solidFill>
+                <a:effectLst/>
+                <a:latin typeface="Consolas" panose="020B0609020204030204" pitchFamily="49" charset="0"/>
+              </a:rPr>
+              <a:t>));</a:t>
+            </a:r>
+          </a:p>
+          <a:p>
+            <a:pPr>
+              <a:spcBef>
+                <a:spcPts val="0"/>
+              </a:spcBef>
+            </a:pPr>
+            <a:r>
+              <a:rPr lang="en-GB" b="0" dirty="0">
+                <a:solidFill>
+                  <a:srgbClr val="D4D4D4"/>
+                </a:solidFill>
+                <a:effectLst/>
+                <a:latin typeface="Consolas" panose="020B0609020204030204" pitchFamily="49" charset="0"/>
+              </a:rPr>
+              <a:t>        </a:t>
+            </a:r>
+            <a:r>
+              <a:rPr lang="en-GB" b="0" dirty="0" err="1">
+                <a:solidFill>
+                  <a:srgbClr val="9CDCFE"/>
+                </a:solidFill>
+                <a:effectLst/>
+                <a:latin typeface="Consolas" panose="020B0609020204030204" pitchFamily="49" charset="0"/>
+              </a:rPr>
+              <a:t>buttons</a:t>
+            </a:r>
+            <a:r>
+              <a:rPr lang="en-GB" b="0" dirty="0" err="1">
+                <a:solidFill>
+                  <a:srgbClr val="D4D4D4"/>
+                </a:solidFill>
+                <a:effectLst/>
+                <a:latin typeface="Consolas" panose="020B0609020204030204" pitchFamily="49" charset="0"/>
+              </a:rPr>
+              <a:t>.</a:t>
+            </a:r>
+            <a:r>
+              <a:rPr lang="en-GB" b="0" dirty="0" err="1">
+                <a:solidFill>
+                  <a:srgbClr val="DCDCAA"/>
+                </a:solidFill>
+                <a:effectLst/>
+                <a:latin typeface="Consolas" panose="020B0609020204030204" pitchFamily="49" charset="0"/>
+              </a:rPr>
+              <a:t>add</a:t>
+            </a:r>
+            <a:r>
+              <a:rPr lang="en-GB" b="0" dirty="0">
+                <a:solidFill>
+                  <a:srgbClr val="D4D4D4"/>
+                </a:solidFill>
+                <a:effectLst/>
+                <a:latin typeface="Consolas" panose="020B0609020204030204" pitchFamily="49" charset="0"/>
+              </a:rPr>
+              <a:t>(</a:t>
+            </a:r>
+            <a:r>
+              <a:rPr lang="en-GB" b="0" dirty="0">
+                <a:solidFill>
+                  <a:srgbClr val="C586C0"/>
+                </a:solidFill>
+                <a:effectLst/>
+                <a:latin typeface="Consolas" panose="020B0609020204030204" pitchFamily="49" charset="0"/>
+              </a:rPr>
+              <a:t>new</a:t>
+            </a:r>
+            <a:r>
+              <a:rPr lang="en-GB" b="0" dirty="0">
+                <a:solidFill>
+                  <a:srgbClr val="D4D4D4"/>
+                </a:solidFill>
+                <a:effectLst/>
+                <a:latin typeface="Consolas" panose="020B0609020204030204" pitchFamily="49" charset="0"/>
+              </a:rPr>
+              <a:t> </a:t>
+            </a:r>
+            <a:r>
+              <a:rPr lang="en-GB" b="0" dirty="0" err="1">
+                <a:solidFill>
+                  <a:srgbClr val="DCDCAA"/>
+                </a:solidFill>
+                <a:effectLst/>
+                <a:latin typeface="Consolas" panose="020B0609020204030204" pitchFamily="49" charset="0"/>
+              </a:rPr>
+              <a:t>JButton</a:t>
+            </a:r>
+            <a:r>
+              <a:rPr lang="en-GB" b="0" dirty="0">
+                <a:solidFill>
+                  <a:srgbClr val="D4D4D4"/>
+                </a:solidFill>
+                <a:effectLst/>
+                <a:latin typeface="Consolas" panose="020B0609020204030204" pitchFamily="49" charset="0"/>
+              </a:rPr>
+              <a:t>(</a:t>
+            </a:r>
+            <a:r>
+              <a:rPr lang="en-GB" b="0" dirty="0">
+                <a:solidFill>
+                  <a:srgbClr val="CE9178"/>
+                </a:solidFill>
+                <a:effectLst/>
+                <a:latin typeface="Consolas" panose="020B0609020204030204" pitchFamily="49" charset="0"/>
+              </a:rPr>
+              <a:t>"6"</a:t>
+            </a:r>
+            <a:r>
+              <a:rPr lang="en-GB" b="0" dirty="0">
+                <a:solidFill>
+                  <a:srgbClr val="D4D4D4"/>
+                </a:solidFill>
+                <a:effectLst/>
+                <a:latin typeface="Consolas" panose="020B0609020204030204" pitchFamily="49" charset="0"/>
+              </a:rPr>
+              <a:t>));</a:t>
+            </a:r>
+          </a:p>
+          <a:p>
+            <a:pPr>
+              <a:spcBef>
+                <a:spcPts val="0"/>
+              </a:spcBef>
+            </a:pPr>
+            <a:r>
+              <a:rPr lang="en-GB" b="0" dirty="0">
+                <a:solidFill>
+                  <a:srgbClr val="D4D4D4"/>
+                </a:solidFill>
+                <a:effectLst/>
+                <a:latin typeface="Consolas" panose="020B0609020204030204" pitchFamily="49" charset="0"/>
+              </a:rPr>
+              <a:t>        </a:t>
+            </a:r>
+            <a:r>
+              <a:rPr lang="en-GB" b="0" dirty="0" err="1">
+                <a:solidFill>
+                  <a:srgbClr val="9CDCFE"/>
+                </a:solidFill>
+                <a:effectLst/>
+                <a:latin typeface="Consolas" panose="020B0609020204030204" pitchFamily="49" charset="0"/>
+              </a:rPr>
+              <a:t>buttons</a:t>
+            </a:r>
+            <a:r>
+              <a:rPr lang="en-GB" b="0" dirty="0" err="1">
+                <a:solidFill>
+                  <a:srgbClr val="D4D4D4"/>
+                </a:solidFill>
+                <a:effectLst/>
+                <a:latin typeface="Consolas" panose="020B0609020204030204" pitchFamily="49" charset="0"/>
+              </a:rPr>
+              <a:t>.</a:t>
+            </a:r>
+            <a:r>
+              <a:rPr lang="en-GB" b="0" dirty="0" err="1">
+                <a:solidFill>
+                  <a:srgbClr val="DCDCAA"/>
+                </a:solidFill>
+                <a:effectLst/>
+                <a:latin typeface="Consolas" panose="020B0609020204030204" pitchFamily="49" charset="0"/>
+              </a:rPr>
+              <a:t>add</a:t>
+            </a:r>
+            <a:r>
+              <a:rPr lang="en-GB" b="0" dirty="0">
+                <a:solidFill>
+                  <a:srgbClr val="D4D4D4"/>
+                </a:solidFill>
+                <a:effectLst/>
+                <a:latin typeface="Consolas" panose="020B0609020204030204" pitchFamily="49" charset="0"/>
+              </a:rPr>
+              <a:t>(</a:t>
+            </a:r>
+            <a:r>
+              <a:rPr lang="en-GB" b="0" dirty="0">
+                <a:solidFill>
+                  <a:srgbClr val="C586C0"/>
+                </a:solidFill>
+                <a:effectLst/>
+                <a:latin typeface="Consolas" panose="020B0609020204030204" pitchFamily="49" charset="0"/>
+              </a:rPr>
+              <a:t>new</a:t>
+            </a:r>
+            <a:r>
+              <a:rPr lang="en-GB" b="0" dirty="0">
+                <a:solidFill>
+                  <a:srgbClr val="D4D4D4"/>
+                </a:solidFill>
+                <a:effectLst/>
+                <a:latin typeface="Consolas" panose="020B0609020204030204" pitchFamily="49" charset="0"/>
+              </a:rPr>
+              <a:t> </a:t>
+            </a:r>
+            <a:r>
+              <a:rPr lang="en-GB" b="0" dirty="0" err="1">
+                <a:solidFill>
+                  <a:srgbClr val="DCDCAA"/>
+                </a:solidFill>
+                <a:effectLst/>
+                <a:latin typeface="Consolas" panose="020B0609020204030204" pitchFamily="49" charset="0"/>
+              </a:rPr>
+              <a:t>JButton</a:t>
+            </a:r>
+            <a:r>
+              <a:rPr lang="en-GB" b="0" dirty="0">
+                <a:solidFill>
+                  <a:srgbClr val="D4D4D4"/>
+                </a:solidFill>
+                <a:effectLst/>
+                <a:latin typeface="Consolas" panose="020B0609020204030204" pitchFamily="49" charset="0"/>
+              </a:rPr>
+              <a:t>(</a:t>
+            </a:r>
+            <a:r>
+              <a:rPr lang="en-GB" b="0" dirty="0">
+                <a:solidFill>
+                  <a:srgbClr val="CE9178"/>
+                </a:solidFill>
+                <a:effectLst/>
+                <a:latin typeface="Consolas" panose="020B0609020204030204" pitchFamily="49" charset="0"/>
+              </a:rPr>
+              <a:t>"/"</a:t>
+            </a:r>
+            <a:r>
+              <a:rPr lang="en-GB" b="0" dirty="0">
+                <a:solidFill>
+                  <a:srgbClr val="D4D4D4"/>
+                </a:solidFill>
+                <a:effectLst/>
+                <a:latin typeface="Consolas" panose="020B0609020204030204" pitchFamily="49" charset="0"/>
+              </a:rPr>
+              <a:t>));</a:t>
+            </a:r>
+          </a:p>
+          <a:p>
+            <a:pPr>
+              <a:spcBef>
+                <a:spcPts val="0"/>
+              </a:spcBef>
+            </a:pPr>
+            <a:r>
+              <a:rPr lang="en-GB" b="0" dirty="0">
+                <a:solidFill>
+                  <a:srgbClr val="D4D4D4"/>
+                </a:solidFill>
+                <a:effectLst/>
+                <a:latin typeface="Consolas" panose="020B0609020204030204" pitchFamily="49" charset="0"/>
+              </a:rPr>
+              <a:t>        </a:t>
+            </a:r>
+            <a:r>
+              <a:rPr lang="en-GB" b="0" dirty="0" err="1">
+                <a:solidFill>
+                  <a:srgbClr val="9CDCFE"/>
+                </a:solidFill>
+                <a:effectLst/>
+                <a:latin typeface="Consolas" panose="020B0609020204030204" pitchFamily="49" charset="0"/>
+              </a:rPr>
+              <a:t>buttons</a:t>
+            </a:r>
+            <a:r>
+              <a:rPr lang="en-GB" b="0" dirty="0" err="1">
+                <a:solidFill>
+                  <a:srgbClr val="D4D4D4"/>
+                </a:solidFill>
+                <a:effectLst/>
+                <a:latin typeface="Consolas" panose="020B0609020204030204" pitchFamily="49" charset="0"/>
+              </a:rPr>
+              <a:t>.</a:t>
+            </a:r>
+            <a:r>
+              <a:rPr lang="en-GB" b="0" dirty="0" err="1">
+                <a:solidFill>
+                  <a:srgbClr val="DCDCAA"/>
+                </a:solidFill>
+                <a:effectLst/>
+                <a:latin typeface="Consolas" panose="020B0609020204030204" pitchFamily="49" charset="0"/>
+              </a:rPr>
+              <a:t>add</a:t>
+            </a:r>
+            <a:r>
+              <a:rPr lang="en-GB" b="0" dirty="0">
+                <a:solidFill>
+                  <a:srgbClr val="D4D4D4"/>
+                </a:solidFill>
+                <a:effectLst/>
+                <a:latin typeface="Consolas" panose="020B0609020204030204" pitchFamily="49" charset="0"/>
+              </a:rPr>
+              <a:t>(</a:t>
+            </a:r>
+            <a:r>
+              <a:rPr lang="en-GB" b="0" dirty="0">
+                <a:solidFill>
+                  <a:srgbClr val="C586C0"/>
+                </a:solidFill>
+                <a:effectLst/>
+                <a:latin typeface="Consolas" panose="020B0609020204030204" pitchFamily="49" charset="0"/>
+              </a:rPr>
+              <a:t>new</a:t>
+            </a:r>
+            <a:r>
+              <a:rPr lang="en-GB" b="0" dirty="0">
+                <a:solidFill>
+                  <a:srgbClr val="D4D4D4"/>
+                </a:solidFill>
+                <a:effectLst/>
+                <a:latin typeface="Consolas" panose="020B0609020204030204" pitchFamily="49" charset="0"/>
+              </a:rPr>
+              <a:t> </a:t>
+            </a:r>
+            <a:r>
+              <a:rPr lang="en-GB" b="0" dirty="0" err="1">
+                <a:solidFill>
+                  <a:srgbClr val="DCDCAA"/>
+                </a:solidFill>
+                <a:effectLst/>
+                <a:latin typeface="Consolas" panose="020B0609020204030204" pitchFamily="49" charset="0"/>
+              </a:rPr>
+              <a:t>JButton</a:t>
+            </a:r>
+            <a:r>
+              <a:rPr lang="en-GB" b="0" dirty="0">
+                <a:solidFill>
+                  <a:srgbClr val="D4D4D4"/>
+                </a:solidFill>
+                <a:effectLst/>
+                <a:latin typeface="Consolas" panose="020B0609020204030204" pitchFamily="49" charset="0"/>
+              </a:rPr>
+              <a:t>(</a:t>
+            </a:r>
+            <a:r>
+              <a:rPr lang="en-GB" b="0" dirty="0">
+                <a:solidFill>
+                  <a:srgbClr val="CE9178"/>
+                </a:solidFill>
+                <a:effectLst/>
+                <a:latin typeface="Consolas" panose="020B0609020204030204" pitchFamily="49" charset="0"/>
+              </a:rPr>
+              <a:t>"1"</a:t>
+            </a:r>
+            <a:r>
+              <a:rPr lang="en-GB" b="0" dirty="0">
+                <a:solidFill>
+                  <a:srgbClr val="D4D4D4"/>
+                </a:solidFill>
+                <a:effectLst/>
+                <a:latin typeface="Consolas" panose="020B0609020204030204" pitchFamily="49" charset="0"/>
+              </a:rPr>
+              <a:t>));</a:t>
+            </a:r>
+          </a:p>
+          <a:p>
+            <a:pPr>
+              <a:spcBef>
+                <a:spcPts val="0"/>
+              </a:spcBef>
+            </a:pPr>
+            <a:r>
+              <a:rPr lang="en-GB" b="0" dirty="0">
+                <a:solidFill>
+                  <a:srgbClr val="D4D4D4"/>
+                </a:solidFill>
+                <a:effectLst/>
+                <a:latin typeface="Consolas" panose="020B0609020204030204" pitchFamily="49" charset="0"/>
+              </a:rPr>
+              <a:t>        </a:t>
+            </a:r>
+            <a:r>
+              <a:rPr lang="en-GB" b="0" dirty="0" err="1">
+                <a:solidFill>
+                  <a:srgbClr val="9CDCFE"/>
+                </a:solidFill>
+                <a:effectLst/>
+                <a:latin typeface="Consolas" panose="020B0609020204030204" pitchFamily="49" charset="0"/>
+              </a:rPr>
+              <a:t>buttons</a:t>
+            </a:r>
+            <a:r>
+              <a:rPr lang="en-GB" b="0" dirty="0" err="1">
+                <a:solidFill>
+                  <a:srgbClr val="D4D4D4"/>
+                </a:solidFill>
+                <a:effectLst/>
+                <a:latin typeface="Consolas" panose="020B0609020204030204" pitchFamily="49" charset="0"/>
+              </a:rPr>
+              <a:t>.</a:t>
+            </a:r>
+            <a:r>
+              <a:rPr lang="en-GB" b="0" dirty="0" err="1">
+                <a:solidFill>
+                  <a:srgbClr val="DCDCAA"/>
+                </a:solidFill>
+                <a:effectLst/>
+                <a:latin typeface="Consolas" panose="020B0609020204030204" pitchFamily="49" charset="0"/>
+              </a:rPr>
+              <a:t>add</a:t>
+            </a:r>
+            <a:r>
+              <a:rPr lang="en-GB" b="0" dirty="0">
+                <a:solidFill>
+                  <a:srgbClr val="D4D4D4"/>
+                </a:solidFill>
+                <a:effectLst/>
+                <a:latin typeface="Consolas" panose="020B0609020204030204" pitchFamily="49" charset="0"/>
+              </a:rPr>
+              <a:t>(</a:t>
+            </a:r>
+            <a:r>
+              <a:rPr lang="en-GB" b="0" dirty="0">
+                <a:solidFill>
+                  <a:srgbClr val="C586C0"/>
+                </a:solidFill>
+                <a:effectLst/>
+                <a:latin typeface="Consolas" panose="020B0609020204030204" pitchFamily="49" charset="0"/>
+              </a:rPr>
+              <a:t>new</a:t>
+            </a:r>
+            <a:r>
+              <a:rPr lang="en-GB" b="0" dirty="0">
+                <a:solidFill>
+                  <a:srgbClr val="D4D4D4"/>
+                </a:solidFill>
+                <a:effectLst/>
+                <a:latin typeface="Consolas" panose="020B0609020204030204" pitchFamily="49" charset="0"/>
+              </a:rPr>
+              <a:t> </a:t>
+            </a:r>
+            <a:r>
+              <a:rPr lang="en-GB" b="0" dirty="0" err="1">
+                <a:solidFill>
+                  <a:srgbClr val="DCDCAA"/>
+                </a:solidFill>
+                <a:effectLst/>
+                <a:latin typeface="Consolas" panose="020B0609020204030204" pitchFamily="49" charset="0"/>
+              </a:rPr>
+              <a:t>JButton</a:t>
+            </a:r>
+            <a:r>
+              <a:rPr lang="en-GB" b="0" dirty="0">
+                <a:solidFill>
+                  <a:srgbClr val="D4D4D4"/>
+                </a:solidFill>
+                <a:effectLst/>
+                <a:latin typeface="Consolas" panose="020B0609020204030204" pitchFamily="49" charset="0"/>
+              </a:rPr>
+              <a:t>(</a:t>
+            </a:r>
+            <a:r>
+              <a:rPr lang="en-GB" b="0" dirty="0">
+                <a:solidFill>
+                  <a:srgbClr val="CE9178"/>
+                </a:solidFill>
+                <a:effectLst/>
+                <a:latin typeface="Consolas" panose="020B0609020204030204" pitchFamily="49" charset="0"/>
+              </a:rPr>
+              <a:t>"2"</a:t>
+            </a:r>
+            <a:r>
+              <a:rPr lang="en-GB" b="0" dirty="0">
+                <a:solidFill>
+                  <a:srgbClr val="D4D4D4"/>
+                </a:solidFill>
+                <a:effectLst/>
+                <a:latin typeface="Consolas" panose="020B0609020204030204" pitchFamily="49" charset="0"/>
+              </a:rPr>
+              <a:t>));</a:t>
+            </a:r>
+          </a:p>
+          <a:p>
+            <a:pPr>
+              <a:spcBef>
+                <a:spcPts val="0"/>
+              </a:spcBef>
+            </a:pPr>
+            <a:r>
+              <a:rPr lang="en-GB" b="0" dirty="0">
+                <a:solidFill>
+                  <a:srgbClr val="D4D4D4"/>
+                </a:solidFill>
+                <a:effectLst/>
+                <a:latin typeface="Consolas" panose="020B0609020204030204" pitchFamily="49" charset="0"/>
+              </a:rPr>
+              <a:t>        </a:t>
+            </a:r>
+            <a:r>
+              <a:rPr lang="en-GB" b="0" dirty="0" err="1">
+                <a:solidFill>
+                  <a:srgbClr val="9CDCFE"/>
+                </a:solidFill>
+                <a:effectLst/>
+                <a:latin typeface="Consolas" panose="020B0609020204030204" pitchFamily="49" charset="0"/>
+              </a:rPr>
+              <a:t>buttons</a:t>
+            </a:r>
+            <a:r>
+              <a:rPr lang="en-GB" b="0" dirty="0" err="1">
+                <a:solidFill>
+                  <a:srgbClr val="D4D4D4"/>
+                </a:solidFill>
+                <a:effectLst/>
+                <a:latin typeface="Consolas" panose="020B0609020204030204" pitchFamily="49" charset="0"/>
+              </a:rPr>
+              <a:t>.</a:t>
+            </a:r>
+            <a:r>
+              <a:rPr lang="en-GB" b="0" dirty="0" err="1">
+                <a:solidFill>
+                  <a:srgbClr val="DCDCAA"/>
+                </a:solidFill>
+                <a:effectLst/>
+                <a:latin typeface="Consolas" panose="020B0609020204030204" pitchFamily="49" charset="0"/>
+              </a:rPr>
+              <a:t>add</a:t>
+            </a:r>
+            <a:r>
+              <a:rPr lang="en-GB" b="0" dirty="0">
+                <a:solidFill>
+                  <a:srgbClr val="D4D4D4"/>
+                </a:solidFill>
+                <a:effectLst/>
+                <a:latin typeface="Consolas" panose="020B0609020204030204" pitchFamily="49" charset="0"/>
+              </a:rPr>
+              <a:t>(</a:t>
+            </a:r>
+            <a:r>
+              <a:rPr lang="en-GB" b="0" dirty="0">
+                <a:solidFill>
+                  <a:srgbClr val="C586C0"/>
+                </a:solidFill>
+                <a:effectLst/>
+                <a:latin typeface="Consolas" panose="020B0609020204030204" pitchFamily="49" charset="0"/>
+              </a:rPr>
+              <a:t>new</a:t>
+            </a:r>
+            <a:r>
+              <a:rPr lang="en-GB" b="0" dirty="0">
+                <a:solidFill>
+                  <a:srgbClr val="D4D4D4"/>
+                </a:solidFill>
+                <a:effectLst/>
+                <a:latin typeface="Consolas" panose="020B0609020204030204" pitchFamily="49" charset="0"/>
+              </a:rPr>
+              <a:t> </a:t>
+            </a:r>
+            <a:r>
+              <a:rPr lang="en-GB" b="0" dirty="0" err="1">
+                <a:solidFill>
+                  <a:srgbClr val="DCDCAA"/>
+                </a:solidFill>
+                <a:effectLst/>
+                <a:latin typeface="Consolas" panose="020B0609020204030204" pitchFamily="49" charset="0"/>
+              </a:rPr>
+              <a:t>JButton</a:t>
+            </a:r>
+            <a:r>
+              <a:rPr lang="en-GB" b="0" dirty="0">
+                <a:solidFill>
+                  <a:srgbClr val="D4D4D4"/>
+                </a:solidFill>
+                <a:effectLst/>
+                <a:latin typeface="Consolas" panose="020B0609020204030204" pitchFamily="49" charset="0"/>
+              </a:rPr>
+              <a:t>(</a:t>
+            </a:r>
+            <a:r>
+              <a:rPr lang="en-GB" b="0" dirty="0">
+                <a:solidFill>
+                  <a:srgbClr val="CE9178"/>
+                </a:solidFill>
+                <a:effectLst/>
+                <a:latin typeface="Consolas" panose="020B0609020204030204" pitchFamily="49" charset="0"/>
+              </a:rPr>
+              <a:t>"3"</a:t>
+            </a:r>
+            <a:r>
+              <a:rPr lang="en-GB" b="0" dirty="0">
+                <a:solidFill>
+                  <a:srgbClr val="D4D4D4"/>
+                </a:solidFill>
+                <a:effectLst/>
+                <a:latin typeface="Consolas" panose="020B0609020204030204" pitchFamily="49" charset="0"/>
+              </a:rPr>
+              <a:t>));</a:t>
+            </a:r>
+          </a:p>
+          <a:p>
+            <a:pPr>
+              <a:spcBef>
+                <a:spcPts val="0"/>
+              </a:spcBef>
+            </a:pPr>
+            <a:r>
+              <a:rPr lang="en-GB" b="0" dirty="0">
+                <a:solidFill>
+                  <a:srgbClr val="D4D4D4"/>
+                </a:solidFill>
+                <a:effectLst/>
+                <a:latin typeface="Consolas" panose="020B0609020204030204" pitchFamily="49" charset="0"/>
+              </a:rPr>
+              <a:t>        </a:t>
+            </a:r>
+            <a:r>
+              <a:rPr lang="en-GB" b="0" dirty="0" err="1">
+                <a:solidFill>
+                  <a:srgbClr val="9CDCFE"/>
+                </a:solidFill>
+                <a:effectLst/>
+                <a:latin typeface="Consolas" panose="020B0609020204030204" pitchFamily="49" charset="0"/>
+              </a:rPr>
+              <a:t>buttons</a:t>
+            </a:r>
+            <a:r>
+              <a:rPr lang="en-GB" b="0" dirty="0" err="1">
+                <a:solidFill>
+                  <a:srgbClr val="D4D4D4"/>
+                </a:solidFill>
+                <a:effectLst/>
+                <a:latin typeface="Consolas" panose="020B0609020204030204" pitchFamily="49" charset="0"/>
+              </a:rPr>
+              <a:t>.</a:t>
+            </a:r>
+            <a:r>
+              <a:rPr lang="en-GB" b="0" dirty="0" err="1">
+                <a:solidFill>
+                  <a:srgbClr val="DCDCAA"/>
+                </a:solidFill>
+                <a:effectLst/>
+                <a:latin typeface="Consolas" panose="020B0609020204030204" pitchFamily="49" charset="0"/>
+              </a:rPr>
+              <a:t>add</a:t>
+            </a:r>
+            <a:r>
+              <a:rPr lang="en-GB" b="0" dirty="0">
+                <a:solidFill>
+                  <a:srgbClr val="D4D4D4"/>
+                </a:solidFill>
+                <a:effectLst/>
+                <a:latin typeface="Consolas" panose="020B0609020204030204" pitchFamily="49" charset="0"/>
+              </a:rPr>
+              <a:t>(</a:t>
+            </a:r>
+            <a:r>
+              <a:rPr lang="en-GB" b="0" dirty="0">
+                <a:solidFill>
+                  <a:srgbClr val="C586C0"/>
+                </a:solidFill>
+                <a:effectLst/>
+                <a:latin typeface="Consolas" panose="020B0609020204030204" pitchFamily="49" charset="0"/>
+              </a:rPr>
+              <a:t>new</a:t>
+            </a:r>
+            <a:r>
+              <a:rPr lang="en-GB" b="0" dirty="0">
+                <a:solidFill>
+                  <a:srgbClr val="D4D4D4"/>
+                </a:solidFill>
+                <a:effectLst/>
+                <a:latin typeface="Consolas" panose="020B0609020204030204" pitchFamily="49" charset="0"/>
+              </a:rPr>
+              <a:t> </a:t>
+            </a:r>
+            <a:r>
+              <a:rPr lang="en-GB" b="0" dirty="0" err="1">
+                <a:solidFill>
+                  <a:srgbClr val="DCDCAA"/>
+                </a:solidFill>
+                <a:effectLst/>
+                <a:latin typeface="Consolas" panose="020B0609020204030204" pitchFamily="49" charset="0"/>
+              </a:rPr>
+              <a:t>JButton</a:t>
+            </a:r>
+            <a:r>
+              <a:rPr lang="en-GB" b="0" dirty="0">
+                <a:solidFill>
+                  <a:srgbClr val="D4D4D4"/>
+                </a:solidFill>
+                <a:effectLst/>
+                <a:latin typeface="Consolas" panose="020B0609020204030204" pitchFamily="49" charset="0"/>
+              </a:rPr>
+              <a:t>(</a:t>
+            </a:r>
+            <a:r>
+              <a:rPr lang="en-GB" b="0" dirty="0">
+                <a:solidFill>
+                  <a:srgbClr val="CE9178"/>
+                </a:solidFill>
+                <a:effectLst/>
+                <a:latin typeface="Consolas" panose="020B0609020204030204" pitchFamily="49" charset="0"/>
+              </a:rPr>
+              <a:t>"-"</a:t>
+            </a:r>
+            <a:r>
+              <a:rPr lang="en-GB" b="0" dirty="0">
+                <a:solidFill>
+                  <a:srgbClr val="D4D4D4"/>
+                </a:solidFill>
+                <a:effectLst/>
+                <a:latin typeface="Consolas" panose="020B0609020204030204" pitchFamily="49" charset="0"/>
+              </a:rPr>
+              <a:t>));</a:t>
+            </a:r>
+          </a:p>
+          <a:p>
+            <a:pPr>
+              <a:spcBef>
+                <a:spcPts val="0"/>
+              </a:spcBef>
+            </a:pPr>
+            <a:r>
+              <a:rPr lang="en-GB" b="0" dirty="0">
+                <a:solidFill>
+                  <a:srgbClr val="D4D4D4"/>
+                </a:solidFill>
+                <a:effectLst/>
+                <a:latin typeface="Consolas" panose="020B0609020204030204" pitchFamily="49" charset="0"/>
+              </a:rPr>
+              <a:t>        </a:t>
+            </a:r>
+            <a:r>
+              <a:rPr lang="en-GB" b="0" dirty="0" err="1">
+                <a:solidFill>
+                  <a:srgbClr val="9CDCFE"/>
+                </a:solidFill>
+                <a:effectLst/>
+                <a:latin typeface="Consolas" panose="020B0609020204030204" pitchFamily="49" charset="0"/>
+              </a:rPr>
+              <a:t>buttons</a:t>
+            </a:r>
+            <a:r>
+              <a:rPr lang="en-GB" b="0" dirty="0" err="1">
+                <a:solidFill>
+                  <a:srgbClr val="D4D4D4"/>
+                </a:solidFill>
+                <a:effectLst/>
+                <a:latin typeface="Consolas" panose="020B0609020204030204" pitchFamily="49" charset="0"/>
+              </a:rPr>
+              <a:t>.</a:t>
+            </a:r>
+            <a:r>
+              <a:rPr lang="en-GB" b="0" dirty="0" err="1">
+                <a:solidFill>
+                  <a:srgbClr val="DCDCAA"/>
+                </a:solidFill>
+                <a:effectLst/>
+                <a:latin typeface="Consolas" panose="020B0609020204030204" pitchFamily="49" charset="0"/>
+              </a:rPr>
+              <a:t>add</a:t>
+            </a:r>
+            <a:r>
+              <a:rPr lang="en-GB" b="0" dirty="0">
+                <a:solidFill>
+                  <a:srgbClr val="D4D4D4"/>
+                </a:solidFill>
+                <a:effectLst/>
+                <a:latin typeface="Consolas" panose="020B0609020204030204" pitchFamily="49" charset="0"/>
+              </a:rPr>
+              <a:t>(</a:t>
+            </a:r>
+            <a:r>
+              <a:rPr lang="en-GB" b="0" dirty="0">
+                <a:solidFill>
+                  <a:srgbClr val="C586C0"/>
+                </a:solidFill>
+                <a:effectLst/>
+                <a:latin typeface="Consolas" panose="020B0609020204030204" pitchFamily="49" charset="0"/>
+              </a:rPr>
+              <a:t>new</a:t>
+            </a:r>
+            <a:r>
+              <a:rPr lang="en-GB" b="0" dirty="0">
+                <a:solidFill>
+                  <a:srgbClr val="D4D4D4"/>
+                </a:solidFill>
+                <a:effectLst/>
+                <a:latin typeface="Consolas" panose="020B0609020204030204" pitchFamily="49" charset="0"/>
+              </a:rPr>
+              <a:t> </a:t>
+            </a:r>
+            <a:r>
+              <a:rPr lang="en-GB" b="0" dirty="0" err="1">
+                <a:solidFill>
+                  <a:srgbClr val="DCDCAA"/>
+                </a:solidFill>
+                <a:effectLst/>
+                <a:latin typeface="Consolas" panose="020B0609020204030204" pitchFamily="49" charset="0"/>
+              </a:rPr>
+              <a:t>JButton</a:t>
+            </a:r>
+            <a:r>
+              <a:rPr lang="en-GB" b="0" dirty="0">
+                <a:solidFill>
+                  <a:srgbClr val="D4D4D4"/>
+                </a:solidFill>
+                <a:effectLst/>
+                <a:latin typeface="Consolas" panose="020B0609020204030204" pitchFamily="49" charset="0"/>
+              </a:rPr>
+              <a:t>(</a:t>
+            </a:r>
+            <a:r>
+              <a:rPr lang="en-GB" b="0" dirty="0">
+                <a:solidFill>
+                  <a:srgbClr val="CE9178"/>
+                </a:solidFill>
+                <a:effectLst/>
+                <a:latin typeface="Consolas" panose="020B0609020204030204" pitchFamily="49" charset="0"/>
+              </a:rPr>
+              <a:t>"."</a:t>
+            </a:r>
+            <a:r>
+              <a:rPr lang="en-GB" b="0" dirty="0">
+                <a:solidFill>
+                  <a:srgbClr val="D4D4D4"/>
+                </a:solidFill>
+                <a:effectLst/>
+                <a:latin typeface="Consolas" panose="020B0609020204030204" pitchFamily="49" charset="0"/>
+              </a:rPr>
+              <a:t>));</a:t>
+            </a:r>
+          </a:p>
+          <a:p>
+            <a:pPr>
+              <a:spcBef>
+                <a:spcPts val="0"/>
+              </a:spcBef>
+            </a:pPr>
+            <a:r>
+              <a:rPr lang="en-GB" b="0" dirty="0">
+                <a:solidFill>
+                  <a:srgbClr val="D4D4D4"/>
+                </a:solidFill>
+                <a:effectLst/>
+                <a:latin typeface="Consolas" panose="020B0609020204030204" pitchFamily="49" charset="0"/>
+              </a:rPr>
+              <a:t>        </a:t>
+            </a:r>
+            <a:r>
+              <a:rPr lang="en-GB" b="0" dirty="0" err="1">
+                <a:solidFill>
+                  <a:srgbClr val="9CDCFE"/>
+                </a:solidFill>
+                <a:effectLst/>
+                <a:latin typeface="Consolas" panose="020B0609020204030204" pitchFamily="49" charset="0"/>
+              </a:rPr>
+              <a:t>buttons</a:t>
+            </a:r>
+            <a:r>
+              <a:rPr lang="en-GB" b="0" dirty="0" err="1">
+                <a:solidFill>
+                  <a:srgbClr val="D4D4D4"/>
+                </a:solidFill>
+                <a:effectLst/>
+                <a:latin typeface="Consolas" panose="020B0609020204030204" pitchFamily="49" charset="0"/>
+              </a:rPr>
+              <a:t>.</a:t>
+            </a:r>
+            <a:r>
+              <a:rPr lang="en-GB" b="0" dirty="0" err="1">
+                <a:solidFill>
+                  <a:srgbClr val="DCDCAA"/>
+                </a:solidFill>
+                <a:effectLst/>
+                <a:latin typeface="Consolas" panose="020B0609020204030204" pitchFamily="49" charset="0"/>
+              </a:rPr>
+              <a:t>add</a:t>
+            </a:r>
+            <a:r>
+              <a:rPr lang="en-GB" b="0" dirty="0">
+                <a:solidFill>
+                  <a:srgbClr val="D4D4D4"/>
+                </a:solidFill>
+                <a:effectLst/>
+                <a:latin typeface="Consolas" panose="020B0609020204030204" pitchFamily="49" charset="0"/>
+              </a:rPr>
+              <a:t>(</a:t>
+            </a:r>
+            <a:r>
+              <a:rPr lang="en-GB" b="0" dirty="0">
+                <a:solidFill>
+                  <a:srgbClr val="C586C0"/>
+                </a:solidFill>
+                <a:effectLst/>
+                <a:latin typeface="Consolas" panose="020B0609020204030204" pitchFamily="49" charset="0"/>
+              </a:rPr>
+              <a:t>new</a:t>
+            </a:r>
+            <a:r>
+              <a:rPr lang="en-GB" b="0" dirty="0">
+                <a:solidFill>
+                  <a:srgbClr val="D4D4D4"/>
+                </a:solidFill>
+                <a:effectLst/>
+                <a:latin typeface="Consolas" panose="020B0609020204030204" pitchFamily="49" charset="0"/>
+              </a:rPr>
+              <a:t> </a:t>
+            </a:r>
+            <a:r>
+              <a:rPr lang="en-GB" b="0" dirty="0" err="1">
+                <a:solidFill>
+                  <a:srgbClr val="DCDCAA"/>
+                </a:solidFill>
+                <a:effectLst/>
+                <a:latin typeface="Consolas" panose="020B0609020204030204" pitchFamily="49" charset="0"/>
+              </a:rPr>
+              <a:t>JButton</a:t>
+            </a:r>
+            <a:r>
+              <a:rPr lang="en-GB" b="0" dirty="0">
+                <a:solidFill>
+                  <a:srgbClr val="D4D4D4"/>
+                </a:solidFill>
+                <a:effectLst/>
+                <a:latin typeface="Consolas" panose="020B0609020204030204" pitchFamily="49" charset="0"/>
+              </a:rPr>
+              <a:t>(</a:t>
+            </a:r>
+            <a:r>
+              <a:rPr lang="en-GB" b="0" dirty="0">
+                <a:solidFill>
+                  <a:srgbClr val="CE9178"/>
+                </a:solidFill>
+                <a:effectLst/>
+                <a:latin typeface="Consolas" panose="020B0609020204030204" pitchFamily="49" charset="0"/>
+              </a:rPr>
+              <a:t>"0"</a:t>
+            </a:r>
+            <a:r>
+              <a:rPr lang="en-GB" b="0" dirty="0">
+                <a:solidFill>
+                  <a:srgbClr val="D4D4D4"/>
+                </a:solidFill>
+                <a:effectLst/>
+                <a:latin typeface="Consolas" panose="020B0609020204030204" pitchFamily="49" charset="0"/>
+              </a:rPr>
+              <a:t>));</a:t>
+            </a:r>
+          </a:p>
+          <a:p>
+            <a:pPr>
+              <a:spcBef>
+                <a:spcPts val="0"/>
+              </a:spcBef>
+            </a:pPr>
+            <a:r>
+              <a:rPr lang="en-GB" b="0" dirty="0">
+                <a:solidFill>
+                  <a:srgbClr val="D4D4D4"/>
+                </a:solidFill>
+                <a:effectLst/>
+                <a:latin typeface="Consolas" panose="020B0609020204030204" pitchFamily="49" charset="0"/>
+              </a:rPr>
+              <a:t>        </a:t>
+            </a:r>
+            <a:r>
+              <a:rPr lang="en-GB" b="0" dirty="0" err="1">
+                <a:solidFill>
+                  <a:srgbClr val="9CDCFE"/>
+                </a:solidFill>
+                <a:effectLst/>
+                <a:latin typeface="Consolas" panose="020B0609020204030204" pitchFamily="49" charset="0"/>
+              </a:rPr>
+              <a:t>buttons</a:t>
+            </a:r>
+            <a:r>
+              <a:rPr lang="en-GB" b="0" dirty="0" err="1">
+                <a:solidFill>
+                  <a:srgbClr val="D4D4D4"/>
+                </a:solidFill>
+                <a:effectLst/>
+                <a:latin typeface="Consolas" panose="020B0609020204030204" pitchFamily="49" charset="0"/>
+              </a:rPr>
+              <a:t>.</a:t>
+            </a:r>
+            <a:r>
+              <a:rPr lang="en-GB" b="0" dirty="0" err="1">
+                <a:solidFill>
+                  <a:srgbClr val="DCDCAA"/>
+                </a:solidFill>
+                <a:effectLst/>
+                <a:latin typeface="Consolas" panose="020B0609020204030204" pitchFamily="49" charset="0"/>
+              </a:rPr>
+              <a:t>add</a:t>
+            </a:r>
+            <a:r>
+              <a:rPr lang="en-GB" b="0" dirty="0">
+                <a:solidFill>
+                  <a:srgbClr val="D4D4D4"/>
+                </a:solidFill>
+                <a:effectLst/>
+                <a:latin typeface="Consolas" panose="020B0609020204030204" pitchFamily="49" charset="0"/>
+              </a:rPr>
+              <a:t>(</a:t>
+            </a:r>
+            <a:r>
+              <a:rPr lang="en-GB" b="0" dirty="0">
+                <a:solidFill>
+                  <a:srgbClr val="C586C0"/>
+                </a:solidFill>
+                <a:effectLst/>
+                <a:latin typeface="Consolas" panose="020B0609020204030204" pitchFamily="49" charset="0"/>
+              </a:rPr>
+              <a:t>new</a:t>
+            </a:r>
+            <a:r>
+              <a:rPr lang="en-GB" b="0" dirty="0">
+                <a:solidFill>
+                  <a:srgbClr val="D4D4D4"/>
+                </a:solidFill>
+                <a:effectLst/>
+                <a:latin typeface="Consolas" panose="020B0609020204030204" pitchFamily="49" charset="0"/>
+              </a:rPr>
+              <a:t> </a:t>
+            </a:r>
+            <a:r>
+              <a:rPr lang="en-GB" b="0" dirty="0" err="1">
+                <a:solidFill>
+                  <a:srgbClr val="DCDCAA"/>
+                </a:solidFill>
+                <a:effectLst/>
+                <a:latin typeface="Consolas" panose="020B0609020204030204" pitchFamily="49" charset="0"/>
+              </a:rPr>
+              <a:t>JButton</a:t>
+            </a:r>
+            <a:r>
+              <a:rPr lang="en-GB" b="0" dirty="0">
+                <a:solidFill>
+                  <a:srgbClr val="D4D4D4"/>
+                </a:solidFill>
+                <a:effectLst/>
+                <a:latin typeface="Consolas" panose="020B0609020204030204" pitchFamily="49" charset="0"/>
+              </a:rPr>
+              <a:t>(</a:t>
+            </a:r>
+            <a:r>
+              <a:rPr lang="en-GB" b="0" dirty="0">
+                <a:solidFill>
+                  <a:srgbClr val="CE9178"/>
+                </a:solidFill>
+                <a:effectLst/>
+                <a:latin typeface="Consolas" panose="020B0609020204030204" pitchFamily="49" charset="0"/>
+              </a:rPr>
+              <a:t>"="</a:t>
+            </a:r>
+            <a:r>
+              <a:rPr lang="en-GB" b="0" dirty="0">
+                <a:solidFill>
+                  <a:srgbClr val="D4D4D4"/>
+                </a:solidFill>
+                <a:effectLst/>
+                <a:latin typeface="Consolas" panose="020B0609020204030204" pitchFamily="49" charset="0"/>
+              </a:rPr>
+              <a:t>));</a:t>
+            </a:r>
+          </a:p>
+          <a:p>
+            <a:pPr>
+              <a:spcBef>
+                <a:spcPts val="0"/>
+              </a:spcBef>
+            </a:pPr>
+            <a:r>
+              <a:rPr lang="en-GB" b="0" dirty="0">
+                <a:solidFill>
+                  <a:srgbClr val="D4D4D4"/>
+                </a:solidFill>
+                <a:effectLst/>
+                <a:latin typeface="Consolas" panose="020B0609020204030204" pitchFamily="49" charset="0"/>
+              </a:rPr>
+              <a:t>        </a:t>
+            </a:r>
+            <a:r>
+              <a:rPr lang="en-GB" b="0" dirty="0" err="1">
+                <a:solidFill>
+                  <a:srgbClr val="9CDCFE"/>
+                </a:solidFill>
+                <a:effectLst/>
+                <a:latin typeface="Consolas" panose="020B0609020204030204" pitchFamily="49" charset="0"/>
+              </a:rPr>
+              <a:t>buttons</a:t>
+            </a:r>
+            <a:r>
+              <a:rPr lang="en-GB" b="0" dirty="0" err="1">
+                <a:solidFill>
+                  <a:srgbClr val="D4D4D4"/>
+                </a:solidFill>
+                <a:effectLst/>
+                <a:latin typeface="Consolas" panose="020B0609020204030204" pitchFamily="49" charset="0"/>
+              </a:rPr>
+              <a:t>.</a:t>
+            </a:r>
+            <a:r>
+              <a:rPr lang="en-GB" b="0" dirty="0" err="1">
+                <a:solidFill>
+                  <a:srgbClr val="DCDCAA"/>
+                </a:solidFill>
+                <a:effectLst/>
+                <a:latin typeface="Consolas" panose="020B0609020204030204" pitchFamily="49" charset="0"/>
+              </a:rPr>
+              <a:t>add</a:t>
+            </a:r>
+            <a:r>
+              <a:rPr lang="en-GB" b="0" dirty="0">
+                <a:solidFill>
+                  <a:srgbClr val="D4D4D4"/>
+                </a:solidFill>
+                <a:effectLst/>
+                <a:latin typeface="Consolas" panose="020B0609020204030204" pitchFamily="49" charset="0"/>
+              </a:rPr>
+              <a:t>(</a:t>
+            </a:r>
+            <a:r>
+              <a:rPr lang="en-GB" b="0" dirty="0">
+                <a:solidFill>
+                  <a:srgbClr val="C586C0"/>
+                </a:solidFill>
+                <a:effectLst/>
+                <a:latin typeface="Consolas" panose="020B0609020204030204" pitchFamily="49" charset="0"/>
+              </a:rPr>
+              <a:t>new</a:t>
+            </a:r>
+            <a:r>
+              <a:rPr lang="en-GB" b="0" dirty="0">
+                <a:solidFill>
+                  <a:srgbClr val="D4D4D4"/>
+                </a:solidFill>
+                <a:effectLst/>
+                <a:latin typeface="Consolas" panose="020B0609020204030204" pitchFamily="49" charset="0"/>
+              </a:rPr>
+              <a:t> </a:t>
+            </a:r>
+            <a:r>
+              <a:rPr lang="en-GB" b="0" dirty="0" err="1">
+                <a:solidFill>
+                  <a:srgbClr val="DCDCAA"/>
+                </a:solidFill>
+                <a:effectLst/>
+                <a:latin typeface="Consolas" panose="020B0609020204030204" pitchFamily="49" charset="0"/>
+              </a:rPr>
+              <a:t>JButton</a:t>
+            </a:r>
+            <a:r>
+              <a:rPr lang="en-GB" b="0" dirty="0">
+                <a:solidFill>
+                  <a:srgbClr val="D4D4D4"/>
+                </a:solidFill>
+                <a:effectLst/>
+                <a:latin typeface="Consolas" panose="020B0609020204030204" pitchFamily="49" charset="0"/>
+              </a:rPr>
+              <a:t>(</a:t>
+            </a:r>
+            <a:r>
+              <a:rPr lang="en-GB" b="0" dirty="0">
+                <a:solidFill>
+                  <a:srgbClr val="CE9178"/>
+                </a:solidFill>
+                <a:effectLst/>
+                <a:latin typeface="Consolas" panose="020B0609020204030204" pitchFamily="49" charset="0"/>
+              </a:rPr>
+              <a:t>"+"</a:t>
+            </a:r>
+            <a:r>
+              <a:rPr lang="en-GB" b="0" dirty="0">
+                <a:solidFill>
+                  <a:srgbClr val="D4D4D4"/>
+                </a:solidFill>
+                <a:effectLst/>
+                <a:latin typeface="Consolas" panose="020B0609020204030204" pitchFamily="49" charset="0"/>
+              </a:rPr>
+              <a:t>));</a:t>
+            </a:r>
+          </a:p>
+          <a:p>
+            <a:pPr>
+              <a:spcBef>
+                <a:spcPts val="0"/>
+              </a:spcBef>
+            </a:pPr>
+            <a:r>
+              <a:rPr lang="en-GB" b="0" dirty="0">
+                <a:solidFill>
+                  <a:srgbClr val="D4D4D4"/>
+                </a:solidFill>
+                <a:effectLst/>
+                <a:latin typeface="Consolas" panose="020B0609020204030204" pitchFamily="49" charset="0"/>
+              </a:rPr>
+              <a:t>        </a:t>
+            </a:r>
+            <a:r>
+              <a:rPr lang="en-GB" b="0" dirty="0">
+                <a:solidFill>
+                  <a:srgbClr val="C586C0"/>
+                </a:solidFill>
+                <a:effectLst/>
+                <a:latin typeface="Consolas" panose="020B0609020204030204" pitchFamily="49" charset="0"/>
+              </a:rPr>
+              <a:t>return</a:t>
+            </a:r>
+            <a:r>
+              <a:rPr lang="en-GB" b="0" dirty="0">
+                <a:solidFill>
+                  <a:srgbClr val="D4D4D4"/>
+                </a:solidFill>
+                <a:effectLst/>
+                <a:latin typeface="Consolas" panose="020B0609020204030204" pitchFamily="49" charset="0"/>
+              </a:rPr>
+              <a:t> buttons;</a:t>
+            </a:r>
+          </a:p>
+          <a:p>
+            <a:pPr>
+              <a:spcBef>
+                <a:spcPts val="0"/>
+              </a:spcBef>
+            </a:pPr>
+            <a:r>
+              <a:rPr lang="en-GB" b="0" dirty="0">
+                <a:solidFill>
+                  <a:srgbClr val="D4D4D4"/>
+                </a:solidFill>
+                <a:effectLst/>
+                <a:latin typeface="Consolas" panose="020B0609020204030204" pitchFamily="49" charset="0"/>
+              </a:rPr>
+              <a:t>    }</a:t>
+            </a:r>
+          </a:p>
+          <a:p>
+            <a:pPr>
+              <a:spcBef>
+                <a:spcPts val="0"/>
+              </a:spcBef>
+            </a:pPr>
+            <a:endParaRPr lang="en-GB" dirty="0"/>
           </a:p>
         </p:txBody>
       </p:sp>
@@ -11080,6 +13807,222 @@
   <p:clrMapOvr>
     <a:masterClrMapping/>
   </p:clrMapOvr>
+  <p:timing>
+    <p:tnLst>
+      <p:par>
+        <p:cTn id="1" dur="indefinite" restart="never" nodeType="tmRoot">
+          <p:childTnLst>
+            <p:seq concurrent="1" nextAc="seek">
+              <p:cTn id="2" dur="indefinite" nodeType="mainSeq">
+                <p:childTnLst>
+                  <p:par>
+                    <p:cTn id="3" fill="hold">
+                      <p:stCondLst>
+                        <p:cond delay="indefinite"/>
+                      </p:stCondLst>
+                      <p:childTnLst>
+                        <p:par>
+                          <p:cTn id="4" fill="hold">
+                            <p:stCondLst>
+                              <p:cond delay="0"/>
+                            </p:stCondLst>
+                            <p:childTnLst>
+                              <p:par>
+                                <p:cTn id="5" presetID="2" presetClass="entr" presetSubtype="4" fill="hold" grpId="0" nodeType="clickEffect">
+                                  <p:stCondLst>
+                                    <p:cond delay="0"/>
+                                  </p:stCondLst>
+                                  <p:childTnLst>
+                                    <p:set>
+                                      <p:cBhvr>
+                                        <p:cTn id="6" dur="1" fill="hold">
+                                          <p:stCondLst>
+                                            <p:cond delay="0"/>
+                                          </p:stCondLst>
+                                        </p:cTn>
+                                        <p:tgtEl>
+                                          <p:spTgt spid="4"/>
+                                        </p:tgtEl>
+                                        <p:attrNameLst>
+                                          <p:attrName>style.visibility</p:attrName>
+                                        </p:attrNameLst>
+                                      </p:cBhvr>
+                                      <p:to>
+                                        <p:strVal val="visible"/>
+                                      </p:to>
+                                    </p:set>
+                                    <p:anim calcmode="lin" valueType="num">
+                                      <p:cBhvr additive="base">
+                                        <p:cTn id="7" dur="500" fill="hold"/>
+                                        <p:tgtEl>
+                                          <p:spTgt spid="4"/>
+                                        </p:tgtEl>
+                                        <p:attrNameLst>
+                                          <p:attrName>ppt_x</p:attrName>
+                                        </p:attrNameLst>
+                                      </p:cBhvr>
+                                      <p:tavLst>
+                                        <p:tav tm="0">
+                                          <p:val>
+                                            <p:strVal val="#ppt_x"/>
+                                          </p:val>
+                                        </p:tav>
+                                        <p:tav tm="100000">
+                                          <p:val>
+                                            <p:strVal val="#ppt_x"/>
+                                          </p:val>
+                                        </p:tav>
+                                      </p:tavLst>
+                                    </p:anim>
+                                    <p:anim calcmode="lin" valueType="num">
+                                      <p:cBhvr additive="base">
+                                        <p:cTn id="8" dur="500" fill="hold"/>
+                                        <p:tgtEl>
+                                          <p:spTgt spid="4"/>
+                                        </p:tgtEl>
+                                        <p:attrNameLst>
+                                          <p:attrName>ppt_y</p:attrName>
+                                        </p:attrNameLst>
+                                      </p:cBhvr>
+                                      <p:tavLst>
+                                        <p:tav tm="0">
+                                          <p:val>
+                                            <p:strVal val="1+#ppt_h/2"/>
+                                          </p:val>
+                                        </p:tav>
+                                        <p:tav tm="100000">
+                                          <p:val>
+                                            <p:strVal val="#ppt_y"/>
+                                          </p:val>
+                                        </p:tav>
+                                      </p:tavLst>
+                                    </p:anim>
+                                  </p:childTnLst>
+                                </p:cTn>
+                              </p:par>
+                            </p:childTnLst>
+                          </p:cTn>
+                        </p:par>
+                      </p:childTnLst>
+                    </p:cTn>
+                  </p:par>
+                  <p:par>
+                    <p:cTn id="9" fill="hold">
+                      <p:stCondLst>
+                        <p:cond delay="indefinite"/>
+                      </p:stCondLst>
+                      <p:childTnLst>
+                        <p:par>
+                          <p:cTn id="10" fill="hold">
+                            <p:stCondLst>
+                              <p:cond delay="0"/>
+                            </p:stCondLst>
+                            <p:childTnLst>
+                              <p:par>
+                                <p:cTn id="11" presetID="2" presetClass="entr" presetSubtype="4" fill="hold" grpId="0" nodeType="clickEffect">
+                                  <p:stCondLst>
+                                    <p:cond delay="0"/>
+                                  </p:stCondLst>
+                                  <p:childTnLst>
+                                    <p:set>
+                                      <p:cBhvr>
+                                        <p:cTn id="12" dur="1" fill="hold">
+                                          <p:stCondLst>
+                                            <p:cond delay="0"/>
+                                          </p:stCondLst>
+                                        </p:cTn>
+                                        <p:tgtEl>
+                                          <p:spTgt spid="5"/>
+                                        </p:tgtEl>
+                                        <p:attrNameLst>
+                                          <p:attrName>style.visibility</p:attrName>
+                                        </p:attrNameLst>
+                                      </p:cBhvr>
+                                      <p:to>
+                                        <p:strVal val="visible"/>
+                                      </p:to>
+                                    </p:set>
+                                    <p:anim calcmode="lin" valueType="num">
+                                      <p:cBhvr additive="base">
+                                        <p:cTn id="13" dur="500" fill="hold"/>
+                                        <p:tgtEl>
+                                          <p:spTgt spid="5"/>
+                                        </p:tgtEl>
+                                        <p:attrNameLst>
+                                          <p:attrName>ppt_x</p:attrName>
+                                        </p:attrNameLst>
+                                      </p:cBhvr>
+                                      <p:tavLst>
+                                        <p:tav tm="0">
+                                          <p:val>
+                                            <p:strVal val="#ppt_x"/>
+                                          </p:val>
+                                        </p:tav>
+                                        <p:tav tm="100000">
+                                          <p:val>
+                                            <p:strVal val="#ppt_x"/>
+                                          </p:val>
+                                        </p:tav>
+                                      </p:tavLst>
+                                    </p:anim>
+                                    <p:anim calcmode="lin" valueType="num">
+                                      <p:cBhvr additive="base">
+                                        <p:cTn id="14" dur="500" fill="hold"/>
+                                        <p:tgtEl>
+                                          <p:spTgt spid="5"/>
+                                        </p:tgtEl>
+                                        <p:attrNameLst>
+                                          <p:attrName>ppt_y</p:attrName>
+                                        </p:attrNameLst>
+                                      </p:cBhvr>
+                                      <p:tavLst>
+                                        <p:tav tm="0">
+                                          <p:val>
+                                            <p:strVal val="1+#ppt_h/2"/>
+                                          </p:val>
+                                        </p:tav>
+                                        <p:tav tm="100000">
+                                          <p:val>
+                                            <p:strVal val="#ppt_y"/>
+                                          </p:val>
+                                        </p:tav>
+                                      </p:tavLst>
+                                    </p:anim>
+                                  </p:childTnLst>
+                                </p:cTn>
+                              </p:par>
+                            </p:childTnLst>
+                          </p:cTn>
+                        </p:par>
+                      </p:childTnLst>
+                    </p:cTn>
+                  </p:par>
+                </p:childTnLst>
+              </p:cTn>
+              <p:prevCondLst>
+                <p:cond evt="onPrev" delay="0">
+                  <p:tgtEl>
+                    <p:sldTgt/>
+                  </p:tgtEl>
+                </p:cond>
+              </p:prevCondLst>
+              <p:nextCondLst>
+                <p:cond evt="onNext" delay="0">
+                  <p:tgtEl>
+                    <p:sldTgt/>
+                  </p:tgtEl>
+                </p:cond>
+              </p:nextCondLst>
+            </p:seq>
+          </p:childTnLst>
+        </p:cTn>
+      </p:par>
+    </p:tnLst>
+    <p:bldLst>
+      <p:bldP spid="4" grpId="0" animBg="1"/>
+      <p:bldP spid="5" grpId="0" animBg="1"/>
+    </p:bldLst>
+  </p:timing>
 </p:sld>
 </file>
 
@@ -17730,6 +20673,1077 @@
 </p:sld>
 </file>
 
+<file path=ppt/slides/slide27.xml><?xml version="1.0" encoding="utf-8"?>
+<p:sld xmlns:a="http://schemas.openxmlformats.org/drawingml/2006/main" xmlns:r="http://schemas.openxmlformats.org/officeDocument/2006/relationships" xmlns:p="http://schemas.openxmlformats.org/presentationml/2006/main">
+  <p:cSld>
+    <p:spTree>
+      <p:nvGrpSpPr>
+        <p:cNvPr id="1" name=""/>
+        <p:cNvGrpSpPr/>
+        <p:nvPr/>
+      </p:nvGrpSpPr>
+      <p:grpSpPr>
+        <a:xfrm>
+          <a:off x="0" y="0"/>
+          <a:ext cx="0" cy="0"/>
+          <a:chOff x="0" y="0"/>
+          <a:chExt cx="0" cy="0"/>
+        </a:xfrm>
+      </p:grpSpPr>
+      <p:sp>
+        <p:nvSpPr>
+          <p:cNvPr id="2" name="Title 1">
+            <a:extLst>
+              <a:ext uri="{FF2B5EF4-FFF2-40B4-BE49-F238E27FC236}">
+                <a16:creationId xmlns:a16="http://schemas.microsoft.com/office/drawing/2014/main" id="{7304BBA7-9D5E-4B9A-95AF-2E54F4B41C0E}"/>
+              </a:ext>
+            </a:extLst>
+          </p:cNvPr>
+          <p:cNvSpPr>
+            <a:spLocks noGrp="1"/>
+          </p:cNvSpPr>
+          <p:nvPr>
+            <p:ph type="title"/>
+          </p:nvPr>
+        </p:nvSpPr>
+        <p:spPr>
+          <a:xfrm>
+            <a:off x="822960" y="135775"/>
+            <a:ext cx="7543800" cy="759772"/>
+          </a:xfrm>
+        </p:spPr>
+        <p:txBody>
+          <a:bodyPr/>
+          <a:lstStyle/>
+          <a:p>
+            <a:r>
+              <a:rPr lang="en-GB" dirty="0"/>
+              <a:t>Supplementary material</a:t>
+            </a:r>
+          </a:p>
+        </p:txBody>
+      </p:sp>
+      <p:pic>
+        <p:nvPicPr>
+          <p:cNvPr id="1026" name="Picture 2">
+            <a:hlinkClick r:id="rId2"/>
+            <a:extLst>
+              <a:ext uri="{FF2B5EF4-FFF2-40B4-BE49-F238E27FC236}">
+                <a16:creationId xmlns:a16="http://schemas.microsoft.com/office/drawing/2014/main" id="{EF7F1D60-015A-4DED-A9A4-811E5B405388}"/>
+              </a:ext>
+            </a:extLst>
+          </p:cNvPr>
+          <p:cNvPicPr>
+            <a:picLocks noGrp="1" noChangeAspect="1" noChangeArrowheads="1"/>
+          </p:cNvPicPr>
+          <p:nvPr>
+            <p:ph sz="half" idx="2"/>
+          </p:nvPr>
+        </p:nvPicPr>
+        <p:blipFill>
+          <a:blip r:embed="rId3">
+            <a:extLst>
+              <a:ext uri="{28A0092B-C50C-407E-A947-70E740481C1C}">
+                <a14:useLocalDpi xmlns:a14="http://schemas.microsoft.com/office/drawing/2010/main" val="0"/>
+              </a:ext>
+            </a:extLst>
+          </a:blip>
+          <a:srcRect/>
+          <a:stretch>
+            <a:fillRect/>
+          </a:stretch>
+        </p:blipFill>
+        <p:spPr bwMode="auto">
+          <a:xfrm>
+            <a:off x="5205951" y="1129127"/>
+            <a:ext cx="2467468" cy="3221414"/>
+          </a:xfrm>
+          <a:prstGeom prst="rect">
+            <a:avLst/>
+          </a:prstGeom>
+          <a:noFill/>
+          <a:extLst>
+            <a:ext uri="{909E8E84-426E-40DD-AFC4-6F175D3DCCD1}">
+              <a14:hiddenFill xmlns:a14="http://schemas.microsoft.com/office/drawing/2010/main">
+                <a:solidFill>
+                  <a:srgbClr val="FFFFFF"/>
+                </a:solidFill>
+              </a14:hiddenFill>
+            </a:ext>
+          </a:extLst>
+        </p:spPr>
+      </p:pic>
+      <p:sp>
+        <p:nvSpPr>
+          <p:cNvPr id="8" name="Content Placeholder 2">
+            <a:extLst>
+              <a:ext uri="{FF2B5EF4-FFF2-40B4-BE49-F238E27FC236}">
+                <a16:creationId xmlns:a16="http://schemas.microsoft.com/office/drawing/2014/main" id="{73760C73-15B9-4B92-8E71-3EDACDD92ADB}"/>
+              </a:ext>
+            </a:extLst>
+          </p:cNvPr>
+          <p:cNvSpPr txBox="1">
+            <a:spLocks/>
+          </p:cNvSpPr>
+          <p:nvPr/>
+        </p:nvSpPr>
+        <p:spPr>
+          <a:xfrm>
+            <a:off x="822960" y="4496586"/>
+            <a:ext cx="7387786" cy="1948602"/>
+          </a:xfrm>
+          <a:prstGeom prst="rect">
+            <a:avLst/>
+          </a:prstGeom>
+        </p:spPr>
+        <p:txBody>
+          <a:bodyPr vert="horz" lIns="0" tIns="45720" rIns="0" bIns="45720" rtlCol="0">
+            <a:normAutofit fontScale="92500" lnSpcReduction="20000"/>
+          </a:bodyPr>
+          <a:lstStyle>
+            <a:lvl1pPr marL="91440" indent="-91440" algn="l" defTabSz="914400" rtl="0" eaLnBrk="1" latinLnBrk="0" hangingPunct="1">
+              <a:lnSpc>
+                <a:spcPct val="90000"/>
+              </a:lnSpc>
+              <a:spcBef>
+                <a:spcPts val="1200"/>
+              </a:spcBef>
+              <a:spcAft>
+                <a:spcPts val="200"/>
+              </a:spcAft>
+              <a:buClr>
+                <a:schemeClr val="accent1"/>
+              </a:buClr>
+              <a:buSzPct val="100000"/>
+              <a:buFont typeface="Calibri" panose="020F0502020204030204" pitchFamily="34" charset="0"/>
+              <a:buChar char=" "/>
+              <a:defRPr sz="2000" kern="1200">
+                <a:solidFill>
+                  <a:schemeClr val="tx1">
+                    <a:lumMod val="75000"/>
+                    <a:lumOff val="25000"/>
+                  </a:schemeClr>
+                </a:solidFill>
+                <a:latin typeface="+mn-lt"/>
+                <a:ea typeface="+mn-ea"/>
+                <a:cs typeface="+mn-cs"/>
+              </a:defRPr>
+            </a:lvl1pPr>
+            <a:lvl2pPr marL="384048" indent="-182880" algn="l" defTabSz="914400" rtl="0" eaLnBrk="1" latinLnBrk="0" hangingPunct="1">
+              <a:lnSpc>
+                <a:spcPct val="90000"/>
+              </a:lnSpc>
+              <a:spcBef>
+                <a:spcPts val="200"/>
+              </a:spcBef>
+              <a:spcAft>
+                <a:spcPts val="400"/>
+              </a:spcAft>
+              <a:buClr>
+                <a:schemeClr val="accent1"/>
+              </a:buClr>
+              <a:buFont typeface="Calibri" pitchFamily="34" charset="0"/>
+              <a:buChar char="◦"/>
+              <a:defRPr sz="1800" kern="1200">
+                <a:solidFill>
+                  <a:schemeClr val="tx1">
+                    <a:lumMod val="75000"/>
+                    <a:lumOff val="25000"/>
+                  </a:schemeClr>
+                </a:solidFill>
+                <a:latin typeface="+mn-lt"/>
+                <a:ea typeface="+mn-ea"/>
+                <a:cs typeface="+mn-cs"/>
+              </a:defRPr>
+            </a:lvl2pPr>
+            <a:lvl3pPr marL="566928" indent="-182880" algn="l" defTabSz="914400" rtl="0" eaLnBrk="1" latinLnBrk="0" hangingPunct="1">
+              <a:lnSpc>
+                <a:spcPct val="90000"/>
+              </a:lnSpc>
+              <a:spcBef>
+                <a:spcPts val="200"/>
+              </a:spcBef>
+              <a:spcAft>
+                <a:spcPts val="400"/>
+              </a:spcAft>
+              <a:buClr>
+                <a:schemeClr val="accent1"/>
+              </a:buClr>
+              <a:buFont typeface="Calibri" pitchFamily="34" charset="0"/>
+              <a:buChar char="◦"/>
+              <a:defRPr sz="1400" kern="1200">
+                <a:solidFill>
+                  <a:schemeClr val="tx1">
+                    <a:lumMod val="75000"/>
+                    <a:lumOff val="25000"/>
+                  </a:schemeClr>
+                </a:solidFill>
+                <a:latin typeface="+mn-lt"/>
+                <a:ea typeface="+mn-ea"/>
+                <a:cs typeface="+mn-cs"/>
+              </a:defRPr>
+            </a:lvl3pPr>
+            <a:lvl4pPr marL="749808" indent="-182880" algn="l" defTabSz="914400" rtl="0" eaLnBrk="1" latinLnBrk="0" hangingPunct="1">
+              <a:lnSpc>
+                <a:spcPct val="90000"/>
+              </a:lnSpc>
+              <a:spcBef>
+                <a:spcPts val="200"/>
+              </a:spcBef>
+              <a:spcAft>
+                <a:spcPts val="400"/>
+              </a:spcAft>
+              <a:buClr>
+                <a:schemeClr val="accent1"/>
+              </a:buClr>
+              <a:buFont typeface="Calibri" pitchFamily="34" charset="0"/>
+              <a:buChar char="◦"/>
+              <a:defRPr sz="1400" kern="1200">
+                <a:solidFill>
+                  <a:schemeClr val="tx1">
+                    <a:lumMod val="75000"/>
+                    <a:lumOff val="25000"/>
+                  </a:schemeClr>
+                </a:solidFill>
+                <a:latin typeface="+mn-lt"/>
+                <a:ea typeface="+mn-ea"/>
+                <a:cs typeface="+mn-cs"/>
+              </a:defRPr>
+            </a:lvl4pPr>
+            <a:lvl5pPr marL="932688" indent="-182880" algn="l" defTabSz="914400" rtl="0" eaLnBrk="1" latinLnBrk="0" hangingPunct="1">
+              <a:lnSpc>
+                <a:spcPct val="90000"/>
+              </a:lnSpc>
+              <a:spcBef>
+                <a:spcPts val="200"/>
+              </a:spcBef>
+              <a:spcAft>
+                <a:spcPts val="400"/>
+              </a:spcAft>
+              <a:buClr>
+                <a:schemeClr val="accent1"/>
+              </a:buClr>
+              <a:buFont typeface="Calibri" pitchFamily="34" charset="0"/>
+              <a:buChar char="◦"/>
+              <a:defRPr sz="1400" kern="1200">
+                <a:solidFill>
+                  <a:schemeClr val="tx1">
+                    <a:lumMod val="75000"/>
+                    <a:lumOff val="25000"/>
+                  </a:schemeClr>
+                </a:solidFill>
+                <a:latin typeface="+mn-lt"/>
+                <a:ea typeface="+mn-ea"/>
+                <a:cs typeface="+mn-cs"/>
+              </a:defRPr>
+            </a:lvl5pPr>
+            <a:lvl6pPr marL="1100000" indent="-228600" algn="l" defTabSz="914400" rtl="0" eaLnBrk="1" latinLnBrk="0" hangingPunct="1">
+              <a:lnSpc>
+                <a:spcPct val="90000"/>
+              </a:lnSpc>
+              <a:spcBef>
+                <a:spcPts val="200"/>
+              </a:spcBef>
+              <a:spcAft>
+                <a:spcPts val="400"/>
+              </a:spcAft>
+              <a:buClr>
+                <a:schemeClr val="accent1"/>
+              </a:buClr>
+              <a:buFont typeface="Calibri" pitchFamily="34" charset="0"/>
+              <a:buChar char="◦"/>
+              <a:defRPr sz="1400" kern="1200">
+                <a:solidFill>
+                  <a:schemeClr val="tx1">
+                    <a:lumMod val="75000"/>
+                    <a:lumOff val="25000"/>
+                  </a:schemeClr>
+                </a:solidFill>
+                <a:latin typeface="+mn-lt"/>
+                <a:ea typeface="+mn-ea"/>
+                <a:cs typeface="+mn-cs"/>
+              </a:defRPr>
+            </a:lvl6pPr>
+            <a:lvl7pPr marL="1300000" indent="-228600" algn="l" defTabSz="914400" rtl="0" eaLnBrk="1" latinLnBrk="0" hangingPunct="1">
+              <a:lnSpc>
+                <a:spcPct val="90000"/>
+              </a:lnSpc>
+              <a:spcBef>
+                <a:spcPts val="200"/>
+              </a:spcBef>
+              <a:spcAft>
+                <a:spcPts val="400"/>
+              </a:spcAft>
+              <a:buClr>
+                <a:schemeClr val="accent1"/>
+              </a:buClr>
+              <a:buFont typeface="Calibri" pitchFamily="34" charset="0"/>
+              <a:buChar char="◦"/>
+              <a:defRPr sz="1400" kern="1200">
+                <a:solidFill>
+                  <a:schemeClr val="tx1">
+                    <a:lumMod val="75000"/>
+                    <a:lumOff val="25000"/>
+                  </a:schemeClr>
+                </a:solidFill>
+                <a:latin typeface="+mn-lt"/>
+                <a:ea typeface="+mn-ea"/>
+                <a:cs typeface="+mn-cs"/>
+              </a:defRPr>
+            </a:lvl7pPr>
+            <a:lvl8pPr marL="1500000" indent="-228600" algn="l" defTabSz="914400" rtl="0" eaLnBrk="1" latinLnBrk="0" hangingPunct="1">
+              <a:lnSpc>
+                <a:spcPct val="90000"/>
+              </a:lnSpc>
+              <a:spcBef>
+                <a:spcPts val="200"/>
+              </a:spcBef>
+              <a:spcAft>
+                <a:spcPts val="400"/>
+              </a:spcAft>
+              <a:buClr>
+                <a:schemeClr val="accent1"/>
+              </a:buClr>
+              <a:buFont typeface="Calibri" pitchFamily="34" charset="0"/>
+              <a:buChar char="◦"/>
+              <a:defRPr sz="1400" kern="1200">
+                <a:solidFill>
+                  <a:schemeClr val="tx1">
+                    <a:lumMod val="75000"/>
+                    <a:lumOff val="25000"/>
+                  </a:schemeClr>
+                </a:solidFill>
+                <a:latin typeface="+mn-lt"/>
+                <a:ea typeface="+mn-ea"/>
+                <a:cs typeface="+mn-cs"/>
+              </a:defRPr>
+            </a:lvl8pPr>
+            <a:lvl9pPr marL="1700000" indent="-228600" algn="l" defTabSz="914400" rtl="0" eaLnBrk="1" latinLnBrk="0" hangingPunct="1">
+              <a:lnSpc>
+                <a:spcPct val="90000"/>
+              </a:lnSpc>
+              <a:spcBef>
+                <a:spcPts val="200"/>
+              </a:spcBef>
+              <a:spcAft>
+                <a:spcPts val="400"/>
+              </a:spcAft>
+              <a:buClr>
+                <a:schemeClr val="accent1"/>
+              </a:buClr>
+              <a:buFont typeface="Calibri" pitchFamily="34" charset="0"/>
+              <a:buChar char="◦"/>
+              <a:defRPr sz="1400" kern="1200">
+                <a:solidFill>
+                  <a:schemeClr val="tx1">
+                    <a:lumMod val="75000"/>
+                    <a:lumOff val="25000"/>
+                  </a:schemeClr>
+                </a:solidFill>
+                <a:latin typeface="+mn-lt"/>
+                <a:ea typeface="+mn-ea"/>
+                <a:cs typeface="+mn-cs"/>
+              </a:defRPr>
+            </a:lvl9pPr>
+          </a:lstStyle>
+          <a:p>
+            <a:pPr>
+              <a:buFont typeface="Wingdings" panose="05000000000000000000" pitchFamily="2" charset="2"/>
+              <a:buChar char="v"/>
+            </a:pPr>
+            <a:r>
+              <a:rPr lang="en-GB" dirty="0"/>
+              <a:t> </a:t>
+            </a:r>
+            <a:r>
+              <a:rPr lang="en-GB" dirty="0">
+                <a:hlinkClick r:id="rId4"/>
+              </a:rPr>
+              <a:t>The Java Tutorial</a:t>
+            </a:r>
+            <a:endParaRPr lang="en-GB" dirty="0"/>
+          </a:p>
+          <a:p>
+            <a:pPr>
+              <a:buFont typeface="Wingdings" panose="05000000000000000000" pitchFamily="2" charset="2"/>
+              <a:buChar char="v"/>
+            </a:pPr>
+            <a:r>
+              <a:rPr lang="en-GB" dirty="0"/>
+              <a:t> </a:t>
+            </a:r>
+            <a:r>
+              <a:rPr lang="en-GB" dirty="0">
+                <a:hlinkClick r:id="rId5"/>
+              </a:rPr>
+              <a:t>Java API documentation</a:t>
+            </a:r>
+            <a:endParaRPr lang="en-GB" dirty="0"/>
+          </a:p>
+          <a:p>
+            <a:pPr>
+              <a:buFont typeface="Wingdings" panose="05000000000000000000" pitchFamily="2" charset="2"/>
+              <a:buChar char="v"/>
+            </a:pPr>
+            <a:r>
+              <a:rPr lang="en-GB" dirty="0"/>
+              <a:t> </a:t>
+            </a:r>
+            <a:r>
+              <a:rPr lang="en-GB" dirty="0">
+                <a:hlinkClick r:id="rId6"/>
+              </a:rPr>
+              <a:t>Link to today’s Session  </a:t>
+            </a:r>
+            <a:endParaRPr lang="en-GB" dirty="0"/>
+          </a:p>
+          <a:p>
+            <a:pPr>
+              <a:buFont typeface="Wingdings" panose="05000000000000000000" pitchFamily="2" charset="2"/>
+              <a:buChar char="v"/>
+            </a:pPr>
+            <a:r>
+              <a:rPr lang="en-GB" dirty="0"/>
+              <a:t> </a:t>
+            </a:r>
+            <a:r>
+              <a:rPr lang="en-GB" dirty="0">
+                <a:hlinkClick r:id="rId7"/>
+              </a:rPr>
+              <a:t>Link to John’s Group Padlet</a:t>
+            </a:r>
+            <a:endParaRPr lang="en-GB" dirty="0"/>
+          </a:p>
+          <a:p>
+            <a:pPr>
+              <a:buFont typeface="Wingdings" panose="05000000000000000000" pitchFamily="2" charset="2"/>
+              <a:buChar char="v"/>
+            </a:pPr>
+            <a:r>
+              <a:rPr lang="en-GB" dirty="0"/>
+              <a:t> </a:t>
+            </a:r>
+            <a:r>
+              <a:rPr lang="en-GB" dirty="0">
+                <a:hlinkClick r:id="rId8"/>
+              </a:rPr>
+              <a:t>Link to Kelly’s Group Padlet</a:t>
+            </a:r>
+            <a:endParaRPr lang="en-GB" dirty="0"/>
+          </a:p>
+        </p:txBody>
+      </p:sp>
+      <p:pic>
+        <p:nvPicPr>
+          <p:cNvPr id="1028" name="Picture 4">
+            <a:hlinkClick r:id="rId9"/>
+            <a:extLst>
+              <a:ext uri="{FF2B5EF4-FFF2-40B4-BE49-F238E27FC236}">
+                <a16:creationId xmlns:a16="http://schemas.microsoft.com/office/drawing/2014/main" id="{2804B4FC-958E-40C2-BD69-0321299F6DA2}"/>
+              </a:ext>
+            </a:extLst>
+          </p:cNvPr>
+          <p:cNvPicPr>
+            <a:picLocks noGrp="1" noChangeAspect="1" noChangeArrowheads="1"/>
+          </p:cNvPicPr>
+          <p:nvPr>
+            <p:ph sz="half" idx="1"/>
+          </p:nvPr>
+        </p:nvPicPr>
+        <p:blipFill>
+          <a:blip r:embed="rId10">
+            <a:extLst>
+              <a:ext uri="{28A0092B-C50C-407E-A947-70E740481C1C}">
+                <a14:useLocalDpi xmlns:a14="http://schemas.microsoft.com/office/drawing/2010/main" val="0"/>
+              </a:ext>
+            </a:extLst>
+          </a:blip>
+          <a:srcRect/>
+          <a:stretch>
+            <a:fillRect/>
+          </a:stretch>
+        </p:blipFill>
+        <p:spPr bwMode="auto">
+          <a:xfrm>
+            <a:off x="1743131" y="1158106"/>
+            <a:ext cx="2467469" cy="3230143"/>
+          </a:xfrm>
+          <a:prstGeom prst="rect">
+            <a:avLst/>
+          </a:prstGeom>
+          <a:noFill/>
+          <a:extLst>
+            <a:ext uri="{909E8E84-426E-40DD-AFC4-6F175D3DCCD1}">
+              <a14:hiddenFill xmlns:a14="http://schemas.microsoft.com/office/drawing/2010/main">
+                <a:solidFill>
+                  <a:srgbClr val="FFFFFF"/>
+                </a:solidFill>
+              </a14:hiddenFill>
+            </a:ext>
+          </a:extLst>
+        </p:spPr>
+      </p:pic>
+    </p:spTree>
+    <p:extLst>
+      <p:ext uri="{BB962C8B-B14F-4D97-AF65-F5344CB8AC3E}">
+        <p14:creationId xmlns:p14="http://schemas.microsoft.com/office/powerpoint/2010/main" val="3098269440"/>
+      </p:ext>
+    </p:extLst>
+  </p:cSld>
+  <p:clrMapOvr>
+    <a:masterClrMapping/>
+  </p:clrMapOvr>
+  <p:timing>
+    <p:tnLst>
+      <p:par>
+        <p:cTn id="1" dur="indefinite" restart="never" nodeType="tmRoot">
+          <p:childTnLst>
+            <p:seq concurrent="1" nextAc="seek">
+              <p:cTn id="2" dur="indefinite" nodeType="mainSeq">
+                <p:childTnLst>
+                  <p:par>
+                    <p:cTn id="3" fill="hold">
+                      <p:stCondLst>
+                        <p:cond delay="indefinite"/>
+                      </p:stCondLst>
+                      <p:childTnLst>
+                        <p:par>
+                          <p:cTn id="4" fill="hold">
+                            <p:stCondLst>
+                              <p:cond delay="0"/>
+                            </p:stCondLst>
+                            <p:childTnLst>
+                              <p:par>
+                                <p:cTn id="5" presetID="2" presetClass="entr" presetSubtype="4" fill="hold" grpId="0" nodeType="clickEffect">
+                                  <p:stCondLst>
+                                    <p:cond delay="0"/>
+                                  </p:stCondLst>
+                                  <p:childTnLst>
+                                    <p:set>
+                                      <p:cBhvr>
+                                        <p:cTn id="6" dur="1" fill="hold">
+                                          <p:stCondLst>
+                                            <p:cond delay="0"/>
+                                          </p:stCondLst>
+                                        </p:cTn>
+                                        <p:tgtEl>
+                                          <p:spTgt spid="8">
+                                            <p:txEl>
+                                              <p:pRg st="0" end="0"/>
+                                            </p:txEl>
+                                          </p:spTgt>
+                                        </p:tgtEl>
+                                        <p:attrNameLst>
+                                          <p:attrName>style.visibility</p:attrName>
+                                        </p:attrNameLst>
+                                      </p:cBhvr>
+                                      <p:to>
+                                        <p:strVal val="visible"/>
+                                      </p:to>
+                                    </p:set>
+                                    <p:anim calcmode="lin" valueType="num">
+                                      <p:cBhvr additive="base">
+                                        <p:cTn id="7" dur="500" fill="hold"/>
+                                        <p:tgtEl>
+                                          <p:spTgt spid="8">
+                                            <p:txEl>
+                                              <p:pRg st="0" end="0"/>
+                                            </p:txEl>
+                                          </p:spTgt>
+                                        </p:tgtEl>
+                                        <p:attrNameLst>
+                                          <p:attrName>ppt_x</p:attrName>
+                                        </p:attrNameLst>
+                                      </p:cBhvr>
+                                      <p:tavLst>
+                                        <p:tav tm="0">
+                                          <p:val>
+                                            <p:strVal val="#ppt_x"/>
+                                          </p:val>
+                                        </p:tav>
+                                        <p:tav tm="100000">
+                                          <p:val>
+                                            <p:strVal val="#ppt_x"/>
+                                          </p:val>
+                                        </p:tav>
+                                      </p:tavLst>
+                                    </p:anim>
+                                    <p:anim calcmode="lin" valueType="num">
+                                      <p:cBhvr additive="base">
+                                        <p:cTn id="8" dur="500" fill="hold"/>
+                                        <p:tgtEl>
+                                          <p:spTgt spid="8">
+                                            <p:txEl>
+                                              <p:pRg st="0" end="0"/>
+                                            </p:txEl>
+                                          </p:spTgt>
+                                        </p:tgtEl>
+                                        <p:attrNameLst>
+                                          <p:attrName>ppt_y</p:attrName>
+                                        </p:attrNameLst>
+                                      </p:cBhvr>
+                                      <p:tavLst>
+                                        <p:tav tm="0">
+                                          <p:val>
+                                            <p:strVal val="1+#ppt_h/2"/>
+                                          </p:val>
+                                        </p:tav>
+                                        <p:tav tm="100000">
+                                          <p:val>
+                                            <p:strVal val="#ppt_y"/>
+                                          </p:val>
+                                        </p:tav>
+                                      </p:tavLst>
+                                    </p:anim>
+                                  </p:childTnLst>
+                                </p:cTn>
+                              </p:par>
+                            </p:childTnLst>
+                          </p:cTn>
+                        </p:par>
+                      </p:childTnLst>
+                    </p:cTn>
+                  </p:par>
+                  <p:par>
+                    <p:cTn id="9" fill="hold">
+                      <p:stCondLst>
+                        <p:cond delay="indefinite"/>
+                      </p:stCondLst>
+                      <p:childTnLst>
+                        <p:par>
+                          <p:cTn id="10" fill="hold">
+                            <p:stCondLst>
+                              <p:cond delay="0"/>
+                            </p:stCondLst>
+                            <p:childTnLst>
+                              <p:par>
+                                <p:cTn id="11" presetID="2" presetClass="entr" presetSubtype="4" fill="hold" grpId="0" nodeType="clickEffect">
+                                  <p:stCondLst>
+                                    <p:cond delay="0"/>
+                                  </p:stCondLst>
+                                  <p:childTnLst>
+                                    <p:set>
+                                      <p:cBhvr>
+                                        <p:cTn id="12" dur="1" fill="hold">
+                                          <p:stCondLst>
+                                            <p:cond delay="0"/>
+                                          </p:stCondLst>
+                                        </p:cTn>
+                                        <p:tgtEl>
+                                          <p:spTgt spid="8">
+                                            <p:txEl>
+                                              <p:pRg st="1" end="1"/>
+                                            </p:txEl>
+                                          </p:spTgt>
+                                        </p:tgtEl>
+                                        <p:attrNameLst>
+                                          <p:attrName>style.visibility</p:attrName>
+                                        </p:attrNameLst>
+                                      </p:cBhvr>
+                                      <p:to>
+                                        <p:strVal val="visible"/>
+                                      </p:to>
+                                    </p:set>
+                                    <p:anim calcmode="lin" valueType="num">
+                                      <p:cBhvr additive="base">
+                                        <p:cTn id="13" dur="500" fill="hold"/>
+                                        <p:tgtEl>
+                                          <p:spTgt spid="8">
+                                            <p:txEl>
+                                              <p:pRg st="1" end="1"/>
+                                            </p:txEl>
+                                          </p:spTgt>
+                                        </p:tgtEl>
+                                        <p:attrNameLst>
+                                          <p:attrName>ppt_x</p:attrName>
+                                        </p:attrNameLst>
+                                      </p:cBhvr>
+                                      <p:tavLst>
+                                        <p:tav tm="0">
+                                          <p:val>
+                                            <p:strVal val="#ppt_x"/>
+                                          </p:val>
+                                        </p:tav>
+                                        <p:tav tm="100000">
+                                          <p:val>
+                                            <p:strVal val="#ppt_x"/>
+                                          </p:val>
+                                        </p:tav>
+                                      </p:tavLst>
+                                    </p:anim>
+                                    <p:anim calcmode="lin" valueType="num">
+                                      <p:cBhvr additive="base">
+                                        <p:cTn id="14" dur="500" fill="hold"/>
+                                        <p:tgtEl>
+                                          <p:spTgt spid="8">
+                                            <p:txEl>
+                                              <p:pRg st="1" end="1"/>
+                                            </p:txEl>
+                                          </p:spTgt>
+                                        </p:tgtEl>
+                                        <p:attrNameLst>
+                                          <p:attrName>ppt_y</p:attrName>
+                                        </p:attrNameLst>
+                                      </p:cBhvr>
+                                      <p:tavLst>
+                                        <p:tav tm="0">
+                                          <p:val>
+                                            <p:strVal val="1+#ppt_h/2"/>
+                                          </p:val>
+                                        </p:tav>
+                                        <p:tav tm="100000">
+                                          <p:val>
+                                            <p:strVal val="#ppt_y"/>
+                                          </p:val>
+                                        </p:tav>
+                                      </p:tavLst>
+                                    </p:anim>
+                                  </p:childTnLst>
+                                </p:cTn>
+                              </p:par>
+                            </p:childTnLst>
+                          </p:cTn>
+                        </p:par>
+                      </p:childTnLst>
+                    </p:cTn>
+                  </p:par>
+                  <p:par>
+                    <p:cTn id="15" fill="hold">
+                      <p:stCondLst>
+                        <p:cond delay="indefinite"/>
+                      </p:stCondLst>
+                      <p:childTnLst>
+                        <p:par>
+                          <p:cTn id="16" fill="hold">
+                            <p:stCondLst>
+                              <p:cond delay="0"/>
+                            </p:stCondLst>
+                            <p:childTnLst>
+                              <p:par>
+                                <p:cTn id="17" presetID="2" presetClass="entr" presetSubtype="4" fill="hold" grpId="0" nodeType="clickEffect">
+                                  <p:stCondLst>
+                                    <p:cond delay="0"/>
+                                  </p:stCondLst>
+                                  <p:childTnLst>
+                                    <p:set>
+                                      <p:cBhvr>
+                                        <p:cTn id="18" dur="1" fill="hold">
+                                          <p:stCondLst>
+                                            <p:cond delay="0"/>
+                                          </p:stCondLst>
+                                        </p:cTn>
+                                        <p:tgtEl>
+                                          <p:spTgt spid="8">
+                                            <p:txEl>
+                                              <p:pRg st="2" end="2"/>
+                                            </p:txEl>
+                                          </p:spTgt>
+                                        </p:tgtEl>
+                                        <p:attrNameLst>
+                                          <p:attrName>style.visibility</p:attrName>
+                                        </p:attrNameLst>
+                                      </p:cBhvr>
+                                      <p:to>
+                                        <p:strVal val="visible"/>
+                                      </p:to>
+                                    </p:set>
+                                    <p:anim calcmode="lin" valueType="num">
+                                      <p:cBhvr additive="base">
+                                        <p:cTn id="19" dur="500" fill="hold"/>
+                                        <p:tgtEl>
+                                          <p:spTgt spid="8">
+                                            <p:txEl>
+                                              <p:pRg st="2" end="2"/>
+                                            </p:txEl>
+                                          </p:spTgt>
+                                        </p:tgtEl>
+                                        <p:attrNameLst>
+                                          <p:attrName>ppt_x</p:attrName>
+                                        </p:attrNameLst>
+                                      </p:cBhvr>
+                                      <p:tavLst>
+                                        <p:tav tm="0">
+                                          <p:val>
+                                            <p:strVal val="#ppt_x"/>
+                                          </p:val>
+                                        </p:tav>
+                                        <p:tav tm="100000">
+                                          <p:val>
+                                            <p:strVal val="#ppt_x"/>
+                                          </p:val>
+                                        </p:tav>
+                                      </p:tavLst>
+                                    </p:anim>
+                                    <p:anim calcmode="lin" valueType="num">
+                                      <p:cBhvr additive="base">
+                                        <p:cTn id="20" dur="500" fill="hold"/>
+                                        <p:tgtEl>
+                                          <p:spTgt spid="8">
+                                            <p:txEl>
+                                              <p:pRg st="2" end="2"/>
+                                            </p:txEl>
+                                          </p:spTgt>
+                                        </p:tgtEl>
+                                        <p:attrNameLst>
+                                          <p:attrName>ppt_y</p:attrName>
+                                        </p:attrNameLst>
+                                      </p:cBhvr>
+                                      <p:tavLst>
+                                        <p:tav tm="0">
+                                          <p:val>
+                                            <p:strVal val="1+#ppt_h/2"/>
+                                          </p:val>
+                                        </p:tav>
+                                        <p:tav tm="100000">
+                                          <p:val>
+                                            <p:strVal val="#ppt_y"/>
+                                          </p:val>
+                                        </p:tav>
+                                      </p:tavLst>
+                                    </p:anim>
+                                  </p:childTnLst>
+                                </p:cTn>
+                              </p:par>
+                            </p:childTnLst>
+                          </p:cTn>
+                        </p:par>
+                      </p:childTnLst>
+                    </p:cTn>
+                  </p:par>
+                  <p:par>
+                    <p:cTn id="21" fill="hold">
+                      <p:stCondLst>
+                        <p:cond delay="indefinite"/>
+                      </p:stCondLst>
+                      <p:childTnLst>
+                        <p:par>
+                          <p:cTn id="22" fill="hold">
+                            <p:stCondLst>
+                              <p:cond delay="0"/>
+                            </p:stCondLst>
+                            <p:childTnLst>
+                              <p:par>
+                                <p:cTn id="23" presetID="2" presetClass="entr" presetSubtype="4" fill="hold" grpId="0" nodeType="clickEffect">
+                                  <p:stCondLst>
+                                    <p:cond delay="0"/>
+                                  </p:stCondLst>
+                                  <p:childTnLst>
+                                    <p:set>
+                                      <p:cBhvr>
+                                        <p:cTn id="24" dur="1" fill="hold">
+                                          <p:stCondLst>
+                                            <p:cond delay="0"/>
+                                          </p:stCondLst>
+                                        </p:cTn>
+                                        <p:tgtEl>
+                                          <p:spTgt spid="8">
+                                            <p:txEl>
+                                              <p:pRg st="3" end="3"/>
+                                            </p:txEl>
+                                          </p:spTgt>
+                                        </p:tgtEl>
+                                        <p:attrNameLst>
+                                          <p:attrName>style.visibility</p:attrName>
+                                        </p:attrNameLst>
+                                      </p:cBhvr>
+                                      <p:to>
+                                        <p:strVal val="visible"/>
+                                      </p:to>
+                                    </p:set>
+                                    <p:anim calcmode="lin" valueType="num">
+                                      <p:cBhvr additive="base">
+                                        <p:cTn id="25" dur="500" fill="hold"/>
+                                        <p:tgtEl>
+                                          <p:spTgt spid="8">
+                                            <p:txEl>
+                                              <p:pRg st="3" end="3"/>
+                                            </p:txEl>
+                                          </p:spTgt>
+                                        </p:tgtEl>
+                                        <p:attrNameLst>
+                                          <p:attrName>ppt_x</p:attrName>
+                                        </p:attrNameLst>
+                                      </p:cBhvr>
+                                      <p:tavLst>
+                                        <p:tav tm="0">
+                                          <p:val>
+                                            <p:strVal val="#ppt_x"/>
+                                          </p:val>
+                                        </p:tav>
+                                        <p:tav tm="100000">
+                                          <p:val>
+                                            <p:strVal val="#ppt_x"/>
+                                          </p:val>
+                                        </p:tav>
+                                      </p:tavLst>
+                                    </p:anim>
+                                    <p:anim calcmode="lin" valueType="num">
+                                      <p:cBhvr additive="base">
+                                        <p:cTn id="26" dur="500" fill="hold"/>
+                                        <p:tgtEl>
+                                          <p:spTgt spid="8">
+                                            <p:txEl>
+                                              <p:pRg st="3" end="3"/>
+                                            </p:txEl>
+                                          </p:spTgt>
+                                        </p:tgtEl>
+                                        <p:attrNameLst>
+                                          <p:attrName>ppt_y</p:attrName>
+                                        </p:attrNameLst>
+                                      </p:cBhvr>
+                                      <p:tavLst>
+                                        <p:tav tm="0">
+                                          <p:val>
+                                            <p:strVal val="1+#ppt_h/2"/>
+                                          </p:val>
+                                        </p:tav>
+                                        <p:tav tm="100000">
+                                          <p:val>
+                                            <p:strVal val="#ppt_y"/>
+                                          </p:val>
+                                        </p:tav>
+                                      </p:tavLst>
+                                    </p:anim>
+                                  </p:childTnLst>
+                                </p:cTn>
+                              </p:par>
+                            </p:childTnLst>
+                          </p:cTn>
+                        </p:par>
+                      </p:childTnLst>
+                    </p:cTn>
+                  </p:par>
+                  <p:par>
+                    <p:cTn id="27" fill="hold">
+                      <p:stCondLst>
+                        <p:cond delay="indefinite"/>
+                      </p:stCondLst>
+                      <p:childTnLst>
+                        <p:par>
+                          <p:cTn id="28" fill="hold">
+                            <p:stCondLst>
+                              <p:cond delay="0"/>
+                            </p:stCondLst>
+                            <p:childTnLst>
+                              <p:par>
+                                <p:cTn id="29" presetID="2" presetClass="entr" presetSubtype="4" fill="hold" grpId="0" nodeType="clickEffect">
+                                  <p:stCondLst>
+                                    <p:cond delay="0"/>
+                                  </p:stCondLst>
+                                  <p:childTnLst>
+                                    <p:set>
+                                      <p:cBhvr>
+                                        <p:cTn id="30" dur="1" fill="hold">
+                                          <p:stCondLst>
+                                            <p:cond delay="0"/>
+                                          </p:stCondLst>
+                                        </p:cTn>
+                                        <p:tgtEl>
+                                          <p:spTgt spid="8">
+                                            <p:txEl>
+                                              <p:pRg st="4" end="4"/>
+                                            </p:txEl>
+                                          </p:spTgt>
+                                        </p:tgtEl>
+                                        <p:attrNameLst>
+                                          <p:attrName>style.visibility</p:attrName>
+                                        </p:attrNameLst>
+                                      </p:cBhvr>
+                                      <p:to>
+                                        <p:strVal val="visible"/>
+                                      </p:to>
+                                    </p:set>
+                                    <p:anim calcmode="lin" valueType="num">
+                                      <p:cBhvr additive="base">
+                                        <p:cTn id="31" dur="500" fill="hold"/>
+                                        <p:tgtEl>
+                                          <p:spTgt spid="8">
+                                            <p:txEl>
+                                              <p:pRg st="4" end="4"/>
+                                            </p:txEl>
+                                          </p:spTgt>
+                                        </p:tgtEl>
+                                        <p:attrNameLst>
+                                          <p:attrName>ppt_x</p:attrName>
+                                        </p:attrNameLst>
+                                      </p:cBhvr>
+                                      <p:tavLst>
+                                        <p:tav tm="0">
+                                          <p:val>
+                                            <p:strVal val="#ppt_x"/>
+                                          </p:val>
+                                        </p:tav>
+                                        <p:tav tm="100000">
+                                          <p:val>
+                                            <p:strVal val="#ppt_x"/>
+                                          </p:val>
+                                        </p:tav>
+                                      </p:tavLst>
+                                    </p:anim>
+                                    <p:anim calcmode="lin" valueType="num">
+                                      <p:cBhvr additive="base">
+                                        <p:cTn id="32" dur="500" fill="hold"/>
+                                        <p:tgtEl>
+                                          <p:spTgt spid="8">
+                                            <p:txEl>
+                                              <p:pRg st="4" end="4"/>
+                                            </p:txEl>
+                                          </p:spTgt>
+                                        </p:tgtEl>
+                                        <p:attrNameLst>
+                                          <p:attrName>ppt_y</p:attrName>
+                                        </p:attrNameLst>
+                                      </p:cBhvr>
+                                      <p:tavLst>
+                                        <p:tav tm="0">
+                                          <p:val>
+                                            <p:strVal val="1+#ppt_h/2"/>
+                                          </p:val>
+                                        </p:tav>
+                                        <p:tav tm="100000">
+                                          <p:val>
+                                            <p:strVal val="#ppt_y"/>
+                                          </p:val>
+                                        </p:tav>
+                                      </p:tavLst>
+                                    </p:anim>
+                                  </p:childTnLst>
+                                </p:cTn>
+                              </p:par>
+                            </p:childTnLst>
+                          </p:cTn>
+                        </p:par>
+                      </p:childTnLst>
+                    </p:cTn>
+                  </p:par>
+                </p:childTnLst>
+              </p:cTn>
+              <p:prevCondLst>
+                <p:cond evt="onPrev" delay="0">
+                  <p:tgtEl>
+                    <p:sldTgt/>
+                  </p:tgtEl>
+                </p:cond>
+              </p:prevCondLst>
+              <p:nextCondLst>
+                <p:cond evt="onNext" delay="0">
+                  <p:tgtEl>
+                    <p:sldTgt/>
+                  </p:tgtEl>
+                </p:cond>
+              </p:nextCondLst>
+            </p:seq>
+          </p:childTnLst>
+        </p:cTn>
+      </p:par>
+    </p:tnLst>
+    <p:bldLst>
+      <p:bldP spid="8" grpId="0" build="p"/>
+    </p:bldLst>
+  </p:timing>
+</p:sld>
+</file>
+
 <file path=ppt/slides/slide3.xml><?xml version="1.0" encoding="utf-8"?>
 <p:sld xmlns:a="http://schemas.openxmlformats.org/drawingml/2006/main" xmlns:r="http://schemas.openxmlformats.org/officeDocument/2006/relationships" xmlns:p="http://schemas.openxmlformats.org/presentationml/2006/main">
   <p:cSld>
@@ -19629,6 +23643,35 @@
           </a:p>
         </p:txBody>
       </p:sp>
+      <p:pic>
+        <p:nvPicPr>
+          <p:cNvPr id="6" name="Picture 5">
+            <a:extLst>
+              <a:ext uri="{FF2B5EF4-FFF2-40B4-BE49-F238E27FC236}">
+                <a16:creationId xmlns:a16="http://schemas.microsoft.com/office/drawing/2014/main" id="{292E79CE-B91D-49B0-83FB-213ABC1CA116}"/>
+              </a:ext>
+            </a:extLst>
+          </p:cNvPr>
+          <p:cNvPicPr>
+            <a:picLocks noChangeAspect="1"/>
+          </p:cNvPicPr>
+          <p:nvPr/>
+        </p:nvPicPr>
+        <p:blipFill rotWithShape="1">
+          <a:blip r:embed="rId2"/>
+          <a:srcRect r="3578" b="15086"/>
+          <a:stretch/>
+        </p:blipFill>
+        <p:spPr>
+          <a:xfrm>
+            <a:off x="6490404" y="5154765"/>
+            <a:ext cx="2540474" cy="1717380"/>
+          </a:xfrm>
+          <a:prstGeom prst="rect">
+            <a:avLst/>
+          </a:prstGeom>
+        </p:spPr>
+      </p:pic>
     </p:spTree>
     <p:extLst>
       <p:ext uri="{BB962C8B-B14F-4D97-AF65-F5344CB8AC3E}">
@@ -20364,6 +24407,97 @@
                                         <p:tav tm="0">
                                           <p:val>
                                             <p:strVal val="#ppt_y+.1"/>
+                                          </p:val>
+                                        </p:tav>
+                                        <p:tav tm="100000">
+                                          <p:val>
+                                            <p:strVal val="#ppt_y"/>
+                                          </p:val>
+                                        </p:tav>
+                                      </p:tavLst>
+                                    </p:anim>
+                                  </p:childTnLst>
+                                </p:cTn>
+                              </p:par>
+                            </p:childTnLst>
+                          </p:cTn>
+                        </p:par>
+                      </p:childTnLst>
+                    </p:cTn>
+                  </p:par>
+                  <p:par>
+                    <p:cTn id="46" fill="hold">
+                      <p:stCondLst>
+                        <p:cond delay="indefinite"/>
+                      </p:stCondLst>
+                      <p:childTnLst>
+                        <p:par>
+                          <p:cTn id="47" fill="hold">
+                            <p:stCondLst>
+                              <p:cond delay="0"/>
+                            </p:stCondLst>
+                            <p:childTnLst>
+                              <p:par>
+                                <p:cTn id="48" presetID="2" presetClass="entr" presetSubtype="4" fill="hold" nodeType="clickEffect">
+                                  <p:stCondLst>
+                                    <p:cond delay="0"/>
+                                  </p:stCondLst>
+                                  <p:childTnLst>
+                                    <p:set>
+                                      <p:cBhvr>
+                                        <p:cTn id="49" dur="1" fill="hold">
+                                          <p:stCondLst>
+                                            <p:cond delay="0"/>
+                                          </p:stCondLst>
+                                        </p:cTn>
+                                        <p:tgtEl>
+                                          <p:spTgt spid="6"/>
+                                        </p:tgtEl>
+                                        <p:attrNameLst>
+                                          <p:attrName>style.visibility</p:attrName>
+                                        </p:attrNameLst>
+                                      </p:cBhvr>
+                                      <p:to>
+                                        <p:strVal val="visible"/>
+                                      </p:to>
+                                    </p:set>
+                                    <p:anim calcmode="lin" valueType="num">
+                                      <p:cBhvr additive="base">
+                                        <p:cTn id="50" dur="500" fill="hold"/>
+                                        <p:tgtEl>
+                                          <p:spTgt spid="6"/>
+                                        </p:tgtEl>
+                                        <p:attrNameLst>
+                                          <p:attrName>ppt_x</p:attrName>
+                                        </p:attrNameLst>
+                                      </p:cBhvr>
+                                      <p:tavLst>
+                                        <p:tav tm="0">
+                                          <p:val>
+                                            <p:strVal val="#ppt_x"/>
+                                          </p:val>
+                                        </p:tav>
+                                        <p:tav tm="100000">
+                                          <p:val>
+                                            <p:strVal val="#ppt_x"/>
+                                          </p:val>
+                                        </p:tav>
+                                      </p:tavLst>
+                                    </p:anim>
+                                    <p:anim calcmode="lin" valueType="num">
+                                      <p:cBhvr additive="base">
+                                        <p:cTn id="51" dur="500" fill="hold"/>
+                                        <p:tgtEl>
+                                          <p:spTgt spid="6"/>
+                                        </p:tgtEl>
+                                        <p:attrNameLst>
+                                          <p:attrName>ppt_y</p:attrName>
+                                        </p:attrNameLst>
+                                      </p:cBhvr>
+                                      <p:tavLst>
+                                        <p:tav tm="0">
+                                          <p:val>
+                                            <p:strVal val="1+#ppt_h/2"/>
                                           </p:val>
                                         </p:tav>
                                         <p:tav tm="100000">
@@ -23747,21 +27881,12 @@
 </file>
 
 <file path=customXml/item1.xml><?xml version="1.0" encoding="utf-8"?>
-<?mso-contentType ?>
-<FormTemplates xmlns="http://schemas.microsoft.com/sharepoint/v3/contenttype/forms">
-  <Display>DocumentLibraryForm</Display>
-  <Edit>DocumentLibraryForm</Edit>
-  <New>DocumentLibraryForm</New>
-</FormTemplates>
-</file>
-
-<file path=customXml/item2.xml><?xml version="1.0" encoding="utf-8"?>
 <p:properties xmlns:p="http://schemas.microsoft.com/office/2006/metadata/properties" xmlns:xsi="http://www.w3.org/2001/XMLSchema-instance" xmlns:pc="http://schemas.microsoft.com/office/infopath/2007/PartnerControls">
   <documentManagement/>
 </p:properties>
 </file>
 
-<file path=customXml/item3.xml><?xml version="1.0" encoding="utf-8"?>
+<file path=customXml/item2.xml><?xml version="1.0" encoding="utf-8"?>
 <ct:contentTypeSchema xmlns:ct="http://schemas.microsoft.com/office/2006/metadata/contentType" xmlns:ma="http://schemas.microsoft.com/office/2006/metadata/properties/metaAttributes" ct:_="" ma:_="" ma:contentTypeName="Document" ma:contentTypeID="0x010100062A1965C0ED8D4B93D90EC9097FB304" ma:contentTypeVersion="13" ma:contentTypeDescription="Create a new document." ma:contentTypeScope="" ma:versionID="ad8c00255a362f38b965062bb6973433">
   <xsd:schema xmlns:xsd="http://www.w3.org/2001/XMLSchema" xmlns:xs="http://www.w3.org/2001/XMLSchema" xmlns:p="http://schemas.microsoft.com/office/2006/metadata/properties" xmlns:ns3="cab83b3b-4db3-4a13-8dd4-e60be6d87cf5" xmlns:ns4="c2e86655-d7ed-4420-bc92-1b9547829f54" targetNamespace="http://schemas.microsoft.com/office/2006/metadata/properties" ma:root="true" ma:fieldsID="d47f86c9060cacabc5fb99b2dd628c7d" ns3:_="" ns4:_="">
     <xsd:import namespace="cab83b3b-4db3-4a13-8dd4-e60be6d87cf5"/>
@@ -23984,15 +28109,16 @@
 </ct:contentTypeSchema>
 </file>
 
-<file path=customXml/itemProps1.xml><?xml version="1.0" encoding="utf-8"?>
-<ds:datastoreItem xmlns:ds="http://schemas.openxmlformats.org/officeDocument/2006/customXml" ds:itemID="{07A05CC1-FF68-453F-AE9C-352B80151440}">
-  <ds:schemaRefs>
-    <ds:schemaRef ds:uri="http://schemas.microsoft.com/sharepoint/v3/contenttype/forms"/>
-  </ds:schemaRefs>
-</ds:datastoreItem>
+<file path=customXml/item3.xml><?xml version="1.0" encoding="utf-8"?>
+<?mso-contentType ?>
+<FormTemplates xmlns="http://schemas.microsoft.com/sharepoint/v3/contenttype/forms">
+  <Display>DocumentLibraryForm</Display>
+  <Edit>DocumentLibraryForm</Edit>
+  <New>DocumentLibraryForm</New>
+</FormTemplates>
 </file>
 
-<file path=customXml/itemProps2.xml><?xml version="1.0" encoding="utf-8"?>
+<file path=customXml/itemProps1.xml><?xml version="1.0" encoding="utf-8"?>
 <ds:datastoreItem xmlns:ds="http://schemas.openxmlformats.org/officeDocument/2006/customXml" ds:itemID="{1B174DBE-1AD7-495B-B168-212A7EE723A6}">
   <ds:schemaRefs>
     <ds:schemaRef ds:uri="http://schemas.microsoft.com/office/2006/documentManagement/types"/>
@@ -24009,7 +28135,7 @@
 </ds:datastoreItem>
 </file>
 
-<file path=customXml/itemProps3.xml><?xml version="1.0" encoding="utf-8"?>
+<file path=customXml/itemProps2.xml><?xml version="1.0" encoding="utf-8"?>
 <ds:datastoreItem xmlns:ds="http://schemas.openxmlformats.org/officeDocument/2006/customXml" ds:itemID="{03233C07-2685-44F7-9601-FF64EA49BA1B}">
   <ds:schemaRefs>
     <ds:schemaRef ds:uri="http://schemas.microsoft.com/office/2006/metadata/contentType"/>
@@ -24026,4 +28152,12 @@
     <ds:schemaRef ds:uri="http://schemas.microsoft.com/internal/obd"/>
   </ds:schemaRefs>
 </ds:datastoreItem>
+</file>
+
+<file path=customXml/itemProps3.xml><?xml version="1.0" encoding="utf-8"?>
+<ds:datastoreItem xmlns:ds="http://schemas.openxmlformats.org/officeDocument/2006/customXml" ds:itemID="{07A05CC1-FF68-453F-AE9C-352B80151440}">
+  <ds:schemaRefs>
+    <ds:schemaRef ds:uri="http://schemas.microsoft.com/sharepoint/v3/contenttype/forms"/>
+  </ds:schemaRefs>
+</ds:datastoreItem>
 </file>
--- a/thesis/ukapp2/wqu_isc/sofware_design/Javabc06.pptx
+++ b/thesis/ukapp2/wqu_isc/sofware_design/Javabc06.pptx
@@ -5,7 +5,7 @@
     <p:sldMasterId id="2147483672" r:id="rId4"/>
   </p:sldMasterIdLst>
   <p:notesMasterIdLst>
-    <p:notesMasterId r:id="rId32"/>
+    <p:notesMasterId r:id="rId33"/>
   </p:notesMasterIdLst>
   <p:sldIdLst>
     <p:sldId id="256" r:id="rId5"/>
@@ -31,32 +31,33 @@
     <p:sldId id="296" r:id="rId25"/>
     <p:sldId id="280" r:id="rId26"/>
     <p:sldId id="294" r:id="rId27"/>
-    <p:sldId id="287" r:id="rId28"/>
-    <p:sldId id="284" r:id="rId29"/>
-    <p:sldId id="283" r:id="rId30"/>
-    <p:sldId id="309" r:id="rId31"/>
+    <p:sldId id="310" r:id="rId28"/>
+    <p:sldId id="287" r:id="rId29"/>
+    <p:sldId id="284" r:id="rId30"/>
+    <p:sldId id="283" r:id="rId31"/>
+    <p:sldId id="309" r:id="rId32"/>
   </p:sldIdLst>
   <p:sldSz cx="9144000" cy="6858000" type="screen4x3"/>
   <p:notesSz cx="6858000" cy="9144000"/>
   <p:embeddedFontLst>
     <p:embeddedFont>
       <p:font typeface="Calibri" panose="020F0502020204030204" pitchFamily="34" charset="0"/>
-      <p:regular r:id="rId33"/>
-      <p:bold r:id="rId34"/>
-      <p:italic r:id="rId35"/>
-      <p:boldItalic r:id="rId36"/>
+      <p:regular r:id="rId34"/>
+      <p:bold r:id="rId35"/>
+      <p:italic r:id="rId36"/>
+      <p:boldItalic r:id="rId37"/>
     </p:embeddedFont>
     <p:embeddedFont>
       <p:font typeface="Calibri Light" panose="020F0302020204030204" pitchFamily="34" charset="0"/>
-      <p:regular r:id="rId37"/>
-      <p:italic r:id="rId38"/>
+      <p:regular r:id="rId38"/>
+      <p:italic r:id="rId39"/>
     </p:embeddedFont>
     <p:embeddedFont>
       <p:font typeface="Consolas" panose="020B0609020204030204" pitchFamily="49" charset="0"/>
-      <p:regular r:id="rId39"/>
-      <p:bold r:id="rId40"/>
-      <p:italic r:id="rId41"/>
-      <p:boldItalic r:id="rId42"/>
+      <p:regular r:id="rId40"/>
+      <p:bold r:id="rId41"/>
+      <p:italic r:id="rId42"/>
+      <p:boldItalic r:id="rId43"/>
     </p:embeddedFont>
   </p:embeddedFontLst>
   <p:defaultTextStyle>
@@ -244,7 +245,7 @@
           <a:p>
             <a:fld id="{4358A756-45B2-441B-BD26-2888C6C79637}" type="datetimeFigureOut">
               <a:rPr lang="en-GB" smtClean="0"/>
-              <a:t>26/10/2020</a:t>
+              <a:t>27/10/2020</a:t>
             </a:fld>
             <a:endParaRPr lang="en-GB"/>
           </a:p>
@@ -596,6 +597,90 @@
 </p:notes>
 </file>
 
+<file path=ppt/notesSlides/notesSlide2.xml><?xml version="1.0" encoding="utf-8"?>
+<p:notes xmlns:a="http://schemas.openxmlformats.org/drawingml/2006/main" xmlns:r="http://schemas.openxmlformats.org/officeDocument/2006/relationships" xmlns:p="http://schemas.openxmlformats.org/presentationml/2006/main">
+  <p:cSld>
+    <p:spTree>
+      <p:nvGrpSpPr>
+        <p:cNvPr id="1" name=""/>
+        <p:cNvGrpSpPr/>
+        <p:nvPr/>
+      </p:nvGrpSpPr>
+      <p:grpSpPr>
+        <a:xfrm>
+          <a:off x="0" y="0"/>
+          <a:ext cx="0" cy="0"/>
+          <a:chOff x="0" y="0"/>
+          <a:chExt cx="0" cy="0"/>
+        </a:xfrm>
+      </p:grpSpPr>
+      <p:sp>
+        <p:nvSpPr>
+          <p:cNvPr id="2" name="Slide Image Placeholder 1"/>
+          <p:cNvSpPr>
+            <a:spLocks noGrp="1" noRot="1" noChangeAspect="1"/>
+          </p:cNvSpPr>
+          <p:nvPr>
+            <p:ph type="sldImg"/>
+          </p:nvPr>
+        </p:nvSpPr>
+        <p:spPr/>
+      </p:sp>
+      <p:sp>
+        <p:nvSpPr>
+          <p:cNvPr id="3" name="Notes Placeholder 2"/>
+          <p:cNvSpPr>
+            <a:spLocks noGrp="1"/>
+          </p:cNvSpPr>
+          <p:nvPr>
+            <p:ph type="body" idx="1"/>
+          </p:nvPr>
+        </p:nvSpPr>
+        <p:spPr/>
+        <p:txBody>
+          <a:bodyPr/>
+          <a:lstStyle/>
+          <a:p>
+            <a:endParaRPr lang="en-GB" dirty="0"/>
+          </a:p>
+        </p:txBody>
+      </p:sp>
+      <p:sp>
+        <p:nvSpPr>
+          <p:cNvPr id="4" name="Slide Number Placeholder 3"/>
+          <p:cNvSpPr>
+            <a:spLocks noGrp="1"/>
+          </p:cNvSpPr>
+          <p:nvPr>
+            <p:ph type="sldNum" sz="quarter" idx="5"/>
+          </p:nvPr>
+        </p:nvSpPr>
+        <p:spPr/>
+        <p:txBody>
+          <a:bodyPr/>
+          <a:lstStyle/>
+          <a:p>
+            <a:fld id="{CBED2C08-AD98-45B5-84F2-FC10CCB1149B}" type="slidenum">
+              <a:rPr lang="en-GB" smtClean="0"/>
+              <a:t>24</a:t>
+            </a:fld>
+            <a:endParaRPr lang="en-GB"/>
+          </a:p>
+        </p:txBody>
+      </p:sp>
+    </p:spTree>
+    <p:extLst>
+      <p:ext uri="{BB962C8B-B14F-4D97-AF65-F5344CB8AC3E}">
+        <p14:creationId xmlns:p14="http://schemas.microsoft.com/office/powerpoint/2010/main" val="2087568136"/>
+      </p:ext>
+    </p:extLst>
+  </p:cSld>
+  <p:clrMapOvr>
+    <a:masterClrMapping/>
+  </p:clrMapOvr>
+</p:notes>
+</file>
+
 <file path=ppt/slideLayouts/slideLayout1.xml><?xml version="1.0" encoding="utf-8"?>
 <p:sldLayout xmlns:a="http://schemas.openxmlformats.org/drawingml/2006/main" xmlns:r="http://schemas.openxmlformats.org/officeDocument/2006/relationships" xmlns:p="http://schemas.openxmlformats.org/presentationml/2006/main" showMasterSp="0" type="title" preserve="1">
   <p:cSld name="Title Slide">
@@ -822,7 +907,7 @@
           <a:p>
             <a:fld id="{CD13FC2D-BEDB-45BE-AF82-649A39BEFF71}" type="datetimeFigureOut">
               <a:rPr lang="en-GB" smtClean="0"/>
-              <a:t>26/10/2020</a:t>
+              <a:t>27/10/2020</a:t>
             </a:fld>
             <a:endParaRPr lang="en-GB"/>
           </a:p>
@@ -1030,7 +1115,7 @@
           <a:p>
             <a:fld id="{CD13FC2D-BEDB-45BE-AF82-649A39BEFF71}" type="datetimeFigureOut">
               <a:rPr lang="en-GB" smtClean="0"/>
-              <a:t>26/10/2020</a:t>
+              <a:t>27/10/2020</a:t>
             </a:fld>
             <a:endParaRPr lang="en-GB"/>
           </a:p>
@@ -1286,7 +1371,7 @@
           <a:p>
             <a:fld id="{CD13FC2D-BEDB-45BE-AF82-649A39BEFF71}" type="datetimeFigureOut">
               <a:rPr lang="en-GB" smtClean="0"/>
-              <a:t>26/10/2020</a:t>
+              <a:t>27/10/2020</a:t>
             </a:fld>
             <a:endParaRPr lang="en-GB"/>
           </a:p>
@@ -1456,7 +1541,7 @@
           <a:p>
             <a:fld id="{CD13FC2D-BEDB-45BE-AF82-649A39BEFF71}" type="datetimeFigureOut">
               <a:rPr lang="en-GB" smtClean="0"/>
-              <a:t>26/10/2020</a:t>
+              <a:t>27/10/2020</a:t>
             </a:fld>
             <a:endParaRPr lang="en-GB"/>
           </a:p>
@@ -1799,7 +1884,7 @@
           <a:p>
             <a:fld id="{CD13FC2D-BEDB-45BE-AF82-649A39BEFF71}" type="datetimeFigureOut">
               <a:rPr lang="en-GB" smtClean="0"/>
-              <a:t>26/10/2020</a:t>
+              <a:t>27/10/2020</a:t>
             </a:fld>
             <a:endParaRPr lang="en-GB"/>
           </a:p>
@@ -2074,7 +2159,7 @@
           <a:p>
             <a:fld id="{CD13FC2D-BEDB-45BE-AF82-649A39BEFF71}" type="datetimeFigureOut">
               <a:rPr lang="en-GB" smtClean="0"/>
-              <a:t>26/10/2020</a:t>
+              <a:t>27/10/2020</a:t>
             </a:fld>
             <a:endParaRPr lang="en-GB"/>
           </a:p>
@@ -2453,7 +2538,7 @@
           <a:p>
             <a:fld id="{CD13FC2D-BEDB-45BE-AF82-649A39BEFF71}" type="datetimeFigureOut">
               <a:rPr lang="en-GB" smtClean="0"/>
-              <a:t>26/10/2020</a:t>
+              <a:t>27/10/2020</a:t>
             </a:fld>
             <a:endParaRPr lang="en-GB"/>
           </a:p>
@@ -2571,7 +2656,7 @@
           <a:p>
             <a:fld id="{CD13FC2D-BEDB-45BE-AF82-649A39BEFF71}" type="datetimeFigureOut">
               <a:rPr lang="en-GB" smtClean="0"/>
-              <a:t>26/10/2020</a:t>
+              <a:t>27/10/2020</a:t>
             </a:fld>
             <a:endParaRPr lang="en-GB"/>
           </a:p>
@@ -2742,7 +2827,7 @@
           <a:p>
             <a:fld id="{CD13FC2D-BEDB-45BE-AF82-649A39BEFF71}" type="datetimeFigureOut">
               <a:rPr lang="en-GB" smtClean="0"/>
-              <a:t>26/10/2020</a:t>
+              <a:t>27/10/2020</a:t>
             </a:fld>
             <a:endParaRPr lang="en-GB"/>
           </a:p>
@@ -3096,7 +3181,7 @@
           <a:p>
             <a:fld id="{CD13FC2D-BEDB-45BE-AF82-649A39BEFF71}" type="datetimeFigureOut">
               <a:rPr lang="en-GB" smtClean="0"/>
-              <a:t>26/10/2020</a:t>
+              <a:t>27/10/2020</a:t>
             </a:fld>
             <a:endParaRPr lang="en-GB"/>
           </a:p>
@@ -3478,7 +3563,7 @@
           <a:p>
             <a:fld id="{CD13FC2D-BEDB-45BE-AF82-649A39BEFF71}" type="datetimeFigureOut">
               <a:rPr lang="en-GB" smtClean="0"/>
-              <a:t>26/10/2020</a:t>
+              <a:t>27/10/2020</a:t>
             </a:fld>
             <a:endParaRPr lang="en-GB"/>
           </a:p>
@@ -3765,7 +3850,7 @@
           <a:p>
             <a:fld id="{CD13FC2D-BEDB-45BE-AF82-649A39BEFF71}" type="datetimeFigureOut">
               <a:rPr lang="en-GB" smtClean="0"/>
-              <a:t>26/10/2020</a:t>
+              <a:t>27/10/2020</a:t>
             </a:fld>
             <a:endParaRPr lang="en-GB"/>
           </a:p>
@@ -17642,15 +17727,10 @@
             <p:ph type="title"/>
           </p:nvPr>
         </p:nvSpPr>
-        <p:spPr>
-          <a:xfrm>
-            <a:off x="813533" y="286604"/>
-            <a:ext cx="7543800" cy="646331"/>
-          </a:xfrm>
-        </p:spPr>
+        <p:spPr/>
         <p:txBody>
           <a:bodyPr>
-            <a:normAutofit fontScale="90000"/>
+            <a:normAutofit/>
           </a:bodyPr>
           <a:lstStyle/>
           <a:p>
@@ -17674,21 +17754,17 @@
             <a:spLocks noGrp="1"/>
           </p:cNvSpPr>
           <p:nvPr>
-            <p:ph sz="half" idx="1"/>
+            <p:ph idx="1"/>
           </p:nvPr>
         </p:nvSpPr>
         <p:spPr>
-          <a:xfrm>
-            <a:off x="848414" y="952106"/>
-            <a:ext cx="3772136" cy="5382704"/>
-          </a:xfrm>
           <a:solidFill>
             <a:schemeClr val="tx1"/>
           </a:solidFill>
         </p:spPr>
         <p:txBody>
           <a:bodyPr>
-            <a:normAutofit fontScale="85000" lnSpcReduction="20000"/>
+            <a:normAutofit/>
           </a:bodyPr>
           <a:lstStyle/>
           <a:p>
@@ -17802,7 +17878,7 @@
                 <a:effectLst/>
                 <a:latin typeface="Consolas" panose="020B0609020204030204" pitchFamily="49" charset="0"/>
               </a:rPr>
-              <a:t>        </a:t>
+              <a:t>      </a:t>
             </a:r>
             <a:r>
               <a:rPr lang="en-US" b="0" dirty="0">
@@ -17899,17 +17975,37 @@
                 <a:effectLst/>
                 <a:latin typeface="Consolas" panose="020B0609020204030204" pitchFamily="49" charset="0"/>
               </a:rPr>
-              <a:t>        </a:t>
+              <a:t>      </a:t>
+            </a:r>
+            <a:r>
+              <a:rPr lang="en-US" b="0" dirty="0" err="1">
+                <a:solidFill>
+                  <a:srgbClr val="D4D4D4"/>
+                </a:solidFill>
+                <a:effectLst/>
+                <a:latin typeface="Consolas" panose="020B0609020204030204" pitchFamily="49" charset="0"/>
+              </a:rPr>
+              <a:t>display.setText</a:t>
             </a:r>
             <a:r>
               <a:rPr lang="en-US" b="0" dirty="0">
                 <a:solidFill>
-                  <a:srgbClr val="C586C0"/>
-                </a:solidFill>
-                <a:effectLst/>
-                <a:latin typeface="Consolas" panose="020B0609020204030204" pitchFamily="49" charset="0"/>
-              </a:rPr>
-              <a:t>switch</a:t>
+                  <a:srgbClr val="D4D4D4"/>
+                </a:solidFill>
+                <a:effectLst/>
+                <a:latin typeface="Consolas" panose="020B0609020204030204" pitchFamily="49" charset="0"/>
+              </a:rPr>
+              <a:t>(</a:t>
+            </a:r>
+            <a:r>
+              <a:rPr lang="en-US" b="0" dirty="0" err="1">
+                <a:solidFill>
+                  <a:srgbClr val="D4D4D4"/>
+                </a:solidFill>
+                <a:effectLst/>
+                <a:latin typeface="Consolas" panose="020B0609020204030204" pitchFamily="49" charset="0"/>
+              </a:rPr>
+              <a:t>calc.calculate</a:t>
             </a:r>
             <a:r>
               <a:rPr lang="en-US" b="0" dirty="0">
@@ -17919,7 +18015,7 @@
                 <a:effectLst/>
                 <a:latin typeface="Consolas" panose="020B0609020204030204" pitchFamily="49" charset="0"/>
               </a:rPr>
-              <a:t>(op){</a:t>
+              <a:t>(op));</a:t>
             </a:r>
           </a:p>
           <a:p>
@@ -17929,2093 +18025,14 @@
               </a:spcBef>
             </a:pPr>
             <a:r>
-              <a:rPr lang="en-US" b="0" dirty="0">
-                <a:solidFill>
-                  <a:srgbClr val="D4D4D4"/>
-                </a:solidFill>
-                <a:effectLst/>
-                <a:latin typeface="Consolas" panose="020B0609020204030204" pitchFamily="49" charset="0"/>
-              </a:rPr>
-              <a:t>            </a:t>
-            </a:r>
-            <a:r>
-              <a:rPr lang="en-US" b="0" dirty="0">
-                <a:solidFill>
-                  <a:srgbClr val="C586C0"/>
-                </a:solidFill>
-                <a:effectLst/>
-                <a:latin typeface="Consolas" panose="020B0609020204030204" pitchFamily="49" charset="0"/>
-              </a:rPr>
-              <a:t>case</a:t>
-            </a:r>
-            <a:r>
-              <a:rPr lang="en-US" b="0" dirty="0">
-                <a:solidFill>
-                  <a:srgbClr val="D4D4D4"/>
-                </a:solidFill>
-                <a:effectLst/>
-                <a:latin typeface="Consolas" panose="020B0609020204030204" pitchFamily="49" charset="0"/>
-              </a:rPr>
-              <a:t> </a:t>
-            </a:r>
-            <a:r>
-              <a:rPr lang="en-US" b="0" dirty="0">
-                <a:solidFill>
-                  <a:srgbClr val="CE9178"/>
-                </a:solidFill>
-                <a:effectLst/>
-                <a:latin typeface="Consolas" panose="020B0609020204030204" pitchFamily="49" charset="0"/>
-              </a:rPr>
-              <a:t>"0"</a:t>
-            </a:r>
-            <a:r>
-              <a:rPr lang="en-US" b="0" dirty="0">
-                <a:solidFill>
-                  <a:srgbClr val="C586C0"/>
-                </a:solidFill>
-                <a:effectLst/>
-                <a:latin typeface="Consolas" panose="020B0609020204030204" pitchFamily="49" charset="0"/>
-              </a:rPr>
-              <a:t>:</a:t>
-            </a:r>
-            <a:endParaRPr lang="en-US" b="0" dirty="0">
-              <a:solidFill>
-                <a:srgbClr val="D4D4D4"/>
-              </a:solidFill>
-              <a:effectLst/>
-              <a:latin typeface="Consolas" panose="020B0609020204030204" pitchFamily="49" charset="0"/>
-            </a:endParaRPr>
-          </a:p>
-          <a:p>
-            <a:pPr>
-              <a:spcBef>
-                <a:spcPts val="0"/>
-              </a:spcBef>
-            </a:pPr>
-            <a:r>
-              <a:rPr lang="en-US" b="0" dirty="0">
-                <a:solidFill>
-                  <a:srgbClr val="D4D4D4"/>
-                </a:solidFill>
-                <a:effectLst/>
-                <a:latin typeface="Consolas" panose="020B0609020204030204" pitchFamily="49" charset="0"/>
-              </a:rPr>
-              <a:t>                </a:t>
-            </a:r>
-            <a:r>
-              <a:rPr lang="en-US" b="0" dirty="0">
-                <a:solidFill>
-                  <a:srgbClr val="C586C0"/>
-                </a:solidFill>
-                <a:effectLst/>
-                <a:latin typeface="Consolas" panose="020B0609020204030204" pitchFamily="49" charset="0"/>
-              </a:rPr>
-              <a:t>break</a:t>
-            </a:r>
-            <a:r>
-              <a:rPr lang="en-US" b="0" dirty="0">
-                <a:solidFill>
-                  <a:srgbClr val="D4D4D4"/>
-                </a:solidFill>
-                <a:effectLst/>
-                <a:latin typeface="Consolas" panose="020B0609020204030204" pitchFamily="49" charset="0"/>
-              </a:rPr>
-              <a:t>;</a:t>
-            </a:r>
-          </a:p>
-          <a:p>
-            <a:pPr>
-              <a:spcBef>
-                <a:spcPts val="0"/>
-              </a:spcBef>
-            </a:pPr>
-            <a:r>
-              <a:rPr lang="en-US" b="0" dirty="0">
-                <a:solidFill>
-                  <a:srgbClr val="D4D4D4"/>
-                </a:solidFill>
-                <a:effectLst/>
-                <a:latin typeface="Consolas" panose="020B0609020204030204" pitchFamily="49" charset="0"/>
-              </a:rPr>
-              <a:t>            </a:t>
-            </a:r>
-            <a:r>
-              <a:rPr lang="en-US" b="0" dirty="0">
-                <a:solidFill>
-                  <a:srgbClr val="C586C0"/>
-                </a:solidFill>
-                <a:effectLst/>
-                <a:latin typeface="Consolas" panose="020B0609020204030204" pitchFamily="49" charset="0"/>
-              </a:rPr>
-              <a:t>case</a:t>
-            </a:r>
-            <a:r>
-              <a:rPr lang="en-US" b="0" dirty="0">
-                <a:solidFill>
-                  <a:srgbClr val="D4D4D4"/>
-                </a:solidFill>
-                <a:effectLst/>
-                <a:latin typeface="Consolas" panose="020B0609020204030204" pitchFamily="49" charset="0"/>
-              </a:rPr>
-              <a:t> </a:t>
-            </a:r>
-            <a:r>
-              <a:rPr lang="en-US" b="0" dirty="0">
-                <a:solidFill>
-                  <a:srgbClr val="CE9178"/>
-                </a:solidFill>
-                <a:effectLst/>
-                <a:latin typeface="Consolas" panose="020B0609020204030204" pitchFamily="49" charset="0"/>
-              </a:rPr>
-              <a:t>"1"</a:t>
-            </a:r>
-            <a:r>
-              <a:rPr lang="en-US" b="0" dirty="0">
-                <a:solidFill>
-                  <a:srgbClr val="C586C0"/>
-                </a:solidFill>
-                <a:effectLst/>
-                <a:latin typeface="Consolas" panose="020B0609020204030204" pitchFamily="49" charset="0"/>
-              </a:rPr>
-              <a:t>:</a:t>
-            </a:r>
-            <a:endParaRPr lang="en-US" b="0" dirty="0">
-              <a:solidFill>
-                <a:srgbClr val="D4D4D4"/>
-              </a:solidFill>
-              <a:effectLst/>
-              <a:latin typeface="Consolas" panose="020B0609020204030204" pitchFamily="49" charset="0"/>
-            </a:endParaRPr>
-          </a:p>
-          <a:p>
-            <a:pPr>
-              <a:spcBef>
-                <a:spcPts val="0"/>
-              </a:spcBef>
-            </a:pPr>
-            <a:r>
-              <a:rPr lang="en-US" b="0" dirty="0">
-                <a:solidFill>
-                  <a:srgbClr val="D4D4D4"/>
-                </a:solidFill>
-                <a:effectLst/>
-                <a:latin typeface="Consolas" panose="020B0609020204030204" pitchFamily="49" charset="0"/>
-              </a:rPr>
-              <a:t>                </a:t>
-            </a:r>
-            <a:r>
-              <a:rPr lang="en-US" b="0" dirty="0">
-                <a:solidFill>
-                  <a:srgbClr val="C586C0"/>
-                </a:solidFill>
-                <a:effectLst/>
-                <a:latin typeface="Consolas" panose="020B0609020204030204" pitchFamily="49" charset="0"/>
-              </a:rPr>
-              <a:t>break</a:t>
-            </a:r>
-            <a:r>
-              <a:rPr lang="en-US" b="0" dirty="0">
-                <a:solidFill>
-                  <a:srgbClr val="D4D4D4"/>
-                </a:solidFill>
-                <a:effectLst/>
-                <a:latin typeface="Consolas" panose="020B0609020204030204" pitchFamily="49" charset="0"/>
-              </a:rPr>
-              <a:t>;</a:t>
-            </a:r>
-          </a:p>
-          <a:p>
-            <a:pPr>
-              <a:spcBef>
-                <a:spcPts val="0"/>
-              </a:spcBef>
-            </a:pPr>
-            <a:r>
-              <a:rPr lang="en-US" b="0" dirty="0">
-                <a:solidFill>
-                  <a:srgbClr val="D4D4D4"/>
-                </a:solidFill>
-                <a:effectLst/>
-                <a:latin typeface="Consolas" panose="020B0609020204030204" pitchFamily="49" charset="0"/>
-              </a:rPr>
-              <a:t>            </a:t>
-            </a:r>
-            <a:r>
-              <a:rPr lang="en-US" b="0" dirty="0">
-                <a:solidFill>
-                  <a:srgbClr val="C586C0"/>
-                </a:solidFill>
-                <a:effectLst/>
-                <a:latin typeface="Consolas" panose="020B0609020204030204" pitchFamily="49" charset="0"/>
-              </a:rPr>
-              <a:t>case</a:t>
-            </a:r>
-            <a:r>
-              <a:rPr lang="en-US" b="0" dirty="0">
-                <a:solidFill>
-                  <a:srgbClr val="D4D4D4"/>
-                </a:solidFill>
-                <a:effectLst/>
-                <a:latin typeface="Consolas" panose="020B0609020204030204" pitchFamily="49" charset="0"/>
-              </a:rPr>
-              <a:t> </a:t>
-            </a:r>
-            <a:r>
-              <a:rPr lang="en-US" b="0" dirty="0">
-                <a:solidFill>
-                  <a:srgbClr val="CE9178"/>
-                </a:solidFill>
-                <a:effectLst/>
-                <a:latin typeface="Consolas" panose="020B0609020204030204" pitchFamily="49" charset="0"/>
-              </a:rPr>
-              <a:t>"2"</a:t>
-            </a:r>
-            <a:r>
-              <a:rPr lang="en-US" b="0" dirty="0">
-                <a:solidFill>
-                  <a:srgbClr val="C586C0"/>
-                </a:solidFill>
-                <a:effectLst/>
-                <a:latin typeface="Consolas" panose="020B0609020204030204" pitchFamily="49" charset="0"/>
-              </a:rPr>
-              <a:t>:</a:t>
-            </a:r>
-            <a:endParaRPr lang="en-US" b="0" dirty="0">
-              <a:solidFill>
-                <a:srgbClr val="D4D4D4"/>
-              </a:solidFill>
-              <a:effectLst/>
-              <a:latin typeface="Consolas" panose="020B0609020204030204" pitchFamily="49" charset="0"/>
-            </a:endParaRPr>
-          </a:p>
-          <a:p>
-            <a:pPr>
-              <a:spcBef>
-                <a:spcPts val="0"/>
-              </a:spcBef>
-            </a:pPr>
-            <a:r>
-              <a:rPr lang="en-US" b="0" dirty="0">
-                <a:solidFill>
-                  <a:srgbClr val="D4D4D4"/>
-                </a:solidFill>
-                <a:effectLst/>
-                <a:latin typeface="Consolas" panose="020B0609020204030204" pitchFamily="49" charset="0"/>
-              </a:rPr>
-              <a:t>                </a:t>
-            </a:r>
-            <a:r>
-              <a:rPr lang="en-US" b="0" dirty="0">
-                <a:solidFill>
-                  <a:srgbClr val="C586C0"/>
-                </a:solidFill>
-                <a:effectLst/>
-                <a:latin typeface="Consolas" panose="020B0609020204030204" pitchFamily="49" charset="0"/>
-              </a:rPr>
-              <a:t>break</a:t>
-            </a:r>
-            <a:r>
-              <a:rPr lang="en-US" b="0" dirty="0">
-                <a:solidFill>
-                  <a:srgbClr val="D4D4D4"/>
-                </a:solidFill>
-                <a:effectLst/>
-                <a:latin typeface="Consolas" panose="020B0609020204030204" pitchFamily="49" charset="0"/>
-              </a:rPr>
-              <a:t>;</a:t>
-            </a:r>
-          </a:p>
-          <a:p>
-            <a:pPr>
-              <a:spcBef>
-                <a:spcPts val="0"/>
-              </a:spcBef>
-            </a:pPr>
-            <a:r>
-              <a:rPr lang="en-US" b="0" dirty="0">
-                <a:solidFill>
-                  <a:srgbClr val="D4D4D4"/>
-                </a:solidFill>
-                <a:effectLst/>
-                <a:latin typeface="Consolas" panose="020B0609020204030204" pitchFamily="49" charset="0"/>
-              </a:rPr>
-              <a:t>            </a:t>
-            </a:r>
-            <a:r>
-              <a:rPr lang="en-US" b="0" dirty="0">
-                <a:solidFill>
-                  <a:srgbClr val="C586C0"/>
-                </a:solidFill>
-                <a:effectLst/>
-                <a:latin typeface="Consolas" panose="020B0609020204030204" pitchFamily="49" charset="0"/>
-              </a:rPr>
-              <a:t>case</a:t>
-            </a:r>
-            <a:r>
-              <a:rPr lang="en-US" b="0" dirty="0">
-                <a:solidFill>
-                  <a:srgbClr val="D4D4D4"/>
-                </a:solidFill>
-                <a:effectLst/>
-                <a:latin typeface="Consolas" panose="020B0609020204030204" pitchFamily="49" charset="0"/>
-              </a:rPr>
-              <a:t> </a:t>
-            </a:r>
-            <a:r>
-              <a:rPr lang="en-US" b="0" dirty="0">
-                <a:solidFill>
-                  <a:srgbClr val="CE9178"/>
-                </a:solidFill>
-                <a:effectLst/>
-                <a:latin typeface="Consolas" panose="020B0609020204030204" pitchFamily="49" charset="0"/>
-              </a:rPr>
-              <a:t>"3"</a:t>
-            </a:r>
-            <a:r>
-              <a:rPr lang="en-US" b="0" dirty="0">
-                <a:solidFill>
-                  <a:srgbClr val="C586C0"/>
-                </a:solidFill>
-                <a:effectLst/>
-                <a:latin typeface="Consolas" panose="020B0609020204030204" pitchFamily="49" charset="0"/>
-              </a:rPr>
-              <a:t>:</a:t>
-            </a:r>
-            <a:endParaRPr lang="en-US" b="0" dirty="0">
-              <a:solidFill>
-                <a:srgbClr val="D4D4D4"/>
-              </a:solidFill>
-              <a:effectLst/>
-              <a:latin typeface="Consolas" panose="020B0609020204030204" pitchFamily="49" charset="0"/>
-            </a:endParaRPr>
-          </a:p>
-          <a:p>
-            <a:pPr>
-              <a:spcBef>
-                <a:spcPts val="0"/>
-              </a:spcBef>
-            </a:pPr>
-            <a:r>
-              <a:rPr lang="en-US" b="0" dirty="0">
-                <a:solidFill>
-                  <a:srgbClr val="D4D4D4"/>
-                </a:solidFill>
-                <a:effectLst/>
-                <a:latin typeface="Consolas" panose="020B0609020204030204" pitchFamily="49" charset="0"/>
-              </a:rPr>
-              <a:t>                </a:t>
-            </a:r>
-            <a:r>
-              <a:rPr lang="en-US" b="0" dirty="0">
-                <a:solidFill>
-                  <a:srgbClr val="C586C0"/>
-                </a:solidFill>
-                <a:effectLst/>
-                <a:latin typeface="Consolas" panose="020B0609020204030204" pitchFamily="49" charset="0"/>
-              </a:rPr>
-              <a:t>break</a:t>
-            </a:r>
-            <a:r>
-              <a:rPr lang="en-US" b="0" dirty="0">
-                <a:solidFill>
-                  <a:srgbClr val="D4D4D4"/>
-                </a:solidFill>
-                <a:effectLst/>
-                <a:latin typeface="Consolas" panose="020B0609020204030204" pitchFamily="49" charset="0"/>
-              </a:rPr>
-              <a:t>;</a:t>
-            </a:r>
-          </a:p>
-          <a:p>
-            <a:pPr>
-              <a:spcBef>
-                <a:spcPts val="0"/>
-              </a:spcBef>
-            </a:pPr>
-            <a:r>
-              <a:rPr lang="en-US" b="0" dirty="0">
-                <a:solidFill>
-                  <a:srgbClr val="D4D4D4"/>
-                </a:solidFill>
-                <a:effectLst/>
-                <a:latin typeface="Consolas" panose="020B0609020204030204" pitchFamily="49" charset="0"/>
-              </a:rPr>
-              <a:t>            </a:t>
-            </a:r>
-            <a:r>
-              <a:rPr lang="en-US" b="0" dirty="0">
-                <a:solidFill>
-                  <a:srgbClr val="C586C0"/>
-                </a:solidFill>
-                <a:effectLst/>
-                <a:latin typeface="Consolas" panose="020B0609020204030204" pitchFamily="49" charset="0"/>
-              </a:rPr>
-              <a:t>case</a:t>
-            </a:r>
-            <a:r>
-              <a:rPr lang="en-US" b="0" dirty="0">
-                <a:solidFill>
-                  <a:srgbClr val="D4D4D4"/>
-                </a:solidFill>
-                <a:effectLst/>
-                <a:latin typeface="Consolas" panose="020B0609020204030204" pitchFamily="49" charset="0"/>
-              </a:rPr>
-              <a:t> </a:t>
-            </a:r>
-            <a:r>
-              <a:rPr lang="en-US" b="0" dirty="0">
-                <a:solidFill>
-                  <a:srgbClr val="CE9178"/>
-                </a:solidFill>
-                <a:effectLst/>
-                <a:latin typeface="Consolas" panose="020B0609020204030204" pitchFamily="49" charset="0"/>
-              </a:rPr>
-              <a:t>"4"</a:t>
-            </a:r>
-            <a:r>
-              <a:rPr lang="en-US" b="0" dirty="0">
-                <a:solidFill>
-                  <a:srgbClr val="C586C0"/>
-                </a:solidFill>
-                <a:effectLst/>
-                <a:latin typeface="Consolas" panose="020B0609020204030204" pitchFamily="49" charset="0"/>
-              </a:rPr>
-              <a:t>:</a:t>
-            </a:r>
-            <a:endParaRPr lang="en-US" b="0" dirty="0">
-              <a:solidFill>
-                <a:srgbClr val="D4D4D4"/>
-              </a:solidFill>
-              <a:effectLst/>
-              <a:latin typeface="Consolas" panose="020B0609020204030204" pitchFamily="49" charset="0"/>
-            </a:endParaRPr>
-          </a:p>
-          <a:p>
-            <a:pPr>
-              <a:spcBef>
-                <a:spcPts val="0"/>
-              </a:spcBef>
-            </a:pPr>
-            <a:r>
-              <a:rPr lang="en-US" b="0" dirty="0">
-                <a:solidFill>
-                  <a:srgbClr val="D4D4D4"/>
-                </a:solidFill>
-                <a:effectLst/>
-                <a:latin typeface="Consolas" panose="020B0609020204030204" pitchFamily="49" charset="0"/>
-              </a:rPr>
-              <a:t>                </a:t>
-            </a:r>
-            <a:r>
-              <a:rPr lang="en-US" b="0" dirty="0">
-                <a:solidFill>
-                  <a:srgbClr val="C586C0"/>
-                </a:solidFill>
-                <a:effectLst/>
-                <a:latin typeface="Consolas" panose="020B0609020204030204" pitchFamily="49" charset="0"/>
-              </a:rPr>
-              <a:t>break</a:t>
-            </a:r>
-            <a:r>
-              <a:rPr lang="en-US" b="0" dirty="0">
-                <a:solidFill>
-                  <a:srgbClr val="D4D4D4"/>
-                </a:solidFill>
-                <a:effectLst/>
-                <a:latin typeface="Consolas" panose="020B0609020204030204" pitchFamily="49" charset="0"/>
-              </a:rPr>
-              <a:t>;</a:t>
-            </a:r>
-          </a:p>
-          <a:p>
-            <a:pPr>
-              <a:spcBef>
-                <a:spcPts val="0"/>
-              </a:spcBef>
-            </a:pPr>
-            <a:r>
-              <a:rPr lang="en-US" b="0" dirty="0">
-                <a:solidFill>
-                  <a:srgbClr val="D4D4D4"/>
-                </a:solidFill>
-                <a:effectLst/>
-                <a:latin typeface="Consolas" panose="020B0609020204030204" pitchFamily="49" charset="0"/>
-              </a:rPr>
-              <a:t>            </a:t>
-            </a:r>
-            <a:r>
-              <a:rPr lang="en-US" b="0" dirty="0">
-                <a:solidFill>
-                  <a:srgbClr val="C586C0"/>
-                </a:solidFill>
-                <a:effectLst/>
-                <a:latin typeface="Consolas" panose="020B0609020204030204" pitchFamily="49" charset="0"/>
-              </a:rPr>
-              <a:t>case</a:t>
-            </a:r>
-            <a:r>
-              <a:rPr lang="en-US" b="0" dirty="0">
-                <a:solidFill>
-                  <a:srgbClr val="D4D4D4"/>
-                </a:solidFill>
-                <a:effectLst/>
-                <a:latin typeface="Consolas" panose="020B0609020204030204" pitchFamily="49" charset="0"/>
-              </a:rPr>
-              <a:t> </a:t>
-            </a:r>
-            <a:r>
-              <a:rPr lang="en-US" b="0" dirty="0">
-                <a:solidFill>
-                  <a:srgbClr val="CE9178"/>
-                </a:solidFill>
-                <a:effectLst/>
-                <a:latin typeface="Consolas" panose="020B0609020204030204" pitchFamily="49" charset="0"/>
-              </a:rPr>
-              <a:t>"5"</a:t>
-            </a:r>
-            <a:r>
-              <a:rPr lang="en-US" b="0" dirty="0">
-                <a:solidFill>
-                  <a:srgbClr val="C586C0"/>
-                </a:solidFill>
-                <a:effectLst/>
-                <a:latin typeface="Consolas" panose="020B0609020204030204" pitchFamily="49" charset="0"/>
-              </a:rPr>
-              <a:t>:</a:t>
-            </a:r>
-            <a:endParaRPr lang="en-US" b="0" dirty="0">
-              <a:solidFill>
-                <a:srgbClr val="D4D4D4"/>
-              </a:solidFill>
-              <a:effectLst/>
-              <a:latin typeface="Consolas" panose="020B0609020204030204" pitchFamily="49" charset="0"/>
-            </a:endParaRPr>
-          </a:p>
-          <a:p>
-            <a:pPr>
-              <a:spcBef>
-                <a:spcPts val="0"/>
-              </a:spcBef>
-            </a:pPr>
-            <a:r>
-              <a:rPr lang="en-US" b="0" dirty="0">
-                <a:solidFill>
-                  <a:srgbClr val="D4D4D4"/>
-                </a:solidFill>
-                <a:effectLst/>
-                <a:latin typeface="Consolas" panose="020B0609020204030204" pitchFamily="49" charset="0"/>
-              </a:rPr>
-              <a:t>                </a:t>
-            </a:r>
-            <a:r>
-              <a:rPr lang="en-US" b="0" dirty="0">
-                <a:solidFill>
-                  <a:srgbClr val="C586C0"/>
-                </a:solidFill>
-                <a:effectLst/>
-                <a:latin typeface="Consolas" panose="020B0609020204030204" pitchFamily="49" charset="0"/>
-              </a:rPr>
-              <a:t>break</a:t>
-            </a:r>
-            <a:r>
-              <a:rPr lang="en-US" b="0" dirty="0">
-                <a:solidFill>
-                  <a:srgbClr val="D4D4D4"/>
-                </a:solidFill>
-                <a:effectLst/>
-                <a:latin typeface="Consolas" panose="020B0609020204030204" pitchFamily="49" charset="0"/>
-              </a:rPr>
-              <a:t>;</a:t>
-            </a:r>
-          </a:p>
-          <a:p>
-            <a:pPr>
-              <a:spcBef>
-                <a:spcPts val="0"/>
-              </a:spcBef>
-            </a:pPr>
-            <a:r>
-              <a:rPr lang="en-US" b="0" dirty="0">
-                <a:solidFill>
-                  <a:srgbClr val="D4D4D4"/>
-                </a:solidFill>
-                <a:effectLst/>
-                <a:latin typeface="Consolas" panose="020B0609020204030204" pitchFamily="49" charset="0"/>
-              </a:rPr>
-              <a:t>            </a:t>
-            </a:r>
-            <a:r>
-              <a:rPr lang="en-US" b="0" dirty="0">
-                <a:solidFill>
-                  <a:srgbClr val="C586C0"/>
-                </a:solidFill>
-                <a:effectLst/>
-                <a:latin typeface="Consolas" panose="020B0609020204030204" pitchFamily="49" charset="0"/>
-              </a:rPr>
-              <a:t>case</a:t>
-            </a:r>
-            <a:r>
-              <a:rPr lang="en-US" b="0" dirty="0">
-                <a:solidFill>
-                  <a:srgbClr val="D4D4D4"/>
-                </a:solidFill>
-                <a:effectLst/>
-                <a:latin typeface="Consolas" panose="020B0609020204030204" pitchFamily="49" charset="0"/>
-              </a:rPr>
-              <a:t> </a:t>
-            </a:r>
-            <a:r>
-              <a:rPr lang="en-US" b="0" dirty="0">
-                <a:solidFill>
-                  <a:srgbClr val="CE9178"/>
-                </a:solidFill>
-                <a:effectLst/>
-                <a:latin typeface="Consolas" panose="020B0609020204030204" pitchFamily="49" charset="0"/>
-              </a:rPr>
-              <a:t>"6"</a:t>
-            </a:r>
-            <a:r>
-              <a:rPr lang="en-US" b="0" dirty="0">
-                <a:solidFill>
-                  <a:srgbClr val="C586C0"/>
-                </a:solidFill>
-                <a:effectLst/>
-                <a:latin typeface="Consolas" panose="020B0609020204030204" pitchFamily="49" charset="0"/>
-              </a:rPr>
-              <a:t>:</a:t>
-            </a:r>
-            <a:endParaRPr lang="en-US" b="0" dirty="0">
-              <a:solidFill>
-                <a:srgbClr val="D4D4D4"/>
-              </a:solidFill>
-              <a:effectLst/>
-              <a:latin typeface="Consolas" panose="020B0609020204030204" pitchFamily="49" charset="0"/>
-            </a:endParaRPr>
-          </a:p>
-          <a:p>
-            <a:pPr>
-              <a:spcBef>
-                <a:spcPts val="0"/>
-              </a:spcBef>
-            </a:pPr>
-            <a:r>
-              <a:rPr lang="en-US" b="0" dirty="0">
-                <a:solidFill>
-                  <a:srgbClr val="D4D4D4"/>
-                </a:solidFill>
-                <a:effectLst/>
-                <a:latin typeface="Consolas" panose="020B0609020204030204" pitchFamily="49" charset="0"/>
-              </a:rPr>
-              <a:t>                </a:t>
-            </a:r>
-            <a:r>
-              <a:rPr lang="en-US" b="0" dirty="0">
-                <a:solidFill>
-                  <a:srgbClr val="C586C0"/>
-                </a:solidFill>
-                <a:effectLst/>
-                <a:latin typeface="Consolas" panose="020B0609020204030204" pitchFamily="49" charset="0"/>
-              </a:rPr>
-              <a:t>break</a:t>
-            </a:r>
-            <a:r>
-              <a:rPr lang="en-US" b="0" dirty="0">
-                <a:solidFill>
-                  <a:srgbClr val="D4D4D4"/>
-                </a:solidFill>
-                <a:effectLst/>
-                <a:latin typeface="Consolas" panose="020B0609020204030204" pitchFamily="49" charset="0"/>
-              </a:rPr>
-              <a:t>;</a:t>
-            </a:r>
-          </a:p>
-          <a:p>
-            <a:pPr>
-              <a:spcBef>
-                <a:spcPts val="0"/>
-              </a:spcBef>
-            </a:pPr>
-            <a:r>
-              <a:rPr lang="en-US" b="0" dirty="0">
-                <a:solidFill>
-                  <a:srgbClr val="D4D4D4"/>
-                </a:solidFill>
-                <a:effectLst/>
-                <a:latin typeface="Consolas" panose="020B0609020204030204" pitchFamily="49" charset="0"/>
-              </a:rPr>
-              <a:t>            </a:t>
-            </a:r>
-            <a:r>
-              <a:rPr lang="en-US" b="0" dirty="0">
-                <a:solidFill>
-                  <a:srgbClr val="C586C0"/>
-                </a:solidFill>
-                <a:effectLst/>
-                <a:latin typeface="Consolas" panose="020B0609020204030204" pitchFamily="49" charset="0"/>
-              </a:rPr>
-              <a:t>case</a:t>
-            </a:r>
-            <a:r>
-              <a:rPr lang="en-US" b="0" dirty="0">
-                <a:solidFill>
-                  <a:srgbClr val="D4D4D4"/>
-                </a:solidFill>
-                <a:effectLst/>
-                <a:latin typeface="Consolas" panose="020B0609020204030204" pitchFamily="49" charset="0"/>
-              </a:rPr>
-              <a:t> </a:t>
-            </a:r>
-            <a:r>
-              <a:rPr lang="en-US" b="0" dirty="0">
-                <a:solidFill>
-                  <a:srgbClr val="CE9178"/>
-                </a:solidFill>
-                <a:effectLst/>
-                <a:latin typeface="Consolas" panose="020B0609020204030204" pitchFamily="49" charset="0"/>
-              </a:rPr>
-              <a:t>"7"</a:t>
-            </a:r>
-            <a:r>
-              <a:rPr lang="en-US" b="0" dirty="0">
-                <a:solidFill>
-                  <a:srgbClr val="C586C0"/>
-                </a:solidFill>
-                <a:effectLst/>
-                <a:latin typeface="Consolas" panose="020B0609020204030204" pitchFamily="49" charset="0"/>
-              </a:rPr>
-              <a:t>:</a:t>
-            </a:r>
-            <a:endParaRPr lang="en-US" b="0" dirty="0">
-              <a:solidFill>
-                <a:srgbClr val="D4D4D4"/>
-              </a:solidFill>
-              <a:effectLst/>
-              <a:latin typeface="Consolas" panose="020B0609020204030204" pitchFamily="49" charset="0"/>
-            </a:endParaRPr>
-          </a:p>
-          <a:p>
-            <a:pPr>
-              <a:spcBef>
-                <a:spcPts val="0"/>
-              </a:spcBef>
-            </a:pPr>
-            <a:r>
-              <a:rPr lang="en-US" b="0" dirty="0">
-                <a:solidFill>
-                  <a:srgbClr val="D4D4D4"/>
-                </a:solidFill>
-                <a:effectLst/>
-                <a:latin typeface="Consolas" panose="020B0609020204030204" pitchFamily="49" charset="0"/>
-              </a:rPr>
-              <a:t>                </a:t>
-            </a:r>
-            <a:r>
-              <a:rPr lang="en-US" b="0" dirty="0">
-                <a:solidFill>
-                  <a:srgbClr val="C586C0"/>
-                </a:solidFill>
-                <a:effectLst/>
-                <a:latin typeface="Consolas" panose="020B0609020204030204" pitchFamily="49" charset="0"/>
-              </a:rPr>
-              <a:t>break</a:t>
-            </a:r>
-            <a:r>
-              <a:rPr lang="en-US" b="0" dirty="0">
-                <a:solidFill>
-                  <a:srgbClr val="D4D4D4"/>
-                </a:solidFill>
-                <a:effectLst/>
-                <a:latin typeface="Consolas" panose="020B0609020204030204" pitchFamily="49" charset="0"/>
-              </a:rPr>
-              <a:t>;</a:t>
-            </a:r>
-          </a:p>
-          <a:p>
-            <a:pPr>
-              <a:spcBef>
-                <a:spcPts val="0"/>
-              </a:spcBef>
-            </a:pPr>
-            <a:r>
-              <a:rPr lang="en-US" b="0" dirty="0">
-                <a:solidFill>
-                  <a:srgbClr val="D4D4D4"/>
-                </a:solidFill>
-                <a:effectLst/>
-                <a:latin typeface="Consolas" panose="020B0609020204030204" pitchFamily="49" charset="0"/>
-              </a:rPr>
-              <a:t>            </a:t>
-            </a:r>
-            <a:r>
-              <a:rPr lang="en-US" b="0" dirty="0">
-                <a:solidFill>
-                  <a:srgbClr val="C586C0"/>
-                </a:solidFill>
-                <a:effectLst/>
-                <a:latin typeface="Consolas" panose="020B0609020204030204" pitchFamily="49" charset="0"/>
-              </a:rPr>
-              <a:t>case</a:t>
-            </a:r>
-            <a:r>
-              <a:rPr lang="en-US" b="0" dirty="0">
-                <a:solidFill>
-                  <a:srgbClr val="D4D4D4"/>
-                </a:solidFill>
-                <a:effectLst/>
-                <a:latin typeface="Consolas" panose="020B0609020204030204" pitchFamily="49" charset="0"/>
-              </a:rPr>
-              <a:t> </a:t>
-            </a:r>
-            <a:r>
-              <a:rPr lang="en-US" b="0" dirty="0">
-                <a:solidFill>
-                  <a:srgbClr val="CE9178"/>
-                </a:solidFill>
-                <a:effectLst/>
-                <a:latin typeface="Consolas" panose="020B0609020204030204" pitchFamily="49" charset="0"/>
-              </a:rPr>
-              <a:t>"8"</a:t>
-            </a:r>
-            <a:r>
-              <a:rPr lang="en-US" b="0" dirty="0">
-                <a:solidFill>
-                  <a:srgbClr val="C586C0"/>
-                </a:solidFill>
-                <a:effectLst/>
-                <a:latin typeface="Consolas" panose="020B0609020204030204" pitchFamily="49" charset="0"/>
-              </a:rPr>
-              <a:t>:</a:t>
-            </a:r>
-            <a:endParaRPr lang="en-US" b="0" dirty="0">
-              <a:solidFill>
-                <a:srgbClr val="D4D4D4"/>
-              </a:solidFill>
-              <a:effectLst/>
-              <a:latin typeface="Consolas" panose="020B0609020204030204" pitchFamily="49" charset="0"/>
-            </a:endParaRPr>
-          </a:p>
-          <a:p>
-            <a:pPr>
-              <a:spcBef>
-                <a:spcPts val="0"/>
-              </a:spcBef>
-            </a:pPr>
-            <a:r>
-              <a:rPr lang="en-US" b="0" dirty="0">
-                <a:solidFill>
-                  <a:srgbClr val="D4D4D4"/>
-                </a:solidFill>
-                <a:effectLst/>
-                <a:latin typeface="Consolas" panose="020B0609020204030204" pitchFamily="49" charset="0"/>
-              </a:rPr>
-              <a:t>                </a:t>
-            </a:r>
-            <a:r>
-              <a:rPr lang="en-US" b="0" dirty="0">
-                <a:solidFill>
-                  <a:srgbClr val="C586C0"/>
-                </a:solidFill>
-                <a:effectLst/>
-                <a:latin typeface="Consolas" panose="020B0609020204030204" pitchFamily="49" charset="0"/>
-              </a:rPr>
-              <a:t>break</a:t>
-            </a:r>
-            <a:r>
-              <a:rPr lang="en-US" b="0" dirty="0">
-                <a:solidFill>
-                  <a:srgbClr val="D4D4D4"/>
-                </a:solidFill>
-                <a:effectLst/>
-                <a:latin typeface="Consolas" panose="020B0609020204030204" pitchFamily="49" charset="0"/>
-              </a:rPr>
-              <a:t>;</a:t>
-            </a:r>
-          </a:p>
-          <a:p>
-            <a:pPr>
-              <a:spcBef>
-                <a:spcPts val="0"/>
-              </a:spcBef>
-            </a:pPr>
-            <a:r>
-              <a:rPr lang="en-US" b="0" dirty="0">
-                <a:solidFill>
-                  <a:srgbClr val="D4D4D4"/>
-                </a:solidFill>
-                <a:effectLst/>
-                <a:latin typeface="Consolas" panose="020B0609020204030204" pitchFamily="49" charset="0"/>
-              </a:rPr>
-              <a:t>            </a:t>
-            </a:r>
-            <a:r>
-              <a:rPr lang="en-US" b="0" dirty="0">
-                <a:solidFill>
-                  <a:srgbClr val="C586C0"/>
-                </a:solidFill>
-                <a:effectLst/>
-                <a:latin typeface="Consolas" panose="020B0609020204030204" pitchFamily="49" charset="0"/>
-              </a:rPr>
-              <a:t>case</a:t>
-            </a:r>
-            <a:r>
-              <a:rPr lang="en-US" b="0" dirty="0">
-                <a:solidFill>
-                  <a:srgbClr val="D4D4D4"/>
-                </a:solidFill>
-                <a:effectLst/>
-                <a:latin typeface="Consolas" panose="020B0609020204030204" pitchFamily="49" charset="0"/>
-              </a:rPr>
-              <a:t> </a:t>
-            </a:r>
-            <a:r>
-              <a:rPr lang="en-US" b="0" dirty="0">
-                <a:solidFill>
-                  <a:srgbClr val="CE9178"/>
-                </a:solidFill>
-                <a:effectLst/>
-                <a:latin typeface="Consolas" panose="020B0609020204030204" pitchFamily="49" charset="0"/>
-              </a:rPr>
-              <a:t>"9"</a:t>
-            </a:r>
-            <a:r>
-              <a:rPr lang="en-US" b="0" dirty="0">
-                <a:solidFill>
-                  <a:srgbClr val="C586C0"/>
-                </a:solidFill>
-                <a:effectLst/>
-                <a:latin typeface="Consolas" panose="020B0609020204030204" pitchFamily="49" charset="0"/>
-              </a:rPr>
-              <a:t>:</a:t>
-            </a:r>
-            <a:endParaRPr lang="en-US" b="0" dirty="0">
-              <a:solidFill>
-                <a:srgbClr val="D4D4D4"/>
-              </a:solidFill>
-              <a:effectLst/>
-              <a:latin typeface="Consolas" panose="020B0609020204030204" pitchFamily="49" charset="0"/>
-            </a:endParaRPr>
-          </a:p>
-          <a:p>
-            <a:pPr>
-              <a:spcBef>
-                <a:spcPts val="0"/>
-              </a:spcBef>
-            </a:pPr>
-            <a:r>
-              <a:rPr lang="en-US" b="0" dirty="0">
-                <a:solidFill>
-                  <a:srgbClr val="D4D4D4"/>
-                </a:solidFill>
-                <a:effectLst/>
-                <a:latin typeface="Consolas" panose="020B0609020204030204" pitchFamily="49" charset="0"/>
-              </a:rPr>
-              <a:t>                </a:t>
-            </a:r>
-            <a:r>
-              <a:rPr lang="en-US" b="0" dirty="0">
-                <a:solidFill>
-                  <a:srgbClr val="C586C0"/>
-                </a:solidFill>
-                <a:effectLst/>
-                <a:latin typeface="Consolas" panose="020B0609020204030204" pitchFamily="49" charset="0"/>
-              </a:rPr>
-              <a:t>break</a:t>
-            </a:r>
-            <a:r>
-              <a:rPr lang="en-US" b="0" dirty="0">
-                <a:solidFill>
-                  <a:srgbClr val="D4D4D4"/>
-                </a:solidFill>
-                <a:effectLst/>
-                <a:latin typeface="Consolas" panose="020B0609020204030204" pitchFamily="49" charset="0"/>
-              </a:rPr>
-              <a:t>;</a:t>
-            </a:r>
-          </a:p>
-          <a:p>
-            <a:pPr marL="201168" lvl="1" indent="0">
-              <a:spcBef>
-                <a:spcPts val="0"/>
-              </a:spcBef>
-              <a:buNone/>
-            </a:pPr>
-            <a:endParaRPr lang="en-GB" dirty="0"/>
-          </a:p>
-        </p:txBody>
-      </p:sp>
-      <p:sp>
-        <p:nvSpPr>
-          <p:cNvPr id="4" name="Content Placeholder 3">
-            <a:extLst>
-              <a:ext uri="{FF2B5EF4-FFF2-40B4-BE49-F238E27FC236}">
-                <a16:creationId xmlns:a16="http://schemas.microsoft.com/office/drawing/2014/main" id="{484C5B21-C1AE-47E0-887A-919646C86704}"/>
-              </a:ext>
-            </a:extLst>
-          </p:cNvPr>
-          <p:cNvSpPr>
-            <a:spLocks noGrp="1"/>
-          </p:cNvSpPr>
-          <p:nvPr>
-            <p:ph sz="half" idx="2"/>
-          </p:nvPr>
-        </p:nvSpPr>
-        <p:spPr>
-          <a:xfrm>
-            <a:off x="4757710" y="952108"/>
-            <a:ext cx="3703320" cy="5382703"/>
-          </a:xfrm>
-          <a:solidFill>
-            <a:schemeClr val="tx1"/>
-          </a:solidFill>
-        </p:spPr>
-        <p:txBody>
-          <a:bodyPr>
-            <a:normAutofit fontScale="85000" lnSpcReduction="20000"/>
-          </a:bodyPr>
-          <a:lstStyle/>
-          <a:p>
-            <a:pPr>
-              <a:spcBef>
-                <a:spcPts val="0"/>
-              </a:spcBef>
-            </a:pPr>
-            <a:r>
-              <a:rPr lang="en-US" b="0" dirty="0">
-                <a:solidFill>
-                  <a:srgbClr val="D4D4D4"/>
-                </a:solidFill>
-                <a:effectLst/>
-                <a:latin typeface="Consolas" panose="020B0609020204030204" pitchFamily="49" charset="0"/>
-              </a:rPr>
-              <a:t>            </a:t>
-            </a:r>
-            <a:r>
-              <a:rPr lang="en-US" b="0" dirty="0">
-                <a:solidFill>
-                  <a:srgbClr val="C586C0"/>
-                </a:solidFill>
-                <a:effectLst/>
-                <a:latin typeface="Consolas" panose="020B0609020204030204" pitchFamily="49" charset="0"/>
-              </a:rPr>
-              <a:t>case</a:t>
-            </a:r>
-            <a:r>
-              <a:rPr lang="en-US" b="0" dirty="0">
-                <a:solidFill>
-                  <a:srgbClr val="D4D4D4"/>
-                </a:solidFill>
-                <a:effectLst/>
-                <a:latin typeface="Consolas" panose="020B0609020204030204" pitchFamily="49" charset="0"/>
-              </a:rPr>
-              <a:t> </a:t>
-            </a:r>
-            <a:r>
-              <a:rPr lang="en-US" b="0" dirty="0">
-                <a:solidFill>
-                  <a:srgbClr val="CE9178"/>
-                </a:solidFill>
-                <a:effectLst/>
-                <a:latin typeface="Consolas" panose="020B0609020204030204" pitchFamily="49" charset="0"/>
-              </a:rPr>
-              <a:t>"="</a:t>
-            </a:r>
-            <a:r>
-              <a:rPr lang="en-US" b="0" dirty="0">
-                <a:solidFill>
-                  <a:srgbClr val="C586C0"/>
-                </a:solidFill>
-                <a:effectLst/>
-                <a:latin typeface="Consolas" panose="020B0609020204030204" pitchFamily="49" charset="0"/>
-              </a:rPr>
-              <a:t>:</a:t>
-            </a:r>
-            <a:endParaRPr lang="en-US" b="0" dirty="0">
-              <a:solidFill>
-                <a:srgbClr val="D4D4D4"/>
-              </a:solidFill>
-              <a:effectLst/>
-              <a:latin typeface="Consolas" panose="020B0609020204030204" pitchFamily="49" charset="0"/>
-            </a:endParaRPr>
-          </a:p>
-          <a:p>
-            <a:pPr>
-              <a:spcBef>
-                <a:spcPts val="0"/>
-              </a:spcBef>
-            </a:pPr>
-            <a:r>
-              <a:rPr lang="en-US" b="0" dirty="0">
-                <a:solidFill>
-                  <a:srgbClr val="D4D4D4"/>
-                </a:solidFill>
-                <a:effectLst/>
-                <a:latin typeface="Consolas" panose="020B0609020204030204" pitchFamily="49" charset="0"/>
-              </a:rPr>
-              <a:t>                </a:t>
-            </a:r>
-            <a:r>
-              <a:rPr lang="en-US" b="0" dirty="0">
-                <a:solidFill>
-                  <a:srgbClr val="C586C0"/>
-                </a:solidFill>
-                <a:effectLst/>
-                <a:latin typeface="Consolas" panose="020B0609020204030204" pitchFamily="49" charset="0"/>
-              </a:rPr>
-              <a:t>break</a:t>
-            </a:r>
-            <a:r>
-              <a:rPr lang="en-US" b="0" dirty="0">
-                <a:solidFill>
-                  <a:srgbClr val="D4D4D4"/>
-                </a:solidFill>
-                <a:effectLst/>
-                <a:latin typeface="Consolas" panose="020B0609020204030204" pitchFamily="49" charset="0"/>
-              </a:rPr>
-              <a:t>;</a:t>
-            </a:r>
-          </a:p>
-          <a:p>
-            <a:pPr>
-              <a:spcBef>
-                <a:spcPts val="0"/>
-              </a:spcBef>
-            </a:pPr>
-            <a:r>
-              <a:rPr lang="en-US" b="0" dirty="0">
-                <a:solidFill>
-                  <a:srgbClr val="D4D4D4"/>
-                </a:solidFill>
-                <a:effectLst/>
-                <a:latin typeface="Consolas" panose="020B0609020204030204" pitchFamily="49" charset="0"/>
-              </a:rPr>
-              <a:t>            </a:t>
-            </a:r>
-            <a:r>
-              <a:rPr lang="en-US" b="0" dirty="0">
-                <a:solidFill>
-                  <a:srgbClr val="C586C0"/>
-                </a:solidFill>
-                <a:effectLst/>
-                <a:latin typeface="Consolas" panose="020B0609020204030204" pitchFamily="49" charset="0"/>
-              </a:rPr>
-              <a:t>case</a:t>
-            </a:r>
-            <a:r>
-              <a:rPr lang="en-US" b="0" dirty="0">
-                <a:solidFill>
-                  <a:srgbClr val="D4D4D4"/>
-                </a:solidFill>
-                <a:effectLst/>
-                <a:latin typeface="Consolas" panose="020B0609020204030204" pitchFamily="49" charset="0"/>
-              </a:rPr>
-              <a:t> </a:t>
-            </a:r>
-            <a:r>
-              <a:rPr lang="en-US" b="0" dirty="0">
-                <a:solidFill>
-                  <a:srgbClr val="CE9178"/>
-                </a:solidFill>
-                <a:effectLst/>
-                <a:latin typeface="Consolas" panose="020B0609020204030204" pitchFamily="49" charset="0"/>
-              </a:rPr>
-              <a:t>"+"</a:t>
-            </a:r>
-            <a:r>
-              <a:rPr lang="en-US" b="0" dirty="0">
-                <a:solidFill>
-                  <a:srgbClr val="C586C0"/>
-                </a:solidFill>
-                <a:effectLst/>
-                <a:latin typeface="Consolas" panose="020B0609020204030204" pitchFamily="49" charset="0"/>
-              </a:rPr>
-              <a:t>:</a:t>
-            </a:r>
-            <a:endParaRPr lang="en-US" b="0" dirty="0">
-              <a:solidFill>
-                <a:srgbClr val="D4D4D4"/>
-              </a:solidFill>
-              <a:effectLst/>
-              <a:latin typeface="Consolas" panose="020B0609020204030204" pitchFamily="49" charset="0"/>
-            </a:endParaRPr>
-          </a:p>
-          <a:p>
-            <a:pPr>
-              <a:spcBef>
-                <a:spcPts val="0"/>
-              </a:spcBef>
-            </a:pPr>
-            <a:r>
-              <a:rPr lang="en-US" b="0" dirty="0">
-                <a:solidFill>
-                  <a:srgbClr val="D4D4D4"/>
-                </a:solidFill>
-                <a:effectLst/>
-                <a:latin typeface="Consolas" panose="020B0609020204030204" pitchFamily="49" charset="0"/>
-              </a:rPr>
-              <a:t>                </a:t>
-            </a:r>
-            <a:r>
-              <a:rPr lang="en-US" b="0" dirty="0">
-                <a:solidFill>
-                  <a:srgbClr val="C586C0"/>
-                </a:solidFill>
-                <a:effectLst/>
-                <a:latin typeface="Consolas" panose="020B0609020204030204" pitchFamily="49" charset="0"/>
-              </a:rPr>
-              <a:t>break</a:t>
-            </a:r>
-            <a:r>
-              <a:rPr lang="en-US" b="0" dirty="0">
-                <a:solidFill>
-                  <a:srgbClr val="D4D4D4"/>
-                </a:solidFill>
-                <a:effectLst/>
-                <a:latin typeface="Consolas" panose="020B0609020204030204" pitchFamily="49" charset="0"/>
-              </a:rPr>
-              <a:t>;</a:t>
-            </a:r>
-          </a:p>
-          <a:p>
-            <a:pPr>
-              <a:spcBef>
-                <a:spcPts val="0"/>
-              </a:spcBef>
-            </a:pPr>
-            <a:r>
-              <a:rPr lang="en-US" b="0" dirty="0">
-                <a:solidFill>
-                  <a:srgbClr val="D4D4D4"/>
-                </a:solidFill>
-                <a:effectLst/>
-                <a:latin typeface="Consolas" panose="020B0609020204030204" pitchFamily="49" charset="0"/>
-              </a:rPr>
-              <a:t>            </a:t>
-            </a:r>
-            <a:r>
-              <a:rPr lang="en-US" b="0" dirty="0">
-                <a:solidFill>
-                  <a:srgbClr val="C586C0"/>
-                </a:solidFill>
-                <a:effectLst/>
-                <a:latin typeface="Consolas" panose="020B0609020204030204" pitchFamily="49" charset="0"/>
-              </a:rPr>
-              <a:t>case</a:t>
-            </a:r>
-            <a:r>
-              <a:rPr lang="en-US" b="0" dirty="0">
-                <a:solidFill>
-                  <a:srgbClr val="D4D4D4"/>
-                </a:solidFill>
-                <a:effectLst/>
-                <a:latin typeface="Consolas" panose="020B0609020204030204" pitchFamily="49" charset="0"/>
-              </a:rPr>
-              <a:t> </a:t>
-            </a:r>
-            <a:r>
-              <a:rPr lang="en-US" b="0" dirty="0">
-                <a:solidFill>
-                  <a:srgbClr val="CE9178"/>
-                </a:solidFill>
-                <a:effectLst/>
-                <a:latin typeface="Consolas" panose="020B0609020204030204" pitchFamily="49" charset="0"/>
-              </a:rPr>
-              <a:t>"-"</a:t>
-            </a:r>
-            <a:r>
-              <a:rPr lang="en-US" b="0" dirty="0">
-                <a:solidFill>
-                  <a:srgbClr val="C586C0"/>
-                </a:solidFill>
-                <a:effectLst/>
-                <a:latin typeface="Consolas" panose="020B0609020204030204" pitchFamily="49" charset="0"/>
-              </a:rPr>
-              <a:t>:</a:t>
-            </a:r>
-            <a:endParaRPr lang="en-US" b="0" dirty="0">
-              <a:solidFill>
-                <a:srgbClr val="D4D4D4"/>
-              </a:solidFill>
-              <a:effectLst/>
-              <a:latin typeface="Consolas" panose="020B0609020204030204" pitchFamily="49" charset="0"/>
-            </a:endParaRPr>
-          </a:p>
-          <a:p>
-            <a:pPr>
-              <a:spcBef>
-                <a:spcPts val="0"/>
-              </a:spcBef>
-            </a:pPr>
-            <a:r>
-              <a:rPr lang="en-US" b="0" dirty="0">
-                <a:solidFill>
-                  <a:srgbClr val="D4D4D4"/>
-                </a:solidFill>
-                <a:effectLst/>
-                <a:latin typeface="Consolas" panose="020B0609020204030204" pitchFamily="49" charset="0"/>
-              </a:rPr>
-              <a:t>                </a:t>
-            </a:r>
-            <a:r>
-              <a:rPr lang="en-US" b="0" dirty="0">
-                <a:solidFill>
-                  <a:srgbClr val="C586C0"/>
-                </a:solidFill>
-                <a:effectLst/>
-                <a:latin typeface="Consolas" panose="020B0609020204030204" pitchFamily="49" charset="0"/>
-              </a:rPr>
-              <a:t>break</a:t>
-            </a:r>
-            <a:r>
-              <a:rPr lang="en-US" b="0" dirty="0">
-                <a:solidFill>
-                  <a:srgbClr val="D4D4D4"/>
-                </a:solidFill>
-                <a:effectLst/>
-                <a:latin typeface="Consolas" panose="020B0609020204030204" pitchFamily="49" charset="0"/>
-              </a:rPr>
-              <a:t>;</a:t>
-            </a:r>
-          </a:p>
-          <a:p>
-            <a:pPr>
-              <a:spcBef>
-                <a:spcPts val="0"/>
-              </a:spcBef>
-            </a:pPr>
-            <a:r>
-              <a:rPr lang="en-US" b="0" dirty="0">
-                <a:solidFill>
-                  <a:srgbClr val="D4D4D4"/>
-                </a:solidFill>
-                <a:effectLst/>
-                <a:latin typeface="Consolas" panose="020B0609020204030204" pitchFamily="49" charset="0"/>
-              </a:rPr>
-              <a:t>            </a:t>
-            </a:r>
-            <a:r>
-              <a:rPr lang="en-US" b="0" dirty="0">
-                <a:solidFill>
-                  <a:srgbClr val="C586C0"/>
-                </a:solidFill>
-                <a:effectLst/>
-                <a:latin typeface="Consolas" panose="020B0609020204030204" pitchFamily="49" charset="0"/>
-              </a:rPr>
-              <a:t>case</a:t>
-            </a:r>
-            <a:r>
-              <a:rPr lang="en-US" b="0" dirty="0">
-                <a:solidFill>
-                  <a:srgbClr val="D4D4D4"/>
-                </a:solidFill>
-                <a:effectLst/>
-                <a:latin typeface="Consolas" panose="020B0609020204030204" pitchFamily="49" charset="0"/>
-              </a:rPr>
-              <a:t> </a:t>
-            </a:r>
-            <a:r>
-              <a:rPr lang="en-US" b="0" dirty="0">
-                <a:solidFill>
-                  <a:srgbClr val="CE9178"/>
-                </a:solidFill>
-                <a:effectLst/>
-                <a:latin typeface="Consolas" panose="020B0609020204030204" pitchFamily="49" charset="0"/>
-              </a:rPr>
-              <a:t>"/"</a:t>
-            </a:r>
-            <a:r>
-              <a:rPr lang="en-US" b="0" dirty="0">
-                <a:solidFill>
-                  <a:srgbClr val="C586C0"/>
-                </a:solidFill>
-                <a:effectLst/>
-                <a:latin typeface="Consolas" panose="020B0609020204030204" pitchFamily="49" charset="0"/>
-              </a:rPr>
-              <a:t>:</a:t>
-            </a:r>
-            <a:endParaRPr lang="en-US" b="0" dirty="0">
-              <a:solidFill>
-                <a:srgbClr val="D4D4D4"/>
-              </a:solidFill>
-              <a:effectLst/>
-              <a:latin typeface="Consolas" panose="020B0609020204030204" pitchFamily="49" charset="0"/>
-            </a:endParaRPr>
-          </a:p>
-          <a:p>
-            <a:pPr>
-              <a:spcBef>
-                <a:spcPts val="0"/>
-              </a:spcBef>
-            </a:pPr>
-            <a:r>
-              <a:rPr lang="en-US" b="0" dirty="0">
-                <a:solidFill>
-                  <a:srgbClr val="D4D4D4"/>
-                </a:solidFill>
-                <a:effectLst/>
-                <a:latin typeface="Consolas" panose="020B0609020204030204" pitchFamily="49" charset="0"/>
-              </a:rPr>
-              <a:t>                </a:t>
-            </a:r>
-            <a:r>
-              <a:rPr lang="en-US" b="0" dirty="0">
-                <a:solidFill>
-                  <a:srgbClr val="C586C0"/>
-                </a:solidFill>
-                <a:effectLst/>
-                <a:latin typeface="Consolas" panose="020B0609020204030204" pitchFamily="49" charset="0"/>
-              </a:rPr>
-              <a:t>break</a:t>
-            </a:r>
-            <a:r>
-              <a:rPr lang="en-US" b="0" dirty="0">
-                <a:solidFill>
-                  <a:srgbClr val="D4D4D4"/>
-                </a:solidFill>
-                <a:effectLst/>
-                <a:latin typeface="Consolas" panose="020B0609020204030204" pitchFamily="49" charset="0"/>
-              </a:rPr>
-              <a:t>;</a:t>
-            </a:r>
-          </a:p>
-          <a:p>
-            <a:pPr>
-              <a:spcBef>
-                <a:spcPts val="0"/>
-              </a:spcBef>
-            </a:pPr>
-            <a:r>
-              <a:rPr lang="en-US" b="0" dirty="0">
-                <a:solidFill>
-                  <a:srgbClr val="D4D4D4"/>
-                </a:solidFill>
-                <a:effectLst/>
-                <a:latin typeface="Consolas" panose="020B0609020204030204" pitchFamily="49" charset="0"/>
-              </a:rPr>
-              <a:t>            </a:t>
-            </a:r>
-            <a:r>
-              <a:rPr lang="en-US" b="0" dirty="0">
-                <a:solidFill>
-                  <a:srgbClr val="C586C0"/>
-                </a:solidFill>
-                <a:effectLst/>
-                <a:latin typeface="Consolas" panose="020B0609020204030204" pitchFamily="49" charset="0"/>
-              </a:rPr>
-              <a:t>case</a:t>
-            </a:r>
-            <a:r>
-              <a:rPr lang="en-US" b="0" dirty="0">
-                <a:solidFill>
-                  <a:srgbClr val="D4D4D4"/>
-                </a:solidFill>
-                <a:effectLst/>
-                <a:latin typeface="Consolas" panose="020B0609020204030204" pitchFamily="49" charset="0"/>
-              </a:rPr>
-              <a:t> </a:t>
-            </a:r>
-            <a:r>
-              <a:rPr lang="en-US" b="0" dirty="0">
-                <a:solidFill>
-                  <a:srgbClr val="CE9178"/>
-                </a:solidFill>
-                <a:effectLst/>
-                <a:latin typeface="Consolas" panose="020B0609020204030204" pitchFamily="49" charset="0"/>
-              </a:rPr>
-              <a:t>"x"</a:t>
-            </a:r>
-            <a:r>
-              <a:rPr lang="en-US" b="0" dirty="0">
-                <a:solidFill>
-                  <a:srgbClr val="C586C0"/>
-                </a:solidFill>
-                <a:effectLst/>
-                <a:latin typeface="Consolas" panose="020B0609020204030204" pitchFamily="49" charset="0"/>
-              </a:rPr>
-              <a:t>:</a:t>
-            </a:r>
-            <a:endParaRPr lang="en-US" b="0" dirty="0">
-              <a:solidFill>
-                <a:srgbClr val="D4D4D4"/>
-              </a:solidFill>
-              <a:effectLst/>
-              <a:latin typeface="Consolas" panose="020B0609020204030204" pitchFamily="49" charset="0"/>
-            </a:endParaRPr>
-          </a:p>
-          <a:p>
-            <a:pPr>
-              <a:spcBef>
-                <a:spcPts val="0"/>
-              </a:spcBef>
-            </a:pPr>
-            <a:r>
-              <a:rPr lang="en-US" b="0" dirty="0">
-                <a:solidFill>
-                  <a:srgbClr val="D4D4D4"/>
-                </a:solidFill>
-                <a:effectLst/>
-                <a:latin typeface="Consolas" panose="020B0609020204030204" pitchFamily="49" charset="0"/>
-              </a:rPr>
-              <a:t>                </a:t>
-            </a:r>
-            <a:r>
-              <a:rPr lang="en-US" b="0" dirty="0">
-                <a:solidFill>
-                  <a:srgbClr val="C586C0"/>
-                </a:solidFill>
-                <a:effectLst/>
-                <a:latin typeface="Consolas" panose="020B0609020204030204" pitchFamily="49" charset="0"/>
-              </a:rPr>
-              <a:t>break</a:t>
-            </a:r>
-            <a:r>
-              <a:rPr lang="en-US" b="0" dirty="0">
-                <a:solidFill>
-                  <a:srgbClr val="D4D4D4"/>
-                </a:solidFill>
-                <a:effectLst/>
-                <a:latin typeface="Consolas" panose="020B0609020204030204" pitchFamily="49" charset="0"/>
-              </a:rPr>
-              <a:t>;</a:t>
-            </a:r>
-          </a:p>
-          <a:p>
-            <a:pPr>
-              <a:spcBef>
-                <a:spcPts val="0"/>
-              </a:spcBef>
-            </a:pPr>
-            <a:r>
-              <a:rPr lang="en-US" b="0" dirty="0">
-                <a:solidFill>
-                  <a:srgbClr val="D4D4D4"/>
-                </a:solidFill>
-                <a:effectLst/>
-                <a:latin typeface="Consolas" panose="020B0609020204030204" pitchFamily="49" charset="0"/>
-              </a:rPr>
-              <a:t>            </a:t>
-            </a:r>
-            <a:r>
-              <a:rPr lang="en-US" b="0" dirty="0">
-                <a:solidFill>
-                  <a:srgbClr val="C586C0"/>
-                </a:solidFill>
-                <a:effectLst/>
-                <a:latin typeface="Consolas" panose="020B0609020204030204" pitchFamily="49" charset="0"/>
-              </a:rPr>
-              <a:t>case</a:t>
-            </a:r>
-            <a:r>
-              <a:rPr lang="en-US" b="0" dirty="0">
-                <a:solidFill>
-                  <a:srgbClr val="D4D4D4"/>
-                </a:solidFill>
-                <a:effectLst/>
-                <a:latin typeface="Consolas" panose="020B0609020204030204" pitchFamily="49" charset="0"/>
-              </a:rPr>
-              <a:t> </a:t>
-            </a:r>
-            <a:r>
-              <a:rPr lang="en-US" b="0" dirty="0">
-                <a:solidFill>
-                  <a:srgbClr val="CE9178"/>
-                </a:solidFill>
-                <a:effectLst/>
-                <a:latin typeface="Consolas" panose="020B0609020204030204" pitchFamily="49" charset="0"/>
-              </a:rPr>
-              <a:t>"AC"</a:t>
-            </a:r>
-            <a:r>
-              <a:rPr lang="en-US" b="0" dirty="0">
-                <a:solidFill>
-                  <a:srgbClr val="C586C0"/>
-                </a:solidFill>
-                <a:effectLst/>
-                <a:latin typeface="Consolas" panose="020B0609020204030204" pitchFamily="49" charset="0"/>
-              </a:rPr>
-              <a:t>:</a:t>
-            </a:r>
-            <a:endParaRPr lang="en-US" b="0" dirty="0">
-              <a:solidFill>
-                <a:srgbClr val="D4D4D4"/>
-              </a:solidFill>
-              <a:effectLst/>
-              <a:latin typeface="Consolas" panose="020B0609020204030204" pitchFamily="49" charset="0"/>
-            </a:endParaRPr>
-          </a:p>
-          <a:p>
-            <a:pPr>
-              <a:spcBef>
-                <a:spcPts val="0"/>
-              </a:spcBef>
-            </a:pPr>
-            <a:r>
-              <a:rPr lang="en-US" b="0" dirty="0">
-                <a:solidFill>
-                  <a:srgbClr val="D4D4D4"/>
-                </a:solidFill>
-                <a:effectLst/>
-                <a:latin typeface="Consolas" panose="020B0609020204030204" pitchFamily="49" charset="0"/>
-              </a:rPr>
-              <a:t>                </a:t>
-            </a:r>
-            <a:r>
-              <a:rPr lang="en-US" b="0" dirty="0">
-                <a:solidFill>
-                  <a:srgbClr val="C586C0"/>
-                </a:solidFill>
-                <a:effectLst/>
-                <a:latin typeface="Consolas" panose="020B0609020204030204" pitchFamily="49" charset="0"/>
-              </a:rPr>
-              <a:t>break</a:t>
-            </a:r>
-            <a:r>
-              <a:rPr lang="en-US" b="0" dirty="0">
-                <a:solidFill>
-                  <a:srgbClr val="D4D4D4"/>
-                </a:solidFill>
-                <a:effectLst/>
-                <a:latin typeface="Consolas" panose="020B0609020204030204" pitchFamily="49" charset="0"/>
-              </a:rPr>
-              <a:t>;</a:t>
-            </a:r>
-          </a:p>
-          <a:p>
-            <a:pPr>
-              <a:spcBef>
-                <a:spcPts val="0"/>
-              </a:spcBef>
-            </a:pPr>
-            <a:r>
-              <a:rPr lang="en-US" b="0" dirty="0">
-                <a:solidFill>
-                  <a:srgbClr val="D4D4D4"/>
-                </a:solidFill>
-                <a:effectLst/>
-                <a:latin typeface="Consolas" panose="020B0609020204030204" pitchFamily="49" charset="0"/>
-              </a:rPr>
-              <a:t>            </a:t>
-            </a:r>
-            <a:r>
-              <a:rPr lang="en-US" b="0" dirty="0">
-                <a:solidFill>
-                  <a:srgbClr val="C586C0"/>
-                </a:solidFill>
-                <a:effectLst/>
-                <a:latin typeface="Consolas" panose="020B0609020204030204" pitchFamily="49" charset="0"/>
-              </a:rPr>
-              <a:t>case</a:t>
-            </a:r>
-            <a:r>
-              <a:rPr lang="en-US" b="0" dirty="0">
-                <a:solidFill>
-                  <a:srgbClr val="D4D4D4"/>
-                </a:solidFill>
-                <a:effectLst/>
-                <a:latin typeface="Consolas" panose="020B0609020204030204" pitchFamily="49" charset="0"/>
-              </a:rPr>
-              <a:t> </a:t>
-            </a:r>
-            <a:r>
-              <a:rPr lang="en-US" b="0" dirty="0">
-                <a:solidFill>
-                  <a:srgbClr val="CE9178"/>
-                </a:solidFill>
-                <a:effectLst/>
-                <a:latin typeface="Consolas" panose="020B0609020204030204" pitchFamily="49" charset="0"/>
-              </a:rPr>
-              <a:t>"C"</a:t>
-            </a:r>
-            <a:r>
-              <a:rPr lang="en-US" b="0" dirty="0">
-                <a:solidFill>
-                  <a:srgbClr val="C586C0"/>
-                </a:solidFill>
-                <a:effectLst/>
-                <a:latin typeface="Consolas" panose="020B0609020204030204" pitchFamily="49" charset="0"/>
-              </a:rPr>
-              <a:t>:</a:t>
-            </a:r>
-            <a:endParaRPr lang="en-US" b="0" dirty="0">
-              <a:solidFill>
-                <a:srgbClr val="D4D4D4"/>
-              </a:solidFill>
-              <a:effectLst/>
-              <a:latin typeface="Consolas" panose="020B0609020204030204" pitchFamily="49" charset="0"/>
-            </a:endParaRPr>
-          </a:p>
-          <a:p>
-            <a:pPr>
-              <a:spcBef>
-                <a:spcPts val="0"/>
-              </a:spcBef>
-            </a:pPr>
-            <a:r>
-              <a:rPr lang="en-US" b="0" dirty="0">
-                <a:solidFill>
-                  <a:srgbClr val="D4D4D4"/>
-                </a:solidFill>
-                <a:effectLst/>
-                <a:latin typeface="Consolas" panose="020B0609020204030204" pitchFamily="49" charset="0"/>
-              </a:rPr>
-              <a:t>                </a:t>
-            </a:r>
-            <a:r>
-              <a:rPr lang="en-US" b="0" dirty="0">
-                <a:solidFill>
-                  <a:srgbClr val="C586C0"/>
-                </a:solidFill>
-                <a:effectLst/>
-                <a:latin typeface="Consolas" panose="020B0609020204030204" pitchFamily="49" charset="0"/>
-              </a:rPr>
-              <a:t>break</a:t>
-            </a:r>
-            <a:r>
-              <a:rPr lang="en-US" b="0" dirty="0">
-                <a:solidFill>
-                  <a:srgbClr val="D4D4D4"/>
-                </a:solidFill>
-                <a:effectLst/>
-                <a:latin typeface="Consolas" panose="020B0609020204030204" pitchFamily="49" charset="0"/>
-              </a:rPr>
-              <a:t>;</a:t>
-            </a:r>
-          </a:p>
-          <a:p>
-            <a:pPr>
-              <a:spcBef>
-                <a:spcPts val="0"/>
-              </a:spcBef>
-            </a:pPr>
-            <a:r>
-              <a:rPr lang="en-US" b="0" dirty="0">
-                <a:solidFill>
-                  <a:srgbClr val="D4D4D4"/>
-                </a:solidFill>
-                <a:effectLst/>
-                <a:latin typeface="Consolas" panose="020B0609020204030204" pitchFamily="49" charset="0"/>
-              </a:rPr>
-              <a:t>            </a:t>
-            </a:r>
-            <a:r>
-              <a:rPr lang="en-US" b="0" dirty="0">
-                <a:solidFill>
-                  <a:srgbClr val="C586C0"/>
-                </a:solidFill>
-                <a:effectLst/>
-                <a:latin typeface="Consolas" panose="020B0609020204030204" pitchFamily="49" charset="0"/>
-              </a:rPr>
-              <a:t>case</a:t>
-            </a:r>
-            <a:r>
-              <a:rPr lang="en-US" b="0" dirty="0">
-                <a:solidFill>
-                  <a:srgbClr val="D4D4D4"/>
-                </a:solidFill>
-                <a:effectLst/>
-                <a:latin typeface="Consolas" panose="020B0609020204030204" pitchFamily="49" charset="0"/>
-              </a:rPr>
-              <a:t> </a:t>
-            </a:r>
-            <a:r>
-              <a:rPr lang="en-US" b="0" dirty="0">
-                <a:solidFill>
-                  <a:srgbClr val="CE9178"/>
-                </a:solidFill>
-                <a:effectLst/>
-                <a:latin typeface="Consolas" panose="020B0609020204030204" pitchFamily="49" charset="0"/>
-              </a:rPr>
-              <a:t>"M+"</a:t>
-            </a:r>
-            <a:r>
-              <a:rPr lang="en-US" b="0" dirty="0">
-                <a:solidFill>
-                  <a:srgbClr val="C586C0"/>
-                </a:solidFill>
-                <a:effectLst/>
-                <a:latin typeface="Consolas" panose="020B0609020204030204" pitchFamily="49" charset="0"/>
-              </a:rPr>
-              <a:t>:</a:t>
-            </a:r>
-            <a:endParaRPr lang="en-US" b="0" dirty="0">
-              <a:solidFill>
-                <a:srgbClr val="D4D4D4"/>
-              </a:solidFill>
-              <a:effectLst/>
-              <a:latin typeface="Consolas" panose="020B0609020204030204" pitchFamily="49" charset="0"/>
-            </a:endParaRPr>
-          </a:p>
-          <a:p>
-            <a:pPr>
-              <a:spcBef>
-                <a:spcPts val="0"/>
-              </a:spcBef>
-            </a:pPr>
-            <a:r>
-              <a:rPr lang="en-US" b="0" dirty="0">
-                <a:solidFill>
-                  <a:srgbClr val="D4D4D4"/>
-                </a:solidFill>
-                <a:effectLst/>
-                <a:latin typeface="Consolas" panose="020B0609020204030204" pitchFamily="49" charset="0"/>
-              </a:rPr>
-              <a:t>                </a:t>
-            </a:r>
-            <a:r>
-              <a:rPr lang="en-US" b="0" dirty="0">
-                <a:solidFill>
-                  <a:srgbClr val="C586C0"/>
-                </a:solidFill>
-                <a:effectLst/>
-                <a:latin typeface="Consolas" panose="020B0609020204030204" pitchFamily="49" charset="0"/>
-              </a:rPr>
-              <a:t>break</a:t>
-            </a:r>
-            <a:r>
-              <a:rPr lang="en-US" b="0" dirty="0">
-                <a:solidFill>
-                  <a:srgbClr val="D4D4D4"/>
-                </a:solidFill>
-                <a:effectLst/>
-                <a:latin typeface="Consolas" panose="020B0609020204030204" pitchFamily="49" charset="0"/>
-              </a:rPr>
-              <a:t>;</a:t>
-            </a:r>
-          </a:p>
-          <a:p>
-            <a:pPr>
-              <a:spcBef>
-                <a:spcPts val="0"/>
-              </a:spcBef>
-            </a:pPr>
-            <a:r>
-              <a:rPr lang="en-US" b="0" dirty="0">
-                <a:solidFill>
-                  <a:srgbClr val="D4D4D4"/>
-                </a:solidFill>
-                <a:effectLst/>
-                <a:latin typeface="Consolas" panose="020B0609020204030204" pitchFamily="49" charset="0"/>
-              </a:rPr>
-              <a:t>            </a:t>
-            </a:r>
-            <a:r>
-              <a:rPr lang="en-US" b="0" dirty="0">
-                <a:solidFill>
-                  <a:srgbClr val="C586C0"/>
-                </a:solidFill>
-                <a:effectLst/>
-                <a:latin typeface="Consolas" panose="020B0609020204030204" pitchFamily="49" charset="0"/>
-              </a:rPr>
-              <a:t>case</a:t>
-            </a:r>
-            <a:r>
-              <a:rPr lang="en-US" b="0" dirty="0">
-                <a:solidFill>
-                  <a:srgbClr val="D4D4D4"/>
-                </a:solidFill>
-                <a:effectLst/>
-                <a:latin typeface="Consolas" panose="020B0609020204030204" pitchFamily="49" charset="0"/>
-              </a:rPr>
-              <a:t> </a:t>
-            </a:r>
-            <a:r>
-              <a:rPr lang="en-US" b="0" dirty="0">
-                <a:solidFill>
-                  <a:srgbClr val="CE9178"/>
-                </a:solidFill>
-                <a:effectLst/>
-                <a:latin typeface="Consolas" panose="020B0609020204030204" pitchFamily="49" charset="0"/>
-              </a:rPr>
-              <a:t>"+/-"</a:t>
-            </a:r>
-            <a:r>
-              <a:rPr lang="en-US" b="0" dirty="0">
-                <a:solidFill>
-                  <a:srgbClr val="C586C0"/>
-                </a:solidFill>
-                <a:effectLst/>
-                <a:latin typeface="Consolas" panose="020B0609020204030204" pitchFamily="49" charset="0"/>
-              </a:rPr>
-              <a:t>:</a:t>
-            </a:r>
-            <a:endParaRPr lang="en-US" b="0" dirty="0">
-              <a:solidFill>
-                <a:srgbClr val="D4D4D4"/>
-              </a:solidFill>
-              <a:effectLst/>
-              <a:latin typeface="Consolas" panose="020B0609020204030204" pitchFamily="49" charset="0"/>
-            </a:endParaRPr>
-          </a:p>
-          <a:p>
-            <a:pPr>
-              <a:spcBef>
-                <a:spcPts val="0"/>
-              </a:spcBef>
-            </a:pPr>
-            <a:r>
-              <a:rPr lang="en-US" b="0" dirty="0">
-                <a:solidFill>
-                  <a:srgbClr val="D4D4D4"/>
-                </a:solidFill>
-                <a:effectLst/>
-                <a:latin typeface="Consolas" panose="020B0609020204030204" pitchFamily="49" charset="0"/>
-              </a:rPr>
-              <a:t>                </a:t>
-            </a:r>
-            <a:r>
-              <a:rPr lang="en-US" b="0" dirty="0">
-                <a:solidFill>
-                  <a:srgbClr val="C586C0"/>
-                </a:solidFill>
-                <a:effectLst/>
-                <a:latin typeface="Consolas" panose="020B0609020204030204" pitchFamily="49" charset="0"/>
-              </a:rPr>
-              <a:t>break</a:t>
-            </a:r>
-            <a:r>
-              <a:rPr lang="en-US" b="0" dirty="0">
-                <a:solidFill>
-                  <a:srgbClr val="D4D4D4"/>
-                </a:solidFill>
-                <a:effectLst/>
-                <a:latin typeface="Consolas" panose="020B0609020204030204" pitchFamily="49" charset="0"/>
-              </a:rPr>
-              <a:t>;</a:t>
-            </a:r>
-          </a:p>
-          <a:p>
-            <a:pPr>
-              <a:spcBef>
-                <a:spcPts val="0"/>
-              </a:spcBef>
-            </a:pPr>
-            <a:r>
-              <a:rPr lang="en-US" b="0" dirty="0">
-                <a:solidFill>
-                  <a:srgbClr val="D4D4D4"/>
-                </a:solidFill>
-                <a:effectLst/>
-                <a:latin typeface="Consolas" panose="020B0609020204030204" pitchFamily="49" charset="0"/>
-              </a:rPr>
-              <a:t>            </a:t>
-            </a:r>
-            <a:r>
-              <a:rPr lang="en-US" b="0" dirty="0">
-                <a:solidFill>
-                  <a:srgbClr val="C586C0"/>
-                </a:solidFill>
-                <a:effectLst/>
-                <a:latin typeface="Consolas" panose="020B0609020204030204" pitchFamily="49" charset="0"/>
-              </a:rPr>
-              <a:t>default:</a:t>
-            </a:r>
-            <a:endParaRPr lang="en-US" b="0" dirty="0">
-              <a:solidFill>
-                <a:srgbClr val="D4D4D4"/>
-              </a:solidFill>
-              <a:effectLst/>
-              <a:latin typeface="Consolas" panose="020B0609020204030204" pitchFamily="49" charset="0"/>
-            </a:endParaRPr>
-          </a:p>
-          <a:p>
-            <a:pPr>
-              <a:spcBef>
-                <a:spcPts val="0"/>
-              </a:spcBef>
-            </a:pPr>
-            <a:r>
-              <a:rPr lang="en-US" b="0" dirty="0">
-                <a:solidFill>
-                  <a:srgbClr val="D4D4D4"/>
-                </a:solidFill>
-                <a:effectLst/>
-                <a:latin typeface="Consolas" panose="020B0609020204030204" pitchFamily="49" charset="0"/>
-              </a:rPr>
-              <a:t>                </a:t>
-            </a:r>
-            <a:r>
-              <a:rPr lang="en-US" b="0" dirty="0">
-                <a:solidFill>
-                  <a:srgbClr val="C586C0"/>
-                </a:solidFill>
-                <a:effectLst/>
-                <a:latin typeface="Consolas" panose="020B0609020204030204" pitchFamily="49" charset="0"/>
-              </a:rPr>
-              <a:t>break</a:t>
-            </a:r>
-            <a:r>
-              <a:rPr lang="en-US" b="0" dirty="0">
-                <a:solidFill>
-                  <a:srgbClr val="D4D4D4"/>
-                </a:solidFill>
-                <a:effectLst/>
-                <a:latin typeface="Consolas" panose="020B0609020204030204" pitchFamily="49" charset="0"/>
-              </a:rPr>
-              <a:t>;</a:t>
-            </a:r>
-          </a:p>
-          <a:p>
-            <a:pPr>
-              <a:spcBef>
-                <a:spcPts val="0"/>
-              </a:spcBef>
-            </a:pPr>
-            <a:r>
-              <a:rPr lang="en-US" b="0" dirty="0">
-                <a:solidFill>
-                  <a:srgbClr val="D4D4D4"/>
-                </a:solidFill>
-                <a:effectLst/>
-                <a:latin typeface="Consolas" panose="020B0609020204030204" pitchFamily="49" charset="0"/>
-              </a:rPr>
-              <a:t>        }</a:t>
-            </a:r>
-          </a:p>
-          <a:p>
-            <a:pPr>
-              <a:spcBef>
-                <a:spcPts val="0"/>
-              </a:spcBef>
-            </a:pPr>
-            <a:r>
-              <a:rPr lang="en-US" b="0" dirty="0">
-                <a:solidFill>
-                  <a:srgbClr val="D4D4D4"/>
-                </a:solidFill>
-                <a:effectLst/>
-                <a:latin typeface="Consolas" panose="020B0609020204030204" pitchFamily="49" charset="0"/>
-              </a:rPr>
-              <a:t>    }</a:t>
-            </a:r>
-          </a:p>
-          <a:p>
-            <a:pPr>
-              <a:spcBef>
-                <a:spcPts val="0"/>
-              </a:spcBef>
-            </a:pPr>
-            <a:br>
-              <a:rPr lang="en-US" b="0" dirty="0">
-                <a:solidFill>
-                  <a:srgbClr val="D4D4D4"/>
-                </a:solidFill>
-                <a:effectLst/>
-                <a:latin typeface="Consolas" panose="020B0609020204030204" pitchFamily="49" charset="0"/>
-              </a:rPr>
-            </a:br>
-            <a:endParaRPr lang="en-US" b="0" dirty="0">
-              <a:solidFill>
-                <a:srgbClr val="D4D4D4"/>
-              </a:solidFill>
-              <a:effectLst/>
-              <a:latin typeface="Consolas" panose="020B0609020204030204" pitchFamily="49" charset="0"/>
-            </a:endParaRPr>
-          </a:p>
-          <a:p>
-            <a:pPr>
-              <a:spcBef>
-                <a:spcPts val="0"/>
-              </a:spcBef>
-            </a:pPr>
+              <a:rPr lang="en-US" dirty="0">
+                <a:solidFill>
+                  <a:srgbClr val="D4D4D4"/>
+                </a:solidFill>
+                <a:latin typeface="Consolas" panose="020B0609020204030204" pitchFamily="49" charset="0"/>
+              </a:rPr>
+              <a:t> }</a:t>
+            </a:r>
             <a:endParaRPr lang="en-GB" dirty="0"/>
           </a:p>
         </p:txBody>
@@ -20034,6 +18051,358 @@
 </file>
 
 <file path=ppt/slides/slide24.xml><?xml version="1.0" encoding="utf-8"?>
+<p:sld xmlns:a="http://schemas.openxmlformats.org/drawingml/2006/main" xmlns:r="http://schemas.openxmlformats.org/officeDocument/2006/relationships" xmlns:p="http://schemas.openxmlformats.org/presentationml/2006/main">
+  <p:cSld>
+    <p:spTree>
+      <p:nvGrpSpPr>
+        <p:cNvPr id="1" name=""/>
+        <p:cNvGrpSpPr/>
+        <p:nvPr/>
+      </p:nvGrpSpPr>
+      <p:grpSpPr>
+        <a:xfrm>
+          <a:off x="0" y="0"/>
+          <a:ext cx="0" cy="0"/>
+          <a:chOff x="0" y="0"/>
+          <a:chExt cx="0" cy="0"/>
+        </a:xfrm>
+      </p:grpSpPr>
+      <p:sp>
+        <p:nvSpPr>
+          <p:cNvPr id="2" name="Title 1">
+            <a:extLst>
+              <a:ext uri="{FF2B5EF4-FFF2-40B4-BE49-F238E27FC236}">
+                <a16:creationId xmlns:a16="http://schemas.microsoft.com/office/drawing/2014/main" id="{DDF53C9D-14DC-494C-9002-53AF93CCA3C5}"/>
+              </a:ext>
+            </a:extLst>
+          </p:cNvPr>
+          <p:cNvSpPr>
+            <a:spLocks noGrp="1"/>
+          </p:cNvSpPr>
+          <p:nvPr>
+            <p:ph type="title"/>
+          </p:nvPr>
+        </p:nvSpPr>
+        <p:spPr>
+          <a:xfrm>
+            <a:off x="518475" y="136689"/>
+            <a:ext cx="7543800" cy="564832"/>
+          </a:xfrm>
+        </p:spPr>
+        <p:txBody>
+          <a:bodyPr>
+            <a:normAutofit fontScale="90000"/>
+          </a:bodyPr>
+          <a:lstStyle/>
+          <a:p>
+            <a:r>
+              <a:rPr lang="en-GB" dirty="0"/>
+              <a:t>Simple Calculator Design</a:t>
+            </a:r>
+          </a:p>
+        </p:txBody>
+      </p:sp>
+      <p:pic>
+        <p:nvPicPr>
+          <p:cNvPr id="38" name="Picture 37" descr="Table&#10;&#10;Description automatically generated">
+            <a:extLst>
+              <a:ext uri="{FF2B5EF4-FFF2-40B4-BE49-F238E27FC236}">
+                <a16:creationId xmlns:a16="http://schemas.microsoft.com/office/drawing/2014/main" id="{B56B01DB-3DAC-4492-810F-29A52DC6C64B}"/>
+              </a:ext>
+            </a:extLst>
+          </p:cNvPr>
+          <p:cNvPicPr>
+            <a:picLocks noChangeAspect="1"/>
+          </p:cNvPicPr>
+          <p:nvPr/>
+        </p:nvPicPr>
+        <p:blipFill>
+          <a:blip r:embed="rId3">
+            <a:extLst>
+              <a:ext uri="{28A0092B-C50C-407E-A947-70E740481C1C}">
+                <a14:useLocalDpi xmlns:a14="http://schemas.microsoft.com/office/drawing/2010/main" val="0"/>
+              </a:ext>
+            </a:extLst>
+          </a:blip>
+          <a:stretch>
+            <a:fillRect/>
+          </a:stretch>
+        </p:blipFill>
+        <p:spPr>
+          <a:xfrm>
+            <a:off x="1559776" y="701520"/>
+            <a:ext cx="4058599" cy="4483222"/>
+          </a:xfrm>
+          <a:prstGeom prst="rect">
+            <a:avLst/>
+          </a:prstGeom>
+        </p:spPr>
+      </p:pic>
+      <p:pic>
+        <p:nvPicPr>
+          <p:cNvPr id="27" name="Content Placeholder 26">
+            <a:hlinkClick r:id="rId4"/>
+            <a:extLst>
+              <a:ext uri="{FF2B5EF4-FFF2-40B4-BE49-F238E27FC236}">
+                <a16:creationId xmlns:a16="http://schemas.microsoft.com/office/drawing/2014/main" id="{AB464C38-3AD9-44AD-AEBC-E14CA516A52A}"/>
+              </a:ext>
+            </a:extLst>
+          </p:cNvPr>
+          <p:cNvPicPr>
+            <a:picLocks noGrp="1" noChangeAspect="1"/>
+          </p:cNvPicPr>
+          <p:nvPr>
+            <p:ph idx="1"/>
+          </p:nvPr>
+        </p:nvPicPr>
+        <p:blipFill>
+          <a:blip r:embed="rId5">
+            <a:extLst>
+              <a:ext uri="{28A0092B-C50C-407E-A947-70E740481C1C}">
+                <a14:useLocalDpi xmlns:a14="http://schemas.microsoft.com/office/drawing/2010/main" val="0"/>
+              </a:ext>
+              <a:ext uri="{96DAC541-7B7A-43D3-8B79-37D633B846F1}">
+                <asvg:svgBlip xmlns:asvg="http://schemas.microsoft.com/office/drawing/2016/SVG/main" r:embed="rId6"/>
+              </a:ext>
+            </a:extLst>
+          </a:blip>
+          <a:stretch>
+            <a:fillRect/>
+          </a:stretch>
+        </p:blipFill>
+        <p:spPr>
+          <a:xfrm>
+            <a:off x="-45240" y="4496587"/>
+            <a:ext cx="9226948" cy="1973818"/>
+          </a:xfrm>
+        </p:spPr>
+      </p:pic>
+    </p:spTree>
+    <p:extLst>
+      <p:ext uri="{BB962C8B-B14F-4D97-AF65-F5344CB8AC3E}">
+        <p14:creationId xmlns:p14="http://schemas.microsoft.com/office/powerpoint/2010/main" val="2019278382"/>
+      </p:ext>
+    </p:extLst>
+  </p:cSld>
+  <p:clrMapOvr>
+    <a:masterClrMapping/>
+  </p:clrMapOvr>
+  <p:timing>
+    <p:tnLst>
+      <p:par>
+        <p:cTn id="1" dur="indefinite" restart="never" nodeType="tmRoot">
+          <p:childTnLst>
+            <p:seq concurrent="1" nextAc="seek">
+              <p:cTn id="2" dur="indefinite" nodeType="mainSeq">
+                <p:childTnLst>
+                  <p:par>
+                    <p:cTn id="3" fill="hold">
+                      <p:stCondLst>
+                        <p:cond delay="indefinite"/>
+                      </p:stCondLst>
+                      <p:childTnLst>
+                        <p:par>
+                          <p:cTn id="4" fill="hold">
+                            <p:stCondLst>
+                              <p:cond delay="0"/>
+                            </p:stCondLst>
+                            <p:childTnLst>
+                              <p:par>
+                                <p:cTn id="5" presetID="2" presetClass="entr" presetSubtype="4" fill="hold" nodeType="clickEffect">
+                                  <p:stCondLst>
+                                    <p:cond delay="0"/>
+                                  </p:stCondLst>
+                                  <p:childTnLst>
+                                    <p:set>
+                                      <p:cBhvr>
+                                        <p:cTn id="6" dur="1" fill="hold">
+                                          <p:stCondLst>
+                                            <p:cond delay="0"/>
+                                          </p:stCondLst>
+                                        </p:cTn>
+                                        <p:tgtEl>
+                                          <p:spTgt spid="38"/>
+                                        </p:tgtEl>
+                                        <p:attrNameLst>
+                                          <p:attrName>style.visibility</p:attrName>
+                                        </p:attrNameLst>
+                                      </p:cBhvr>
+                                      <p:to>
+                                        <p:strVal val="visible"/>
+                                      </p:to>
+                                    </p:set>
+                                    <p:anim calcmode="lin" valueType="num">
+                                      <p:cBhvr additive="base">
+                                        <p:cTn id="7" dur="500" fill="hold"/>
+                                        <p:tgtEl>
+                                          <p:spTgt spid="38"/>
+                                        </p:tgtEl>
+                                        <p:attrNameLst>
+                                          <p:attrName>ppt_x</p:attrName>
+                                        </p:attrNameLst>
+                                      </p:cBhvr>
+                                      <p:tavLst>
+                                        <p:tav tm="0">
+                                          <p:val>
+                                            <p:strVal val="#ppt_x"/>
+                                          </p:val>
+                                        </p:tav>
+                                        <p:tav tm="100000">
+                                          <p:val>
+                                            <p:strVal val="#ppt_x"/>
+                                          </p:val>
+                                        </p:tav>
+                                      </p:tavLst>
+                                    </p:anim>
+                                    <p:anim calcmode="lin" valueType="num">
+                                      <p:cBhvr additive="base">
+                                        <p:cTn id="8" dur="500" fill="hold"/>
+                                        <p:tgtEl>
+                                          <p:spTgt spid="38"/>
+                                        </p:tgtEl>
+                                        <p:attrNameLst>
+                                          <p:attrName>ppt_y</p:attrName>
+                                        </p:attrNameLst>
+                                      </p:cBhvr>
+                                      <p:tavLst>
+                                        <p:tav tm="0">
+                                          <p:val>
+                                            <p:strVal val="1+#ppt_h/2"/>
+                                          </p:val>
+                                        </p:tav>
+                                        <p:tav tm="100000">
+                                          <p:val>
+                                            <p:strVal val="#ppt_y"/>
+                                          </p:val>
+                                        </p:tav>
+                                      </p:tavLst>
+                                    </p:anim>
+                                  </p:childTnLst>
+                                </p:cTn>
+                              </p:par>
+                            </p:childTnLst>
+                          </p:cTn>
+                        </p:par>
+                      </p:childTnLst>
+                    </p:cTn>
+                  </p:par>
+                  <p:par>
+                    <p:cTn id="9" fill="hold">
+                      <p:stCondLst>
+                        <p:cond delay="indefinite"/>
+                      </p:stCondLst>
+                      <p:childTnLst>
+                        <p:par>
+                          <p:cTn id="10" fill="hold">
+                            <p:stCondLst>
+                              <p:cond delay="0"/>
+                            </p:stCondLst>
+                            <p:childTnLst>
+                              <p:par>
+                                <p:cTn id="11" presetID="2" presetClass="entr" presetSubtype="4" fill="hold" nodeType="clickEffect">
+                                  <p:stCondLst>
+                                    <p:cond delay="0"/>
+                                  </p:stCondLst>
+                                  <p:childTnLst>
+                                    <p:set>
+                                      <p:cBhvr>
+                                        <p:cTn id="12" dur="1" fill="hold">
+                                          <p:stCondLst>
+                                            <p:cond delay="0"/>
+                                          </p:stCondLst>
+                                        </p:cTn>
+                                        <p:tgtEl>
+                                          <p:spTgt spid="27"/>
+                                        </p:tgtEl>
+                                        <p:attrNameLst>
+                                          <p:attrName>style.visibility</p:attrName>
+                                        </p:attrNameLst>
+                                      </p:cBhvr>
+                                      <p:to>
+                                        <p:strVal val="visible"/>
+                                      </p:to>
+                                    </p:set>
+                                    <p:anim calcmode="lin" valueType="num">
+                                      <p:cBhvr additive="base">
+                                        <p:cTn id="13" dur="500" fill="hold"/>
+                                        <p:tgtEl>
+                                          <p:spTgt spid="27"/>
+                                        </p:tgtEl>
+                                        <p:attrNameLst>
+                                          <p:attrName>ppt_x</p:attrName>
+                                        </p:attrNameLst>
+                                      </p:cBhvr>
+                                      <p:tavLst>
+                                        <p:tav tm="0">
+                                          <p:val>
+                                            <p:strVal val="#ppt_x"/>
+                                          </p:val>
+                                        </p:tav>
+                                        <p:tav tm="100000">
+                                          <p:val>
+                                            <p:strVal val="#ppt_x"/>
+                                          </p:val>
+                                        </p:tav>
+                                      </p:tavLst>
+                                    </p:anim>
+                                    <p:anim calcmode="lin" valueType="num">
+                                      <p:cBhvr additive="base">
+                                        <p:cTn id="14" dur="500" fill="hold"/>
+                                        <p:tgtEl>
+                                          <p:spTgt spid="27"/>
+                                        </p:tgtEl>
+                                        <p:attrNameLst>
+                                          <p:attrName>ppt_y</p:attrName>
+                                        </p:attrNameLst>
+                                      </p:cBhvr>
+                                      <p:tavLst>
+                                        <p:tav tm="0">
+                                          <p:val>
+                                            <p:strVal val="1+#ppt_h/2"/>
+                                          </p:val>
+                                        </p:tav>
+                                        <p:tav tm="100000">
+                                          <p:val>
+                                            <p:strVal val="#ppt_y"/>
+                                          </p:val>
+                                        </p:tav>
+                                      </p:tavLst>
+                                    </p:anim>
+                                  </p:childTnLst>
+                                </p:cTn>
+                              </p:par>
+                            </p:childTnLst>
+                          </p:cTn>
+                        </p:par>
+                      </p:childTnLst>
+                    </p:cTn>
+                  </p:par>
+                </p:childTnLst>
+              </p:cTn>
+              <p:prevCondLst>
+                <p:cond evt="onPrev" delay="0">
+                  <p:tgtEl>
+                    <p:sldTgt/>
+                  </p:tgtEl>
+                </p:cond>
+              </p:prevCondLst>
+              <p:nextCondLst>
+                <p:cond evt="onNext" delay="0">
+                  <p:tgtEl>
+                    <p:sldTgt/>
+                  </p:tgtEl>
+                </p:cond>
+              </p:nextCondLst>
+            </p:seq>
+          </p:childTnLst>
+        </p:cTn>
+      </p:par>
+    </p:tnLst>
+  </p:timing>
+</p:sld>
+</file>
+
+<file path=ppt/slides/slide25.xml><?xml version="1.0" encoding="utf-8"?>
 <p:sld xmlns:a="http://schemas.openxmlformats.org/drawingml/2006/main" xmlns:r="http://schemas.openxmlformats.org/officeDocument/2006/relationships" xmlns:p="http://schemas.openxmlformats.org/presentationml/2006/main">
   <p:cSld>
     <p:spTree>
@@ -20106,7 +18475,7 @@
 </p:sld>
 </file>
 
-<file path=ppt/slides/slide25.xml><?xml version="1.0" encoding="utf-8"?>
+<file path=ppt/slides/slide26.xml><?xml version="1.0" encoding="utf-8"?>
 <p:sld xmlns:a="http://schemas.openxmlformats.org/drawingml/2006/main" xmlns:r="http://schemas.openxmlformats.org/officeDocument/2006/relationships" xmlns:p="http://schemas.openxmlformats.org/presentationml/2006/main">
   <p:cSld>
     <p:spTree>
@@ -20251,7 +18620,7 @@
 </p:sld>
 </file>
 
-<file path=ppt/slides/slide26.xml><?xml version="1.0" encoding="utf-8"?>
+<file path=ppt/slides/slide27.xml><?xml version="1.0" encoding="utf-8"?>
 <p:sld xmlns:a="http://schemas.openxmlformats.org/drawingml/2006/main" xmlns:r="http://schemas.openxmlformats.org/officeDocument/2006/relationships" xmlns:p="http://schemas.openxmlformats.org/presentationml/2006/main">
   <p:cSld>
     <p:spTree>
@@ -20673,7 +19042,7 @@
 </p:sld>
 </file>
 
-<file path=ppt/slides/slide27.xml><?xml version="1.0" encoding="utf-8"?>
+<file path=ppt/slides/slide28.xml><?xml version="1.0" encoding="utf-8"?>
 <p:sld xmlns:a="http://schemas.openxmlformats.org/drawingml/2006/main" xmlns:r="http://schemas.openxmlformats.org/officeDocument/2006/relationships" xmlns:p="http://schemas.openxmlformats.org/presentationml/2006/main">
   <p:cSld>
     <p:spTree>
@@ -21093,7 +19462,13 @@
               <a:rPr lang="en-GB" dirty="0">
                 <a:hlinkClick r:id="rId6"/>
               </a:rPr>
-              <a:t>Link to today’s Session  </a:t>
+              <a:t>Link to today’s </a:t>
+            </a:r>
+            <a:r>
+              <a:rPr lang="en-GB">
+                <a:hlinkClick r:id="rId6"/>
+              </a:rPr>
+              <a:t>Session screencast  </a:t>
             </a:r>
             <a:endParaRPr lang="en-GB" dirty="0"/>
           </a:p>
@@ -28121,15 +26496,15 @@
 <file path=customXml/itemProps1.xml><?xml version="1.0" encoding="utf-8"?>
 <ds:datastoreItem xmlns:ds="http://schemas.openxmlformats.org/officeDocument/2006/customXml" ds:itemID="{1B174DBE-1AD7-495B-B168-212A7EE723A6}">
   <ds:schemaRefs>
+    <ds:schemaRef ds:uri="cab83b3b-4db3-4a13-8dd4-e60be6d87cf5"/>
+    <ds:schemaRef ds:uri="http://www.w3.org/XML/1998/namespace"/>
     <ds:schemaRef ds:uri="http://schemas.microsoft.com/office/2006/documentManagement/types"/>
+    <ds:schemaRef ds:uri="http://purl.org/dc/elements/1.1/"/>
+    <ds:schemaRef ds:uri="http://purl.org/dc/terms/"/>
+    <ds:schemaRef ds:uri="http://schemas.microsoft.com/office/2006/metadata/properties"/>
     <ds:schemaRef ds:uri="http://schemas.openxmlformats.org/package/2006/metadata/core-properties"/>
+    <ds:schemaRef ds:uri="http://schemas.microsoft.com/office/infopath/2007/PartnerControls"/>
     <ds:schemaRef ds:uri="c2e86655-d7ed-4420-bc92-1b9547829f54"/>
-    <ds:schemaRef ds:uri="http://purl.org/dc/elements/1.1/"/>
-    <ds:schemaRef ds:uri="http://schemas.microsoft.com/office/infopath/2007/PartnerControls"/>
-    <ds:schemaRef ds:uri="cab83b3b-4db3-4a13-8dd4-e60be6d87cf5"/>
-    <ds:schemaRef ds:uri="http://schemas.microsoft.com/office/2006/metadata/properties"/>
-    <ds:schemaRef ds:uri="http://purl.org/dc/terms/"/>
-    <ds:schemaRef ds:uri="http://www.w3.org/XML/1998/namespace"/>
     <ds:schemaRef ds:uri="http://purl.org/dc/dcmitype/"/>
   </ds:schemaRefs>
 </ds:datastoreItem>

--- a/thesis/ukapp2/wqu_isc/sofware_design/Javabc06.pptx
+++ b/thesis/ukapp2/wqu_isc/sofware_design/Javabc06.pptx
@@ -245,7 +245,7 @@
           <a:p>
             <a:fld id="{4358A756-45B2-441B-BD26-2888C6C79637}" type="datetimeFigureOut">
               <a:rPr lang="en-GB" smtClean="0"/>
-              <a:t>27/10/2020</a:t>
+              <a:t>29/10/2020</a:t>
             </a:fld>
             <a:endParaRPr lang="en-GB"/>
           </a:p>
@@ -907,7 +907,7 @@
           <a:p>
             <a:fld id="{CD13FC2D-BEDB-45BE-AF82-649A39BEFF71}" type="datetimeFigureOut">
               <a:rPr lang="en-GB" smtClean="0"/>
-              <a:t>27/10/2020</a:t>
+              <a:t>29/10/2020</a:t>
             </a:fld>
             <a:endParaRPr lang="en-GB"/>
           </a:p>
@@ -1115,7 +1115,7 @@
           <a:p>
             <a:fld id="{CD13FC2D-BEDB-45BE-AF82-649A39BEFF71}" type="datetimeFigureOut">
               <a:rPr lang="en-GB" smtClean="0"/>
-              <a:t>27/10/2020</a:t>
+              <a:t>29/10/2020</a:t>
             </a:fld>
             <a:endParaRPr lang="en-GB"/>
           </a:p>
@@ -1371,7 +1371,7 @@
           <a:p>
             <a:fld id="{CD13FC2D-BEDB-45BE-AF82-649A39BEFF71}" type="datetimeFigureOut">
               <a:rPr lang="en-GB" smtClean="0"/>
-              <a:t>27/10/2020</a:t>
+              <a:t>29/10/2020</a:t>
             </a:fld>
             <a:endParaRPr lang="en-GB"/>
           </a:p>
@@ -1541,7 +1541,7 @@
           <a:p>
             <a:fld id="{CD13FC2D-BEDB-45BE-AF82-649A39BEFF71}" type="datetimeFigureOut">
               <a:rPr lang="en-GB" smtClean="0"/>
-              <a:t>27/10/2020</a:t>
+              <a:t>29/10/2020</a:t>
             </a:fld>
             <a:endParaRPr lang="en-GB"/>
           </a:p>
@@ -1884,7 +1884,7 @@
           <a:p>
             <a:fld id="{CD13FC2D-BEDB-45BE-AF82-649A39BEFF71}" type="datetimeFigureOut">
               <a:rPr lang="en-GB" smtClean="0"/>
-              <a:t>27/10/2020</a:t>
+              <a:t>29/10/2020</a:t>
             </a:fld>
             <a:endParaRPr lang="en-GB"/>
           </a:p>
@@ -2159,7 +2159,7 @@
           <a:p>
             <a:fld id="{CD13FC2D-BEDB-45BE-AF82-649A39BEFF71}" type="datetimeFigureOut">
               <a:rPr lang="en-GB" smtClean="0"/>
-              <a:t>27/10/2020</a:t>
+              <a:t>29/10/2020</a:t>
             </a:fld>
             <a:endParaRPr lang="en-GB"/>
           </a:p>
@@ -2538,7 +2538,7 @@
           <a:p>
             <a:fld id="{CD13FC2D-BEDB-45BE-AF82-649A39BEFF71}" type="datetimeFigureOut">
               <a:rPr lang="en-GB" smtClean="0"/>
-              <a:t>27/10/2020</a:t>
+              <a:t>29/10/2020</a:t>
             </a:fld>
             <a:endParaRPr lang="en-GB"/>
           </a:p>
@@ -2656,7 +2656,7 @@
           <a:p>
             <a:fld id="{CD13FC2D-BEDB-45BE-AF82-649A39BEFF71}" type="datetimeFigureOut">
               <a:rPr lang="en-GB" smtClean="0"/>
-              <a:t>27/10/2020</a:t>
+              <a:t>29/10/2020</a:t>
             </a:fld>
             <a:endParaRPr lang="en-GB"/>
           </a:p>
@@ -2827,7 +2827,7 @@
           <a:p>
             <a:fld id="{CD13FC2D-BEDB-45BE-AF82-649A39BEFF71}" type="datetimeFigureOut">
               <a:rPr lang="en-GB" smtClean="0"/>
-              <a:t>27/10/2020</a:t>
+              <a:t>29/10/2020</a:t>
             </a:fld>
             <a:endParaRPr lang="en-GB"/>
           </a:p>
@@ -3181,7 +3181,7 @@
           <a:p>
             <a:fld id="{CD13FC2D-BEDB-45BE-AF82-649A39BEFF71}" type="datetimeFigureOut">
               <a:rPr lang="en-GB" smtClean="0"/>
-              <a:t>27/10/2020</a:t>
+              <a:t>29/10/2020</a:t>
             </a:fld>
             <a:endParaRPr lang="en-GB"/>
           </a:p>
@@ -3563,7 +3563,7 @@
           <a:p>
             <a:fld id="{CD13FC2D-BEDB-45BE-AF82-649A39BEFF71}" type="datetimeFigureOut">
               <a:rPr lang="en-GB" smtClean="0"/>
-              <a:t>27/10/2020</a:t>
+              <a:t>29/10/2020</a:t>
             </a:fld>
             <a:endParaRPr lang="en-GB"/>
           </a:p>
@@ -3850,7 +3850,7 @@
           <a:p>
             <a:fld id="{CD13FC2D-BEDB-45BE-AF82-649A39BEFF71}" type="datetimeFigureOut">
               <a:rPr lang="en-GB" smtClean="0"/>
-              <a:t>27/10/2020</a:t>
+              <a:t>29/10/2020</a:t>
             </a:fld>
             <a:endParaRPr lang="en-GB"/>
           </a:p>
@@ -18104,10 +18104,10 @@
       </p:sp>
       <p:pic>
         <p:nvPicPr>
-          <p:cNvPr id="38" name="Picture 37" descr="Table&#10;&#10;Description automatically generated">
+          <p:cNvPr id="4" name="Picture 3" descr="Table&#10;&#10;Description automatically generated">
             <a:extLst>
               <a:ext uri="{FF2B5EF4-FFF2-40B4-BE49-F238E27FC236}">
-                <a16:creationId xmlns:a16="http://schemas.microsoft.com/office/drawing/2014/main" id="{B56B01DB-3DAC-4492-810F-29A52DC6C64B}"/>
+                <a16:creationId xmlns:a16="http://schemas.microsoft.com/office/drawing/2014/main" id="{96A7E458-93FB-4BEF-8AF1-1B2EADE4FEE0}"/>
               </a:ext>
             </a:extLst>
           </p:cNvPr>
@@ -18130,8 +18130,8 @@
         </p:blipFill>
         <p:spPr>
           <a:xfrm>
-            <a:off x="1559776" y="701520"/>
-            <a:ext cx="4058599" cy="4483222"/>
+            <a:off x="1447800" y="676192"/>
+            <a:ext cx="4693920" cy="4591134"/>
           </a:xfrm>
           <a:prstGeom prst="rect">
             <a:avLst/>
@@ -18221,7 +18221,7 @@
                                           </p:stCondLst>
                                         </p:cTn>
                                         <p:tgtEl>
-                                          <p:spTgt spid="38"/>
+                                          <p:spTgt spid="4"/>
                                         </p:tgtEl>
                                         <p:attrNameLst>
                                           <p:attrName>style.visibility</p:attrName>
@@ -18235,7 +18235,7 @@
                                       <p:cBhvr additive="base">
                                         <p:cTn id="7" dur="500" fill="hold"/>
                                         <p:tgtEl>
-                                          <p:spTgt spid="38"/>
+                                          <p:spTgt spid="4"/>
                                         </p:tgtEl>
                                         <p:attrNameLst>
                                           <p:attrName>ppt_x</p:attrName>
@@ -18258,7 +18258,7 @@
                                       <p:cBhvr additive="base">
                                         <p:cTn id="8" dur="500" fill="hold"/>
                                         <p:tgtEl>
-                                          <p:spTgt spid="38"/>
+                                          <p:spTgt spid="4"/>
                                         </p:tgtEl>
                                         <p:attrNameLst>
                                           <p:attrName>ppt_y</p:attrName>
@@ -26256,12 +26256,6 @@
 </file>
 
 <file path=customXml/item1.xml><?xml version="1.0" encoding="utf-8"?>
-<p:properties xmlns:p="http://schemas.microsoft.com/office/2006/metadata/properties" xmlns:xsi="http://www.w3.org/2001/XMLSchema-instance" xmlns:pc="http://schemas.microsoft.com/office/infopath/2007/PartnerControls">
-  <documentManagement/>
-</p:properties>
-</file>
-
-<file path=customXml/item2.xml><?xml version="1.0" encoding="utf-8"?>
 <ct:contentTypeSchema xmlns:ct="http://schemas.microsoft.com/office/2006/metadata/contentType" xmlns:ma="http://schemas.microsoft.com/office/2006/metadata/properties/metaAttributes" ct:_="" ma:_="" ma:contentTypeName="Document" ma:contentTypeID="0x010100062A1965C0ED8D4B93D90EC9097FB304" ma:contentTypeVersion="13" ma:contentTypeDescription="Create a new document." ma:contentTypeScope="" ma:versionID="ad8c00255a362f38b965062bb6973433">
   <xsd:schema xmlns:xsd="http://www.w3.org/2001/XMLSchema" xmlns:xs="http://www.w3.org/2001/XMLSchema" xmlns:p="http://schemas.microsoft.com/office/2006/metadata/properties" xmlns:ns3="cab83b3b-4db3-4a13-8dd4-e60be6d87cf5" xmlns:ns4="c2e86655-d7ed-4420-bc92-1b9547829f54" targetNamespace="http://schemas.microsoft.com/office/2006/metadata/properties" ma:root="true" ma:fieldsID="d47f86c9060cacabc5fb99b2dd628c7d" ns3:_="" ns4:_="">
     <xsd:import namespace="cab83b3b-4db3-4a13-8dd4-e60be6d87cf5"/>
@@ -26484,6 +26478,12 @@
 </ct:contentTypeSchema>
 </file>
 
+<file path=customXml/item2.xml><?xml version="1.0" encoding="utf-8"?>
+<p:properties xmlns:p="http://schemas.microsoft.com/office/2006/metadata/properties" xmlns:xsi="http://www.w3.org/2001/XMLSchema-instance" xmlns:pc="http://schemas.microsoft.com/office/infopath/2007/PartnerControls">
+  <documentManagement/>
+</p:properties>
+</file>
+
 <file path=customXml/item3.xml><?xml version="1.0" encoding="utf-8"?>
 <?mso-contentType ?>
 <FormTemplates xmlns="http://schemas.microsoft.com/sharepoint/v3/contenttype/forms">
@@ -26494,23 +26494,6 @@
 </file>
 
 <file path=customXml/itemProps1.xml><?xml version="1.0" encoding="utf-8"?>
-<ds:datastoreItem xmlns:ds="http://schemas.openxmlformats.org/officeDocument/2006/customXml" ds:itemID="{1B174DBE-1AD7-495B-B168-212A7EE723A6}">
-  <ds:schemaRefs>
-    <ds:schemaRef ds:uri="cab83b3b-4db3-4a13-8dd4-e60be6d87cf5"/>
-    <ds:schemaRef ds:uri="http://www.w3.org/XML/1998/namespace"/>
-    <ds:schemaRef ds:uri="http://schemas.microsoft.com/office/2006/documentManagement/types"/>
-    <ds:schemaRef ds:uri="http://purl.org/dc/elements/1.1/"/>
-    <ds:schemaRef ds:uri="http://purl.org/dc/terms/"/>
-    <ds:schemaRef ds:uri="http://schemas.microsoft.com/office/2006/metadata/properties"/>
-    <ds:schemaRef ds:uri="http://schemas.openxmlformats.org/package/2006/metadata/core-properties"/>
-    <ds:schemaRef ds:uri="http://schemas.microsoft.com/office/infopath/2007/PartnerControls"/>
-    <ds:schemaRef ds:uri="c2e86655-d7ed-4420-bc92-1b9547829f54"/>
-    <ds:schemaRef ds:uri="http://purl.org/dc/dcmitype/"/>
-  </ds:schemaRefs>
-</ds:datastoreItem>
-</file>
-
-<file path=customXml/itemProps2.xml><?xml version="1.0" encoding="utf-8"?>
 <ds:datastoreItem xmlns:ds="http://schemas.openxmlformats.org/officeDocument/2006/customXml" ds:itemID="{03233C07-2685-44F7-9601-FF64EA49BA1B}">
   <ds:schemaRefs>
     <ds:schemaRef ds:uri="http://schemas.microsoft.com/office/2006/metadata/contentType"/>
@@ -26529,6 +26512,23 @@
 </ds:datastoreItem>
 </file>
 
+<file path=customXml/itemProps2.xml><?xml version="1.0" encoding="utf-8"?>
+<ds:datastoreItem xmlns:ds="http://schemas.openxmlformats.org/officeDocument/2006/customXml" ds:itemID="{1B174DBE-1AD7-495B-B168-212A7EE723A6}">
+  <ds:schemaRefs>
+    <ds:schemaRef ds:uri="http://schemas.openxmlformats.org/package/2006/metadata/core-properties"/>
+    <ds:schemaRef ds:uri="cab83b3b-4db3-4a13-8dd4-e60be6d87cf5"/>
+    <ds:schemaRef ds:uri="http://purl.org/dc/elements/1.1/"/>
+    <ds:schemaRef ds:uri="http://schemas.microsoft.com/office/infopath/2007/PartnerControls"/>
+    <ds:schemaRef ds:uri="http://www.w3.org/XML/1998/namespace"/>
+    <ds:schemaRef ds:uri="http://purl.org/dc/dcmitype/"/>
+    <ds:schemaRef ds:uri="http://schemas.microsoft.com/office/2006/documentManagement/types"/>
+    <ds:schemaRef ds:uri="c2e86655-d7ed-4420-bc92-1b9547829f54"/>
+    <ds:schemaRef ds:uri="http://schemas.microsoft.com/office/2006/metadata/properties"/>
+    <ds:schemaRef ds:uri="http://purl.org/dc/terms/"/>
+  </ds:schemaRefs>
+</ds:datastoreItem>
+</file>
+
 <file path=customXml/itemProps3.xml><?xml version="1.0" encoding="utf-8"?>
 <ds:datastoreItem xmlns:ds="http://schemas.openxmlformats.org/officeDocument/2006/customXml" ds:itemID="{07A05CC1-FF68-453F-AE9C-352B80151440}">
   <ds:schemaRefs>
